--- a/public/user/output/U201812791-刘棫欣-1.《喜马拉雅FM免费增值策略对用户留存的影响的实证研究》/output_5_6.pptx
+++ b/public/user/output/U201812791-刘棫欣-1.《喜马拉雅FM免费增值策略对用户留存的影响的实证研究》/output_5_6.pptx
@@ -1,14 +1,20 @@
 
 <file path=ppt/presentation.xml><?xml version="1.0" encoding="utf-8"?>
-<p:presentation xmlns:a="http://schemas.openxmlformats.org/drawingml/2006/main" xmlns:r="http://schemas.openxmlformats.org/officeDocument/2006/relationships" xmlns:p="http://schemas.openxmlformats.org/presentationml/2006/main" saveSubsetFonts="1">
+<p:presentation xmlns:a="http://schemas.openxmlformats.org/drawingml/2006/main" xmlns:r="http://schemas.openxmlformats.org/officeDocument/2006/relationships" xmlns:p="http://schemas.openxmlformats.org/presentationml/2006/main">
   <p:sldMasterIdLst>
     <p:sldMasterId id="2147483648" r:id="rId1"/>
   </p:sldMasterIdLst>
+  <p:notesMasterIdLst>
+    <p:notesMasterId r:id="rId3"/>
+  </p:notesMasterIdLst>
   <p:sldIdLst>
-    <p:sldId id="641" r:id="rId2"/>
+    <p:sldId id="257" r:id="rId2"/>
   </p:sldIdLst>
   <p:sldSz cx="12192000" cy="6858000"/>
   <p:notesSz cx="6858000" cy="9144000"/>
+  <p:custDataLst>
+    <p:tags r:id="rId4"/>
+  </p:custDataLst>
   <p:defaultTextStyle>
     <a:defPPr>
       <a:defRPr lang="zh-CN"/>
@@ -104,7 +110,426 @@
       </a:defRPr>
     </a:lvl9pPr>
   </p:defaultTextStyle>
+  <p:extLst>
+    <p:ext uri="{EFAFB233-063F-42B5-8137-9DF3F51BA10A}">
+      <p15:sldGuideLst xmlns:p15="http://schemas.microsoft.com/office/powerpoint/2012/main">
+        <p15:guide id="1" orient="horz" pos="2160" userDrawn="1">
+          <p15:clr>
+            <a:srgbClr val="A4A3A4"/>
+          </p15:clr>
+        </p15:guide>
+        <p15:guide id="2" pos="3840" userDrawn="1">
+          <p15:clr>
+            <a:srgbClr val="A4A3A4"/>
+          </p15:clr>
+        </p15:guide>
+      </p15:sldGuideLst>
+    </p:ext>
+    <p:ext uri="{2D200454-40CA-4A62-9FC3-DE9A4176ACB9}">
+      <p15:notesGuideLst xmlns:p15="http://schemas.microsoft.com/office/powerpoint/2012/main"/>
+    </p:ext>
+  </p:extLst>
 </p:presentation>
+</file>
+
+<file path=ppt/notesMasters/notesMaster1.xml><?xml version="1.0" encoding="utf-8"?>
+<p:notesMaster xmlns:a="http://schemas.openxmlformats.org/drawingml/2006/main" xmlns:r="http://schemas.openxmlformats.org/officeDocument/2006/relationships" xmlns:p="http://schemas.openxmlformats.org/presentationml/2006/main">
+  <p:cSld>
+    <p:bg>
+      <p:bgRef idx="1001">
+        <a:schemeClr val="bg1"/>
+      </p:bgRef>
+    </p:bg>
+    <p:spTree>
+      <p:nvGrpSpPr>
+        <p:cNvPr id="1" name=""/>
+        <p:cNvGrpSpPr/>
+        <p:nvPr/>
+      </p:nvGrpSpPr>
+      <p:grpSpPr>
+        <a:xfrm>
+          <a:off x="0" y="0"/>
+          <a:ext cx="0" cy="0"/>
+          <a:chOff x="0" y="0"/>
+          <a:chExt cx="0" cy="0"/>
+        </a:xfrm>
+      </p:grpSpPr>
+      <p:sp>
+        <p:nvSpPr>
+          <p:cNvPr id="2" name="页眉占位符 1"/>
+          <p:cNvSpPr>
+            <a:spLocks noGrp="1"/>
+          </p:cNvSpPr>
+          <p:nvPr>
+            <p:ph type="hdr" sz="quarter"/>
+          </p:nvPr>
+        </p:nvSpPr>
+        <p:spPr>
+          <a:xfrm>
+            <a:off x="0" y="0"/>
+            <a:ext cx="2971800" cy="458788"/>
+          </a:xfrm>
+          <a:prstGeom prst="rect">
+            <a:avLst/>
+          </a:prstGeom>
+        </p:spPr>
+        <p:txBody>
+          <a:bodyPr vert="horz" lIns="91440" tIns="45720" rIns="91440" bIns="45720" rtlCol="0"/>
+          <a:lstStyle>
+            <a:lvl1pPr algn="l">
+              <a:defRPr sz="1200"/>
+            </a:lvl1pPr>
+          </a:lstStyle>
+          <a:p>
+            <a:endParaRPr lang="zh-CN" altLang="en-US"/>
+          </a:p>
+        </p:txBody>
+      </p:sp>
+      <p:sp>
+        <p:nvSpPr>
+          <p:cNvPr id="3" name="日期占位符 2"/>
+          <p:cNvSpPr>
+            <a:spLocks noGrp="1"/>
+          </p:cNvSpPr>
+          <p:nvPr>
+            <p:ph type="dt" idx="1"/>
+          </p:nvPr>
+        </p:nvSpPr>
+        <p:spPr>
+          <a:xfrm>
+            <a:off x="3884613" y="0"/>
+            <a:ext cx="2971800" cy="458788"/>
+          </a:xfrm>
+          <a:prstGeom prst="rect">
+            <a:avLst/>
+          </a:prstGeom>
+        </p:spPr>
+        <p:txBody>
+          <a:bodyPr vert="horz" lIns="91440" tIns="45720" rIns="91440" bIns="45720" rtlCol="0"/>
+          <a:lstStyle>
+            <a:lvl1pPr algn="r">
+              <a:defRPr sz="1200"/>
+            </a:lvl1pPr>
+          </a:lstStyle>
+          <a:p>
+            <a:fld id="{D2A48B96-639E-45A3-A0BA-2464DFDB1FAA}" type="datetimeFigureOut">
+              <a:rPr lang="zh-CN" altLang="en-US" smtClean="0"/>
+              <a:t>2024/8/6</a:t>
+            </a:fld>
+            <a:endParaRPr lang="zh-CN" altLang="en-US"/>
+          </a:p>
+        </p:txBody>
+      </p:sp>
+      <p:sp>
+        <p:nvSpPr>
+          <p:cNvPr id="4" name="幻灯片图像占位符 3"/>
+          <p:cNvSpPr>
+            <a:spLocks noGrp="1" noRot="1" noChangeAspect="1"/>
+          </p:cNvSpPr>
+          <p:nvPr>
+            <p:ph type="sldImg" idx="2"/>
+          </p:nvPr>
+        </p:nvSpPr>
+        <p:spPr>
+          <a:xfrm>
+            <a:off x="685800" y="1143000"/>
+            <a:ext cx="5486400" cy="3086100"/>
+          </a:xfrm>
+          <a:prstGeom prst="rect">
+            <a:avLst/>
+          </a:prstGeom>
+          <a:noFill/>
+          <a:ln w="12700">
+            <a:solidFill>
+              <a:prstClr val="black"/>
+            </a:solidFill>
+          </a:ln>
+        </p:spPr>
+        <p:txBody>
+          <a:bodyPr vert="horz" lIns="91440" tIns="45720" rIns="91440" bIns="45720" rtlCol="0" anchor="ctr"/>
+          <a:lstStyle/>
+          <a:p>
+            <a:endParaRPr lang="zh-CN" altLang="en-US"/>
+          </a:p>
+        </p:txBody>
+      </p:sp>
+      <p:sp>
+        <p:nvSpPr>
+          <p:cNvPr id="5" name="备注占位符 4"/>
+          <p:cNvSpPr>
+            <a:spLocks noGrp="1"/>
+          </p:cNvSpPr>
+          <p:nvPr>
+            <p:ph type="body" sz="quarter" idx="3"/>
+          </p:nvPr>
+        </p:nvSpPr>
+        <p:spPr>
+          <a:xfrm>
+            <a:off x="685800" y="4400550"/>
+            <a:ext cx="5486400" cy="3600450"/>
+          </a:xfrm>
+          <a:prstGeom prst="rect">
+            <a:avLst/>
+          </a:prstGeom>
+        </p:spPr>
+        <p:txBody>
+          <a:bodyPr vert="horz" lIns="91440" tIns="45720" rIns="91440" bIns="45720" rtlCol="0"/>
+          <a:lstStyle/>
+          <a:p>
+            <a:pPr lvl="0"/>
+            <a:r>
+              <a:rPr lang="zh-CN" altLang="en-US"/>
+              <a:t>单击此处编辑母版文本样式</a:t>
+            </a:r>
+          </a:p>
+          <a:p>
+            <a:pPr lvl="1"/>
+            <a:r>
+              <a:rPr lang="zh-CN" altLang="en-US"/>
+              <a:t>第二级</a:t>
+            </a:r>
+          </a:p>
+          <a:p>
+            <a:pPr lvl="2"/>
+            <a:r>
+              <a:rPr lang="zh-CN" altLang="en-US"/>
+              <a:t>第三级</a:t>
+            </a:r>
+          </a:p>
+          <a:p>
+            <a:pPr lvl="3"/>
+            <a:r>
+              <a:rPr lang="zh-CN" altLang="en-US"/>
+              <a:t>第四级</a:t>
+            </a:r>
+          </a:p>
+          <a:p>
+            <a:pPr lvl="4"/>
+            <a:r>
+              <a:rPr lang="zh-CN" altLang="en-US"/>
+              <a:t>第五级</a:t>
+            </a:r>
+          </a:p>
+        </p:txBody>
+      </p:sp>
+      <p:sp>
+        <p:nvSpPr>
+          <p:cNvPr id="6" name="页脚占位符 5"/>
+          <p:cNvSpPr>
+            <a:spLocks noGrp="1"/>
+          </p:cNvSpPr>
+          <p:nvPr>
+            <p:ph type="ftr" sz="quarter" idx="4"/>
+          </p:nvPr>
+        </p:nvSpPr>
+        <p:spPr>
+          <a:xfrm>
+            <a:off x="0" y="8685213"/>
+            <a:ext cx="2971800" cy="458787"/>
+          </a:xfrm>
+          <a:prstGeom prst="rect">
+            <a:avLst/>
+          </a:prstGeom>
+        </p:spPr>
+        <p:txBody>
+          <a:bodyPr vert="horz" lIns="91440" tIns="45720" rIns="91440" bIns="45720" rtlCol="0" anchor="b"/>
+          <a:lstStyle>
+            <a:lvl1pPr algn="l">
+              <a:defRPr sz="1200"/>
+            </a:lvl1pPr>
+          </a:lstStyle>
+          <a:p>
+            <a:endParaRPr lang="zh-CN" altLang="en-US"/>
+          </a:p>
+        </p:txBody>
+      </p:sp>
+      <p:sp>
+        <p:nvSpPr>
+          <p:cNvPr id="7" name="灯片编号占位符 6"/>
+          <p:cNvSpPr>
+            <a:spLocks noGrp="1"/>
+          </p:cNvSpPr>
+          <p:nvPr>
+            <p:ph type="sldNum" sz="quarter" idx="5"/>
+          </p:nvPr>
+        </p:nvSpPr>
+        <p:spPr>
+          <a:xfrm>
+            <a:off x="3884613" y="8685213"/>
+            <a:ext cx="2971800" cy="458787"/>
+          </a:xfrm>
+          <a:prstGeom prst="rect">
+            <a:avLst/>
+          </a:prstGeom>
+        </p:spPr>
+        <p:txBody>
+          <a:bodyPr vert="horz" lIns="91440" tIns="45720" rIns="91440" bIns="45720" rtlCol="0" anchor="b"/>
+          <a:lstStyle>
+            <a:lvl1pPr algn="r">
+              <a:defRPr sz="1200"/>
+            </a:lvl1pPr>
+          </a:lstStyle>
+          <a:p>
+            <a:fld id="{A6837353-30EB-4A48-80EB-173D804AEFBD}" type="slidenum">
+              <a:rPr lang="zh-CN" altLang="en-US" smtClean="0"/>
+              <a:t>‹#›</a:t>
+            </a:fld>
+            <a:endParaRPr lang="zh-CN" altLang="en-US"/>
+          </a:p>
+        </p:txBody>
+      </p:sp>
+    </p:spTree>
+  </p:cSld>
+  <p:clrMap bg1="lt1" tx1="dk1" bg2="lt2" tx2="dk2" accent1="accent1" accent2="accent2" accent3="accent3" accent4="accent4" accent5="accent5" accent6="accent6" hlink="hlink" folHlink="folHlink"/>
+  <p:notesStyle>
+    <a:lvl1pPr marL="0" algn="l" defTabSz="914400" rtl="0" eaLnBrk="1" latinLnBrk="0" hangingPunct="1">
+      <a:defRPr sz="1200" kern="1200">
+        <a:solidFill>
+          <a:schemeClr val="tx1"/>
+        </a:solidFill>
+        <a:latin typeface="+mn-lt"/>
+        <a:ea typeface="+mn-ea"/>
+        <a:cs typeface="+mn-cs"/>
+      </a:defRPr>
+    </a:lvl1pPr>
+    <a:lvl2pPr marL="457200" algn="l" defTabSz="914400" rtl="0" eaLnBrk="1" latinLnBrk="0" hangingPunct="1">
+      <a:defRPr sz="1200" kern="1200">
+        <a:solidFill>
+          <a:schemeClr val="tx1"/>
+        </a:solidFill>
+        <a:latin typeface="+mn-lt"/>
+        <a:ea typeface="+mn-ea"/>
+        <a:cs typeface="+mn-cs"/>
+      </a:defRPr>
+    </a:lvl2pPr>
+    <a:lvl3pPr marL="914400" algn="l" defTabSz="914400" rtl="0" eaLnBrk="1" latinLnBrk="0" hangingPunct="1">
+      <a:defRPr sz="1200" kern="1200">
+        <a:solidFill>
+          <a:schemeClr val="tx1"/>
+        </a:solidFill>
+        <a:latin typeface="+mn-lt"/>
+        <a:ea typeface="+mn-ea"/>
+        <a:cs typeface="+mn-cs"/>
+      </a:defRPr>
+    </a:lvl3pPr>
+    <a:lvl4pPr marL="1371600" algn="l" defTabSz="914400" rtl="0" eaLnBrk="1" latinLnBrk="0" hangingPunct="1">
+      <a:defRPr sz="1200" kern="1200">
+        <a:solidFill>
+          <a:schemeClr val="tx1"/>
+        </a:solidFill>
+        <a:latin typeface="+mn-lt"/>
+        <a:ea typeface="+mn-ea"/>
+        <a:cs typeface="+mn-cs"/>
+      </a:defRPr>
+    </a:lvl4pPr>
+    <a:lvl5pPr marL="1828800" algn="l" defTabSz="914400" rtl="0" eaLnBrk="1" latinLnBrk="0" hangingPunct="1">
+      <a:defRPr sz="1200" kern="1200">
+        <a:solidFill>
+          <a:schemeClr val="tx1"/>
+        </a:solidFill>
+        <a:latin typeface="+mn-lt"/>
+        <a:ea typeface="+mn-ea"/>
+        <a:cs typeface="+mn-cs"/>
+      </a:defRPr>
+    </a:lvl5pPr>
+    <a:lvl6pPr marL="2286000" algn="l" defTabSz="914400" rtl="0" eaLnBrk="1" latinLnBrk="0" hangingPunct="1">
+      <a:defRPr sz="1200" kern="1200">
+        <a:solidFill>
+          <a:schemeClr val="tx1"/>
+        </a:solidFill>
+        <a:latin typeface="+mn-lt"/>
+        <a:ea typeface="+mn-ea"/>
+        <a:cs typeface="+mn-cs"/>
+      </a:defRPr>
+    </a:lvl6pPr>
+    <a:lvl7pPr marL="2743200" algn="l" defTabSz="914400" rtl="0" eaLnBrk="1" latinLnBrk="0" hangingPunct="1">
+      <a:defRPr sz="1200" kern="1200">
+        <a:solidFill>
+          <a:schemeClr val="tx1"/>
+        </a:solidFill>
+        <a:latin typeface="+mn-lt"/>
+        <a:ea typeface="+mn-ea"/>
+        <a:cs typeface="+mn-cs"/>
+      </a:defRPr>
+    </a:lvl7pPr>
+    <a:lvl8pPr marL="3200400" algn="l" defTabSz="914400" rtl="0" eaLnBrk="1" latinLnBrk="0" hangingPunct="1">
+      <a:defRPr sz="1200" kern="1200">
+        <a:solidFill>
+          <a:schemeClr val="tx1"/>
+        </a:solidFill>
+        <a:latin typeface="+mn-lt"/>
+        <a:ea typeface="+mn-ea"/>
+        <a:cs typeface="+mn-cs"/>
+      </a:defRPr>
+    </a:lvl8pPr>
+    <a:lvl9pPr marL="3657600" algn="l" defTabSz="914400" rtl="0" eaLnBrk="1" latinLnBrk="0" hangingPunct="1">
+      <a:defRPr sz="1200" kern="1200">
+        <a:solidFill>
+          <a:schemeClr val="tx1"/>
+        </a:solidFill>
+        <a:latin typeface="+mn-lt"/>
+        <a:ea typeface="+mn-ea"/>
+        <a:cs typeface="+mn-cs"/>
+      </a:defRPr>
+    </a:lvl9pPr>
+  </p:notesStyle>
+</p:notesMaster>
+</file>
+
+<file path=ppt/notesSlides/notesSlide1.xml><?xml version="1.0" encoding="utf-8"?>
+<p:notes xmlns:a="http://schemas.openxmlformats.org/drawingml/2006/main" xmlns:r="http://schemas.openxmlformats.org/officeDocument/2006/relationships" xmlns:p="http://schemas.openxmlformats.org/presentationml/2006/main">
+  <p:cSld>
+    <p:spTree>
+      <p:nvGrpSpPr>
+        <p:cNvPr id="1" name=""/>
+        <p:cNvGrpSpPr/>
+        <p:nvPr/>
+      </p:nvGrpSpPr>
+      <p:grpSpPr>
+        <a:xfrm>
+          <a:off x="0" y="0"/>
+          <a:ext cx="0" cy="0"/>
+          <a:chOff x="0" y="0"/>
+          <a:chExt cx="0" cy="0"/>
+        </a:xfrm>
+      </p:grpSpPr>
+      <p:sp>
+        <p:nvSpPr>
+          <p:cNvPr id="2" name="幻灯片图像占位符 1"/>
+          <p:cNvSpPr>
+            <a:spLocks noGrp="1" noRot="1" noChangeAspect="1"/>
+          </p:cNvSpPr>
+          <p:nvPr>
+            <p:ph type="sldImg" idx="2"/>
+          </p:nvPr>
+        </p:nvSpPr>
+        <p:spPr/>
+      </p:sp>
+      <p:sp>
+        <p:nvSpPr>
+          <p:cNvPr id="3" name="文本占位符 2"/>
+          <p:cNvSpPr>
+            <a:spLocks noGrp="1"/>
+          </p:cNvSpPr>
+          <p:nvPr>
+            <p:ph type="body" idx="3"/>
+          </p:nvPr>
+        </p:nvSpPr>
+        <p:spPr/>
+        <p:txBody>
+          <a:bodyPr/>
+          <a:lstStyle/>
+          <a:p>
+            <a:endParaRPr lang="zh-CN" altLang="en-US"/>
+          </a:p>
+        </p:txBody>
+      </p:sp>
+    </p:spTree>
+  </p:cSld>
+  <p:clrMapOvr>
+    <a:masterClrMapping/>
+  </p:clrMapOvr>
+</p:notes>
 </file>
 
 <file path=ppt/slideLayouts/slideLayout1.xml><?xml version="1.0" encoding="utf-8"?>
@@ -126,28 +551,27 @@
       </p:grpSpPr>
       <p:sp>
         <p:nvSpPr>
-          <p:cNvPr id="2" name="标题 1">
-            <a:extLst>
-              <a:ext uri="{FF2B5EF4-FFF2-40B4-BE49-F238E27FC236}">
-                <a16:creationId xmlns:a16="http://schemas.microsoft.com/office/drawing/2014/main" id="{86158423-4066-1627-ADC9-4A9E71326FFC}"/>
-              </a:ext>
-            </a:extLst>
-          </p:cNvPr>
+          <p:cNvPr id="2" name="标题 1"/>
           <p:cNvSpPr>
             <a:spLocks noGrp="1"/>
           </p:cNvSpPr>
           <p:nvPr>
             <p:ph type="ctrTitle"/>
+            <p:custDataLst>
+              <p:tags r:id="rId1"/>
+            </p:custDataLst>
           </p:nvPr>
         </p:nvSpPr>
         <p:spPr>
           <a:xfrm>
-            <a:off x="1524000" y="1122363"/>
-            <a:ext cx="9144000" cy="2387600"/>
+            <a:off x="1198800" y="914400"/>
+            <a:ext cx="9799200" cy="2570400"/>
           </a:xfrm>
         </p:spPr>
         <p:txBody>
-          <a:bodyPr anchor="b"/>
+          <a:bodyPr lIns="90000" tIns="46800" rIns="90000" bIns="46800" anchor="b" anchorCtr="0">
+            <a:normAutofit/>
+          </a:bodyPr>
           <a:lstStyle>
             <a:lvl1pPr algn="ctr">
               <a:defRPr sz="6000"/>
@@ -155,7 +579,7 @@
           </a:lstStyle>
           <a:p>
             <a:r>
-              <a:rPr lang="zh-CN" altLang="en-US"/>
+              <a:rPr lang="zh-CN" altLang="en-US" dirty="0"/>
               <a:t>单击此处编辑母版标题样式</a:t>
             </a:r>
           </a:p>
@@ -163,32 +587,34 @@
       </p:sp>
       <p:sp>
         <p:nvSpPr>
-          <p:cNvPr id="3" name="副标题 2">
-            <a:extLst>
-              <a:ext uri="{FF2B5EF4-FFF2-40B4-BE49-F238E27FC236}">
-                <a16:creationId xmlns:a16="http://schemas.microsoft.com/office/drawing/2014/main" id="{7E6132B3-F862-E198-B0B0-1C71DAEC7273}"/>
-              </a:ext>
-            </a:extLst>
-          </p:cNvPr>
+          <p:cNvPr id="3" name="副标题 2"/>
           <p:cNvSpPr>
             <a:spLocks noGrp="1"/>
           </p:cNvSpPr>
           <p:nvPr>
             <p:ph type="subTitle" idx="1"/>
+            <p:custDataLst>
+              <p:tags r:id="rId2"/>
+            </p:custDataLst>
           </p:nvPr>
         </p:nvSpPr>
         <p:spPr>
           <a:xfrm>
-            <a:off x="1524000" y="3602038"/>
-            <a:ext cx="9144000" cy="1655762"/>
+            <a:off x="1198800" y="3560400"/>
+            <a:ext cx="9799200" cy="1472400"/>
           </a:xfrm>
         </p:spPr>
         <p:txBody>
-          <a:bodyPr/>
+          <a:bodyPr lIns="90000" tIns="46800" rIns="90000" bIns="46800">
+            <a:normAutofit/>
+          </a:bodyPr>
           <a:lstStyle>
             <a:lvl1pPr marL="0" indent="0" algn="ctr">
+              <a:lnSpc>
+                <a:spcPct val="110000"/>
+              </a:lnSpc>
               <a:buNone/>
-              <a:defRPr sz="2400"/>
+              <a:defRPr sz="2400" spc="200"/>
             </a:lvl1pPr>
             <a:lvl2pPr marL="457200" indent="0" algn="ctr">
               <a:buNone/>
@@ -225,7 +651,7 @@
           </a:lstStyle>
           <a:p>
             <a:r>
-              <a:rPr lang="zh-CN" altLang="en-US"/>
+              <a:rPr lang="zh-CN" altLang="en-US" dirty="0"/>
               <a:t>单击此处编辑母版副标题样式</a:t>
             </a:r>
           </a:p>
@@ -233,18 +659,15 @@
       </p:sp>
       <p:sp>
         <p:nvSpPr>
-          <p:cNvPr id="4" name="日期占位符 3">
-            <a:extLst>
-              <a:ext uri="{FF2B5EF4-FFF2-40B4-BE49-F238E27FC236}">
-                <a16:creationId xmlns:a16="http://schemas.microsoft.com/office/drawing/2014/main" id="{66B64182-5572-B140-66D5-C1C754374389}"/>
-              </a:ext>
-            </a:extLst>
-          </p:cNvPr>
+          <p:cNvPr id="16" name="日期占位符 15"/>
           <p:cNvSpPr>
             <a:spLocks noGrp="1"/>
           </p:cNvSpPr>
           <p:nvPr>
             <p:ph type="dt" sz="half" idx="10"/>
+            <p:custDataLst>
+              <p:tags r:id="rId3"/>
+            </p:custDataLst>
           </p:nvPr>
         </p:nvSpPr>
         <p:spPr/>
@@ -252,9 +675,9 @@
           <a:bodyPr/>
           <a:lstStyle/>
           <a:p>
-            <a:fld id="{D848DC82-3171-4CF6-BD5E-EF12C344DE3A}" type="datetimeFigureOut">
+            <a:fld id="{760FBDFE-C587-4B4C-A407-44438C67B59E}" type="datetimeFigureOut">
               <a:rPr lang="zh-CN" altLang="en-US" smtClean="0"/>
-              <a:t>2024/8/5</a:t>
+              <a:t>2024/8/6</a:t>
             </a:fld>
             <a:endParaRPr lang="zh-CN" altLang="en-US"/>
           </a:p>
@@ -262,18 +685,15 @@
       </p:sp>
       <p:sp>
         <p:nvSpPr>
-          <p:cNvPr id="5" name="页脚占位符 4">
-            <a:extLst>
-              <a:ext uri="{FF2B5EF4-FFF2-40B4-BE49-F238E27FC236}">
-                <a16:creationId xmlns:a16="http://schemas.microsoft.com/office/drawing/2014/main" id="{0FFA5B17-D3B3-10C5-A73B-40BA17790435}"/>
-              </a:ext>
-            </a:extLst>
-          </p:cNvPr>
+          <p:cNvPr id="17" name="页脚占位符 16"/>
           <p:cNvSpPr>
             <a:spLocks noGrp="1"/>
           </p:cNvSpPr>
           <p:nvPr>
             <p:ph type="ftr" sz="quarter" idx="11"/>
+            <p:custDataLst>
+              <p:tags r:id="rId4"/>
+            </p:custDataLst>
           </p:nvPr>
         </p:nvSpPr>
         <p:spPr/>
@@ -281,24 +701,21 @@
           <a:bodyPr/>
           <a:lstStyle/>
           <a:p>
-            <a:endParaRPr lang="zh-CN" altLang="en-US"/>
-          </a:p>
-        </p:txBody>
-      </p:sp>
-      <p:sp>
-        <p:nvSpPr>
-          <p:cNvPr id="6" name="灯片编号占位符 5">
-            <a:extLst>
-              <a:ext uri="{FF2B5EF4-FFF2-40B4-BE49-F238E27FC236}">
-                <a16:creationId xmlns:a16="http://schemas.microsoft.com/office/drawing/2014/main" id="{22800A34-1B5F-528F-3659-E330F355E636}"/>
-              </a:ext>
-            </a:extLst>
-          </p:cNvPr>
+            <a:endParaRPr lang="zh-CN" altLang="en-US" dirty="0"/>
+          </a:p>
+        </p:txBody>
+      </p:sp>
+      <p:sp>
+        <p:nvSpPr>
+          <p:cNvPr id="18" name="灯片编号占位符 17"/>
           <p:cNvSpPr>
             <a:spLocks noGrp="1"/>
           </p:cNvSpPr>
           <p:nvPr>
             <p:ph type="sldNum" sz="quarter" idx="12"/>
+            <p:custDataLst>
+              <p:tags r:id="rId5"/>
+            </p:custDataLst>
           </p:nvPr>
         </p:nvSpPr>
         <p:spPr/>
@@ -306,20 +723,15 @@
           <a:bodyPr/>
           <a:lstStyle/>
           <a:p>
-            <a:fld id="{505BB7F5-5393-483B-B334-E9D740D0C2FA}" type="slidenum">
+            <a:fld id="{49AE70B2-8BF9-45C0-BB95-33D1B9D3A854}" type="slidenum">
               <a:rPr lang="zh-CN" altLang="en-US" smtClean="0"/>
               <a:t>‹#›</a:t>
             </a:fld>
-            <a:endParaRPr lang="zh-CN" altLang="en-US"/>
+            <a:endParaRPr lang="zh-CN" altLang="en-US" dirty="0"/>
           </a:p>
         </p:txBody>
       </p:sp>
     </p:spTree>
-    <p:extLst>
-      <p:ext uri="{BB962C8B-B14F-4D97-AF65-F5344CB8AC3E}">
-        <p14:creationId xmlns:p14="http://schemas.microsoft.com/office/powerpoint/2010/main" val="3686231416"/>
-      </p:ext>
-    </p:extLst>
   </p:cSld>
   <p:clrMapOvr>
     <a:masterClrMapping/>
@@ -328,8 +740,8 @@
 </file>
 
 <file path=ppt/slideLayouts/slideLayout10.xml><?xml version="1.0" encoding="utf-8"?>
-<p:sldLayout xmlns:a="http://schemas.openxmlformats.org/drawingml/2006/main" xmlns:r="http://schemas.openxmlformats.org/officeDocument/2006/relationships" xmlns:p="http://schemas.openxmlformats.org/presentationml/2006/main" type="vertTx" preserve="1">
-  <p:cSld name="标题和竖排文字">
+<p:sldLayout xmlns:a="http://schemas.openxmlformats.org/drawingml/2006/main" xmlns:r="http://schemas.openxmlformats.org/officeDocument/2006/relationships" xmlns:p="http://schemas.openxmlformats.org/presentationml/2006/main" preserve="1" userDrawn="1">
+  <p:cSld name="内容">
     <p:spTree>
       <p:nvGrpSpPr>
         <p:cNvPr id="1" name=""/>
@@ -346,18 +758,15 @@
       </p:grpSpPr>
       <p:sp>
         <p:nvSpPr>
-          <p:cNvPr id="2" name="标题 1">
-            <a:extLst>
-              <a:ext uri="{FF2B5EF4-FFF2-40B4-BE49-F238E27FC236}">
-                <a16:creationId xmlns:a16="http://schemas.microsoft.com/office/drawing/2014/main" id="{4C443971-580E-A5DB-3BF4-4C84F34621BF}"/>
-              </a:ext>
-            </a:extLst>
-          </p:cNvPr>
-          <p:cNvSpPr>
-            <a:spLocks noGrp="1"/>
-          </p:cNvSpPr>
-          <p:nvPr>
-            <p:ph type="title"/>
+          <p:cNvPr id="3" name="日期占位符 2"/>
+          <p:cNvSpPr>
+            <a:spLocks noGrp="1"/>
+          </p:cNvSpPr>
+          <p:nvPr>
+            <p:ph type="dt" sz="half" idx="10"/>
+            <p:custDataLst>
+              <p:tags r:id="rId1"/>
+            </p:custDataLst>
           </p:nvPr>
         </p:nvSpPr>
         <p:spPr/>
@@ -365,94 +774,9 @@
           <a:bodyPr/>
           <a:lstStyle/>
           <a:p>
-            <a:r>
-              <a:rPr lang="zh-CN" altLang="en-US"/>
-              <a:t>单击此处编辑母版标题样式</a:t>
-            </a:r>
-          </a:p>
-        </p:txBody>
-      </p:sp>
-      <p:sp>
-        <p:nvSpPr>
-          <p:cNvPr id="3" name="竖排文字占位符 2">
-            <a:extLst>
-              <a:ext uri="{FF2B5EF4-FFF2-40B4-BE49-F238E27FC236}">
-                <a16:creationId xmlns:a16="http://schemas.microsoft.com/office/drawing/2014/main" id="{EBE427DF-F797-19F2-5496-39875653B8A0}"/>
-              </a:ext>
-            </a:extLst>
-          </p:cNvPr>
-          <p:cNvSpPr>
-            <a:spLocks noGrp="1"/>
-          </p:cNvSpPr>
-          <p:nvPr>
-            <p:ph type="body" orient="vert" idx="1"/>
-          </p:nvPr>
-        </p:nvSpPr>
-        <p:spPr/>
-        <p:txBody>
-          <a:bodyPr vert="eaVert"/>
-          <a:lstStyle/>
-          <a:p>
-            <a:pPr lvl="0"/>
-            <a:r>
-              <a:rPr lang="zh-CN" altLang="en-US"/>
-              <a:t>单击此处编辑母版文本样式</a:t>
-            </a:r>
-          </a:p>
-          <a:p>
-            <a:pPr lvl="1"/>
-            <a:r>
-              <a:rPr lang="zh-CN" altLang="en-US"/>
-              <a:t>二级</a:t>
-            </a:r>
-          </a:p>
-          <a:p>
-            <a:pPr lvl="2"/>
-            <a:r>
-              <a:rPr lang="zh-CN" altLang="en-US"/>
-              <a:t>三级</a:t>
-            </a:r>
-          </a:p>
-          <a:p>
-            <a:pPr lvl="3"/>
-            <a:r>
-              <a:rPr lang="zh-CN" altLang="en-US"/>
-              <a:t>四级</a:t>
-            </a:r>
-          </a:p>
-          <a:p>
-            <a:pPr lvl="4"/>
-            <a:r>
-              <a:rPr lang="zh-CN" altLang="en-US"/>
-              <a:t>五级</a:t>
-            </a:r>
-          </a:p>
-        </p:txBody>
-      </p:sp>
-      <p:sp>
-        <p:nvSpPr>
-          <p:cNvPr id="4" name="日期占位符 3">
-            <a:extLst>
-              <a:ext uri="{FF2B5EF4-FFF2-40B4-BE49-F238E27FC236}">
-                <a16:creationId xmlns:a16="http://schemas.microsoft.com/office/drawing/2014/main" id="{7A69589F-106C-5D94-CE3B-DC1B99A03FBA}"/>
-              </a:ext>
-            </a:extLst>
-          </p:cNvPr>
-          <p:cNvSpPr>
-            <a:spLocks noGrp="1"/>
-          </p:cNvSpPr>
-          <p:nvPr>
-            <p:ph type="dt" sz="half" idx="10"/>
-          </p:nvPr>
-        </p:nvSpPr>
-        <p:spPr/>
-        <p:txBody>
-          <a:bodyPr/>
-          <a:lstStyle/>
-          <a:p>
-            <a:fld id="{D848DC82-3171-4CF6-BD5E-EF12C344DE3A}" type="datetimeFigureOut">
+            <a:fld id="{760FBDFE-C587-4B4C-A407-44438C67B59E}" type="datetimeFigureOut">
               <a:rPr lang="zh-CN" altLang="en-US" smtClean="0"/>
-              <a:t>2024/8/5</a:t>
+              <a:t>2024/8/6</a:t>
             </a:fld>
             <a:endParaRPr lang="zh-CN" altLang="en-US"/>
           </a:p>
@@ -460,18 +784,15 @@
       </p:sp>
       <p:sp>
         <p:nvSpPr>
-          <p:cNvPr id="5" name="页脚占位符 4">
-            <a:extLst>
-              <a:ext uri="{FF2B5EF4-FFF2-40B4-BE49-F238E27FC236}">
-                <a16:creationId xmlns:a16="http://schemas.microsoft.com/office/drawing/2014/main" id="{7211C6F1-C2F8-86D0-879F-B98CC6D0C1B0}"/>
-              </a:ext>
-            </a:extLst>
-          </p:cNvPr>
+          <p:cNvPr id="4" name="页脚占位符 3"/>
           <p:cNvSpPr>
             <a:spLocks noGrp="1"/>
           </p:cNvSpPr>
           <p:nvPr>
             <p:ph type="ftr" sz="quarter" idx="11"/>
+            <p:custDataLst>
+              <p:tags r:id="rId2"/>
+            </p:custDataLst>
           </p:nvPr>
         </p:nvSpPr>
         <p:spPr/>
@@ -485,18 +806,15 @@
       </p:sp>
       <p:sp>
         <p:nvSpPr>
-          <p:cNvPr id="6" name="灯片编号占位符 5">
-            <a:extLst>
-              <a:ext uri="{FF2B5EF4-FFF2-40B4-BE49-F238E27FC236}">
-                <a16:creationId xmlns:a16="http://schemas.microsoft.com/office/drawing/2014/main" id="{64527771-1F14-F60D-3E45-3980EE7776D5}"/>
-              </a:ext>
-            </a:extLst>
-          </p:cNvPr>
+          <p:cNvPr id="5" name="灯片编号占位符 4"/>
           <p:cNvSpPr>
             <a:spLocks noGrp="1"/>
           </p:cNvSpPr>
           <p:nvPr>
             <p:ph type="sldNum" sz="quarter" idx="12"/>
+            <p:custDataLst>
+              <p:tags r:id="rId3"/>
+            </p:custDataLst>
           </p:nvPr>
         </p:nvSpPr>
         <p:spPr/>
@@ -504,7 +822,7 @@
           <a:bodyPr/>
           <a:lstStyle/>
           <a:p>
-            <a:fld id="{505BB7F5-5393-483B-B334-E9D740D0C2FA}" type="slidenum">
+            <a:fld id="{49AE70B2-8BF9-45C0-BB95-33D1B9D3A854}" type="slidenum">
               <a:rPr lang="zh-CN" altLang="en-US" smtClean="0"/>
               <a:t>‹#›</a:t>
             </a:fld>
@@ -512,12 +830,66 @@
           </a:p>
         </p:txBody>
       </p:sp>
+      <p:sp>
+        <p:nvSpPr>
+          <p:cNvPr id="7" name="内容占位符 6"/>
+          <p:cNvSpPr>
+            <a:spLocks noGrp="1"/>
+          </p:cNvSpPr>
+          <p:nvPr>
+            <p:ph sz="quarter" idx="13"/>
+            <p:custDataLst>
+              <p:tags r:id="rId4"/>
+            </p:custDataLst>
+          </p:nvPr>
+        </p:nvSpPr>
+        <p:spPr>
+          <a:xfrm>
+            <a:off x="608400" y="774000"/>
+            <a:ext cx="10972800" cy="5482800"/>
+          </a:xfrm>
+        </p:spPr>
+        <p:txBody>
+          <a:bodyPr/>
+          <a:lstStyle/>
+          <a:p>
+            <a:pPr lvl="0"/>
+            <a:r>
+              <a:rPr lang="zh-CN" altLang="en-US" dirty="0"/>
+              <a:t>单击此处编辑母版文本样式</a:t>
+            </a:r>
+          </a:p>
+          <a:p>
+            <a:pPr lvl="1"/>
+            <a:r>
+              <a:rPr lang="zh-CN" altLang="en-US" dirty="0"/>
+              <a:t>第二级</a:t>
+            </a:r>
+          </a:p>
+          <a:p>
+            <a:pPr lvl="2"/>
+            <a:r>
+              <a:rPr lang="zh-CN" altLang="en-US" dirty="0"/>
+              <a:t>第三级</a:t>
+            </a:r>
+          </a:p>
+          <a:p>
+            <a:pPr lvl="3"/>
+            <a:r>
+              <a:rPr lang="zh-CN" altLang="en-US" dirty="0"/>
+              <a:t>第四级</a:t>
+            </a:r>
+          </a:p>
+          <a:p>
+            <a:pPr lvl="4"/>
+            <a:r>
+              <a:rPr lang="zh-CN" altLang="en-US" dirty="0"/>
+              <a:t>第五级</a:t>
+            </a:r>
+          </a:p>
+        </p:txBody>
+      </p:sp>
     </p:spTree>
-    <p:extLst>
-      <p:ext uri="{BB962C8B-B14F-4D97-AF65-F5344CB8AC3E}">
-        <p14:creationId xmlns:p14="http://schemas.microsoft.com/office/powerpoint/2010/main" val="2276267521"/>
-      </p:ext>
-    </p:extLst>
   </p:cSld>
   <p:clrMapOvr>
     <a:masterClrMapping/>
@@ -526,8 +898,8 @@
 </file>
 
 <file path=ppt/slideLayouts/slideLayout11.xml><?xml version="1.0" encoding="utf-8"?>
-<p:sldLayout xmlns:a="http://schemas.openxmlformats.org/drawingml/2006/main" xmlns:r="http://schemas.openxmlformats.org/officeDocument/2006/relationships" xmlns:p="http://schemas.openxmlformats.org/presentationml/2006/main" type="vertTitleAndTx" preserve="1">
-  <p:cSld name="竖排标题与文本">
+<p:sldLayout xmlns:a="http://schemas.openxmlformats.org/drawingml/2006/main" xmlns:r="http://schemas.openxmlformats.org/officeDocument/2006/relationships" xmlns:p="http://schemas.openxmlformats.org/presentationml/2006/main" preserve="1" userDrawn="1">
+  <p:cSld name="末尾幻灯片">
     <p:spTree>
       <p:nvGrpSpPr>
         <p:cNvPr id="1" name=""/>
@@ -544,113 +916,15 @@
       </p:grpSpPr>
       <p:sp>
         <p:nvSpPr>
-          <p:cNvPr id="2" name="竖排标题 1">
-            <a:extLst>
-              <a:ext uri="{FF2B5EF4-FFF2-40B4-BE49-F238E27FC236}">
-                <a16:creationId xmlns:a16="http://schemas.microsoft.com/office/drawing/2014/main" id="{A058F732-CB08-47C6-EC65-0DC1E2161F8C}"/>
-              </a:ext>
-            </a:extLst>
-          </p:cNvPr>
-          <p:cNvSpPr>
-            <a:spLocks noGrp="1"/>
-          </p:cNvSpPr>
-          <p:nvPr>
-            <p:ph type="title" orient="vert"/>
-          </p:nvPr>
-        </p:nvSpPr>
-        <p:spPr>
-          <a:xfrm>
-            <a:off x="8724900" y="365125"/>
-            <a:ext cx="2628900" cy="5811838"/>
-          </a:xfrm>
-        </p:spPr>
-        <p:txBody>
-          <a:bodyPr vert="eaVert"/>
-          <a:lstStyle/>
-          <a:p>
-            <a:r>
-              <a:rPr lang="zh-CN" altLang="en-US"/>
-              <a:t>单击此处编辑母版标题样式</a:t>
-            </a:r>
-          </a:p>
-        </p:txBody>
-      </p:sp>
-      <p:sp>
-        <p:nvSpPr>
-          <p:cNvPr id="3" name="竖排文字占位符 2">
-            <a:extLst>
-              <a:ext uri="{FF2B5EF4-FFF2-40B4-BE49-F238E27FC236}">
-                <a16:creationId xmlns:a16="http://schemas.microsoft.com/office/drawing/2014/main" id="{33B5E30F-8E2A-6786-63C0-6E7AE881B69E}"/>
-              </a:ext>
-            </a:extLst>
-          </p:cNvPr>
-          <p:cNvSpPr>
-            <a:spLocks noGrp="1"/>
-          </p:cNvSpPr>
-          <p:nvPr>
-            <p:ph type="body" orient="vert" idx="1"/>
-          </p:nvPr>
-        </p:nvSpPr>
-        <p:spPr>
-          <a:xfrm>
-            <a:off x="838200" y="365125"/>
-            <a:ext cx="7734300" cy="5811838"/>
-          </a:xfrm>
-        </p:spPr>
-        <p:txBody>
-          <a:bodyPr vert="eaVert"/>
-          <a:lstStyle/>
-          <a:p>
-            <a:pPr lvl="0"/>
-            <a:r>
-              <a:rPr lang="zh-CN" altLang="en-US"/>
-              <a:t>单击此处编辑母版文本样式</a:t>
-            </a:r>
-          </a:p>
-          <a:p>
-            <a:pPr lvl="1"/>
-            <a:r>
-              <a:rPr lang="zh-CN" altLang="en-US"/>
-              <a:t>二级</a:t>
-            </a:r>
-          </a:p>
-          <a:p>
-            <a:pPr lvl="2"/>
-            <a:r>
-              <a:rPr lang="zh-CN" altLang="en-US"/>
-              <a:t>三级</a:t>
-            </a:r>
-          </a:p>
-          <a:p>
-            <a:pPr lvl="3"/>
-            <a:r>
-              <a:rPr lang="zh-CN" altLang="en-US"/>
-              <a:t>四级</a:t>
-            </a:r>
-          </a:p>
-          <a:p>
-            <a:pPr lvl="4"/>
-            <a:r>
-              <a:rPr lang="zh-CN" altLang="en-US"/>
-              <a:t>五级</a:t>
-            </a:r>
-          </a:p>
-        </p:txBody>
-      </p:sp>
-      <p:sp>
-        <p:nvSpPr>
-          <p:cNvPr id="4" name="日期占位符 3">
-            <a:extLst>
-              <a:ext uri="{FF2B5EF4-FFF2-40B4-BE49-F238E27FC236}">
-                <a16:creationId xmlns:a16="http://schemas.microsoft.com/office/drawing/2014/main" id="{236F4FA9-162D-8A4B-CB55-36C75A4D00F0}"/>
-              </a:ext>
-            </a:extLst>
-          </p:cNvPr>
+          <p:cNvPr id="3" name="日期占位符 2"/>
           <p:cNvSpPr>
             <a:spLocks noGrp="1"/>
           </p:cNvSpPr>
           <p:nvPr>
             <p:ph type="dt" sz="half" idx="10"/>
+            <p:custDataLst>
+              <p:tags r:id="rId1"/>
+            </p:custDataLst>
           </p:nvPr>
         </p:nvSpPr>
         <p:spPr/>
@@ -658,9 +932,9 @@
           <a:bodyPr/>
           <a:lstStyle/>
           <a:p>
-            <a:fld id="{D848DC82-3171-4CF6-BD5E-EF12C344DE3A}" type="datetimeFigureOut">
+            <a:fld id="{760FBDFE-C587-4B4C-A407-44438C67B59E}" type="datetimeFigureOut">
               <a:rPr lang="zh-CN" altLang="en-US" smtClean="0"/>
-              <a:t>2024/8/5</a:t>
+              <a:t>2024/8/6</a:t>
             </a:fld>
             <a:endParaRPr lang="zh-CN" altLang="en-US"/>
           </a:p>
@@ -668,18 +942,15 @@
       </p:sp>
       <p:sp>
         <p:nvSpPr>
-          <p:cNvPr id="5" name="页脚占位符 4">
-            <a:extLst>
-              <a:ext uri="{FF2B5EF4-FFF2-40B4-BE49-F238E27FC236}">
-                <a16:creationId xmlns:a16="http://schemas.microsoft.com/office/drawing/2014/main" id="{3D75ECDD-FD03-0CA6-8142-FDB0C9764C81}"/>
-              </a:ext>
-            </a:extLst>
-          </p:cNvPr>
+          <p:cNvPr id="4" name="页脚占位符 3"/>
           <p:cNvSpPr>
             <a:spLocks noGrp="1"/>
           </p:cNvSpPr>
           <p:nvPr>
             <p:ph type="ftr" sz="quarter" idx="11"/>
+            <p:custDataLst>
+              <p:tags r:id="rId2"/>
+            </p:custDataLst>
           </p:nvPr>
         </p:nvSpPr>
         <p:spPr/>
@@ -693,18 +964,15 @@
       </p:sp>
       <p:sp>
         <p:nvSpPr>
-          <p:cNvPr id="6" name="灯片编号占位符 5">
-            <a:extLst>
-              <a:ext uri="{FF2B5EF4-FFF2-40B4-BE49-F238E27FC236}">
-                <a16:creationId xmlns:a16="http://schemas.microsoft.com/office/drawing/2014/main" id="{54461599-BE97-42E4-878C-AA25B4A0ABEC}"/>
-              </a:ext>
-            </a:extLst>
-          </p:cNvPr>
+          <p:cNvPr id="5" name="灯片编号占位符 4"/>
           <p:cNvSpPr>
             <a:spLocks noGrp="1"/>
           </p:cNvSpPr>
           <p:nvPr>
             <p:ph type="sldNum" sz="quarter" idx="12"/>
+            <p:custDataLst>
+              <p:tags r:id="rId3"/>
+            </p:custDataLst>
           </p:nvPr>
         </p:nvSpPr>
         <p:spPr/>
@@ -712,7 +980,7 @@
           <a:bodyPr/>
           <a:lstStyle/>
           <a:p>
-            <a:fld id="{505BB7F5-5393-483B-B334-E9D740D0C2FA}" type="slidenum">
+            <a:fld id="{49AE70B2-8BF9-45C0-BB95-33D1B9D3A854}" type="slidenum">
               <a:rPr lang="zh-CN" altLang="en-US" smtClean="0"/>
               <a:t>‹#›</a:t>
             </a:fld>
@@ -720,12 +988,85 @@
           </a:p>
         </p:txBody>
       </p:sp>
+      <p:sp>
+        <p:nvSpPr>
+          <p:cNvPr id="2" name="标题 1"/>
+          <p:cNvSpPr>
+            <a:spLocks noGrp="1"/>
+          </p:cNvSpPr>
+          <p:nvPr>
+            <p:ph type="title" hasCustomPrompt="1"/>
+            <p:custDataLst>
+              <p:tags r:id="rId4"/>
+            </p:custDataLst>
+          </p:nvPr>
+        </p:nvSpPr>
+        <p:spPr>
+          <a:xfrm>
+            <a:off x="1198800" y="2484000"/>
+            <a:ext cx="9799200" cy="1018800"/>
+          </a:xfrm>
+        </p:spPr>
+        <p:txBody>
+          <a:bodyPr vert="horz" lIns="90000" tIns="46800" rIns="90000" bIns="46800" rtlCol="0" anchor="t" anchorCtr="0">
+            <a:normAutofit/>
+          </a:bodyPr>
+          <a:lstStyle>
+            <a:lvl1pPr algn="ctr">
+              <a:defRPr sz="6000"/>
+            </a:lvl1pPr>
+          </a:lstStyle>
+          <a:p>
+            <a:pPr lvl="0"/>
+            <a:r>
+              <a:rPr lang="zh-CN" altLang="en-US"/>
+              <a:t>单击此处编辑标题</a:t>
+            </a:r>
+          </a:p>
+        </p:txBody>
+      </p:sp>
+      <p:sp>
+        <p:nvSpPr>
+          <p:cNvPr id="7" name="文本占位符 6"/>
+          <p:cNvSpPr>
+            <a:spLocks noGrp="1"/>
+          </p:cNvSpPr>
+          <p:nvPr>
+            <p:ph type="body" sz="quarter" idx="13"/>
+            <p:custDataLst>
+              <p:tags r:id="rId5"/>
+            </p:custDataLst>
+          </p:nvPr>
+        </p:nvSpPr>
+        <p:spPr>
+          <a:xfrm>
+            <a:off x="1198800" y="3560400"/>
+            <a:ext cx="9799200" cy="471600"/>
+          </a:xfrm>
+        </p:spPr>
+        <p:txBody>
+          <a:bodyPr lIns="90000" tIns="46800" rIns="90000" bIns="46800">
+            <a:normAutofit/>
+          </a:bodyPr>
+          <a:lstStyle>
+            <a:lvl1pPr algn="ctr">
+              <a:lnSpc>
+                <a:spcPct val="110000"/>
+              </a:lnSpc>
+              <a:buNone/>
+              <a:defRPr sz="2400" spc="200"/>
+            </a:lvl1pPr>
+          </a:lstStyle>
+          <a:p>
+            <a:pPr lvl="0"/>
+            <a:r>
+              <a:rPr lang="zh-CN" altLang="en-US" dirty="0"/>
+              <a:t>单击此处编辑母版文本样式</a:t>
+            </a:r>
+          </a:p>
+        </p:txBody>
+      </p:sp>
     </p:spTree>
-    <p:extLst>
-      <p:ext uri="{BB962C8B-B14F-4D97-AF65-F5344CB8AC3E}">
-        <p14:creationId xmlns:p14="http://schemas.microsoft.com/office/powerpoint/2010/main" val="2665121189"/>
-      </p:ext>
-    </p:extLst>
   </p:cSld>
   <p:clrMapOvr>
     <a:masterClrMapping/>
@@ -734,7 +1075,7 @@
 </file>
 
 <file path=ppt/slideLayouts/slideLayout12.xml><?xml version="1.0" encoding="utf-8"?>
-<p:sldLayout xmlns:a="http://schemas.openxmlformats.org/drawingml/2006/main" xmlns:r="http://schemas.openxmlformats.org/officeDocument/2006/relationships" xmlns:p="http://schemas.openxmlformats.org/presentationml/2006/main" userDrawn="1">
+<p:sldLayout xmlns:a="http://schemas.openxmlformats.org/drawingml/2006/main" xmlns:r="http://schemas.openxmlformats.org/officeDocument/2006/relationships" xmlns:p="http://schemas.openxmlformats.org/presentationml/2006/main" preserve="1" userDrawn="1">
   <p:cSld name="2_标题幻灯片">
     <p:spTree>
       <p:nvGrpSpPr>
@@ -923,11 +1264,6 @@
         </p:txBody>
       </p:sp>
     </p:spTree>
-    <p:extLst>
-      <p:ext uri="{BB962C8B-B14F-4D97-AF65-F5344CB8AC3E}">
-        <p14:creationId xmlns:p14="http://schemas.microsoft.com/office/powerpoint/2010/main" val="3526458528"/>
-      </p:ext>
-    </p:extLst>
   </p:cSld>
   <p:clrMapOvr>
     <a:masterClrMapping/>
@@ -966,25 +1302,30 @@
       </p:grpSpPr>
       <p:sp>
         <p:nvSpPr>
-          <p:cNvPr id="2" name="标题 1">
-            <a:extLst>
-              <a:ext uri="{FF2B5EF4-FFF2-40B4-BE49-F238E27FC236}">
-                <a16:creationId xmlns:a16="http://schemas.microsoft.com/office/drawing/2014/main" id="{10A8A92B-257B-C8C8-056F-4844C6AA70F5}"/>
-              </a:ext>
-            </a:extLst>
-          </p:cNvPr>
+          <p:cNvPr id="2" name="标题 1"/>
           <p:cNvSpPr>
             <a:spLocks noGrp="1"/>
           </p:cNvSpPr>
           <p:nvPr>
             <p:ph type="title"/>
-          </p:nvPr>
-        </p:nvSpPr>
-        <p:spPr/>
-        <p:txBody>
-          <a:bodyPr/>
-          <a:lstStyle/>
-          <a:p>
+            <p:custDataLst>
+              <p:tags r:id="rId1"/>
+            </p:custDataLst>
+          </p:nvPr>
+        </p:nvSpPr>
+        <p:spPr>
+          <a:xfrm>
+            <a:off x="608400" y="608400"/>
+            <a:ext cx="10969200" cy="705600"/>
+          </a:xfrm>
+        </p:spPr>
+        <p:txBody>
+          <a:bodyPr vert="horz" lIns="90000" tIns="46800" rIns="90000" bIns="46800" rtlCol="0" anchor="ctr" anchorCtr="0">
+            <a:normAutofit/>
+          </a:bodyPr>
+          <a:lstStyle/>
+          <a:p>
+            <a:pPr lvl="0"/>
             <a:r>
               <a:rPr lang="zh-CN" altLang="en-US"/>
               <a:t>单击此处编辑母版标题样式</a:t>
@@ -994,23 +1335,27 @@
       </p:sp>
       <p:sp>
         <p:nvSpPr>
-          <p:cNvPr id="3" name="内容占位符 2">
-            <a:extLst>
-              <a:ext uri="{FF2B5EF4-FFF2-40B4-BE49-F238E27FC236}">
-                <a16:creationId xmlns:a16="http://schemas.microsoft.com/office/drawing/2014/main" id="{270C21B1-B781-9AC7-4F3B-A7EC82726DA6}"/>
-              </a:ext>
-            </a:extLst>
-          </p:cNvPr>
+          <p:cNvPr id="3" name="内容占位符 2"/>
           <p:cNvSpPr>
             <a:spLocks noGrp="1"/>
           </p:cNvSpPr>
           <p:nvPr>
             <p:ph idx="1"/>
-          </p:nvPr>
-        </p:nvSpPr>
-        <p:spPr/>
-        <p:txBody>
-          <a:bodyPr/>
+            <p:custDataLst>
+              <p:tags r:id="rId2"/>
+            </p:custDataLst>
+          </p:nvPr>
+        </p:nvSpPr>
+        <p:spPr>
+          <a:xfrm>
+            <a:off x="608400" y="1490400"/>
+            <a:ext cx="10969200" cy="4759200"/>
+          </a:xfrm>
+        </p:spPr>
+        <p:txBody>
+          <a:bodyPr vert="horz" lIns="90000" tIns="46800" rIns="90000" bIns="46800" rtlCol="0">
+            <a:normAutofit/>
+          </a:bodyPr>
           <a:lstStyle/>
           <a:p>
             <a:pPr lvl="0"/>
@@ -1023,46 +1368,43 @@
             <a:pPr lvl="1"/>
             <a:r>
               <a:rPr lang="zh-CN" altLang="en-US"/>
-              <a:t>二级</a:t>
+              <a:t>第二级</a:t>
             </a:r>
           </a:p>
           <a:p>
             <a:pPr lvl="2"/>
             <a:r>
               <a:rPr lang="zh-CN" altLang="en-US"/>
-              <a:t>三级</a:t>
+              <a:t>第三级</a:t>
             </a:r>
           </a:p>
           <a:p>
             <a:pPr lvl="3"/>
             <a:r>
               <a:rPr lang="zh-CN" altLang="en-US"/>
-              <a:t>四级</a:t>
+              <a:t>第四级</a:t>
             </a:r>
           </a:p>
           <a:p>
             <a:pPr lvl="4"/>
             <a:r>
               <a:rPr lang="zh-CN" altLang="en-US"/>
-              <a:t>五级</a:t>
-            </a:r>
-          </a:p>
-        </p:txBody>
-      </p:sp>
-      <p:sp>
-        <p:nvSpPr>
-          <p:cNvPr id="4" name="日期占位符 3">
-            <a:extLst>
-              <a:ext uri="{FF2B5EF4-FFF2-40B4-BE49-F238E27FC236}">
-                <a16:creationId xmlns:a16="http://schemas.microsoft.com/office/drawing/2014/main" id="{89610EDF-EC54-2B6B-11DC-397C4F9E9552}"/>
-              </a:ext>
-            </a:extLst>
-          </p:cNvPr>
+              <a:t>第五级</a:t>
+            </a:r>
+          </a:p>
+        </p:txBody>
+      </p:sp>
+      <p:sp>
+        <p:nvSpPr>
+          <p:cNvPr id="4" name="日期占位符 3"/>
           <p:cNvSpPr>
             <a:spLocks noGrp="1"/>
           </p:cNvSpPr>
           <p:nvPr>
             <p:ph type="dt" sz="half" idx="10"/>
+            <p:custDataLst>
+              <p:tags r:id="rId3"/>
+            </p:custDataLst>
           </p:nvPr>
         </p:nvSpPr>
         <p:spPr/>
@@ -1070,9 +1412,9 @@
           <a:bodyPr/>
           <a:lstStyle/>
           <a:p>
-            <a:fld id="{D848DC82-3171-4CF6-BD5E-EF12C344DE3A}" type="datetimeFigureOut">
+            <a:fld id="{760FBDFE-C587-4B4C-A407-44438C67B59E}" type="datetimeFigureOut">
               <a:rPr lang="zh-CN" altLang="en-US" smtClean="0"/>
-              <a:t>2024/8/5</a:t>
+              <a:t>2024/8/6</a:t>
             </a:fld>
             <a:endParaRPr lang="zh-CN" altLang="en-US"/>
           </a:p>
@@ -1080,18 +1422,15 @@
       </p:sp>
       <p:sp>
         <p:nvSpPr>
-          <p:cNvPr id="5" name="页脚占位符 4">
-            <a:extLst>
-              <a:ext uri="{FF2B5EF4-FFF2-40B4-BE49-F238E27FC236}">
-                <a16:creationId xmlns:a16="http://schemas.microsoft.com/office/drawing/2014/main" id="{14E2A98B-5605-0F18-8308-F04D133B05E0}"/>
-              </a:ext>
-            </a:extLst>
-          </p:cNvPr>
+          <p:cNvPr id="5" name="页脚占位符 4"/>
           <p:cNvSpPr>
             <a:spLocks noGrp="1"/>
           </p:cNvSpPr>
           <p:nvPr>
             <p:ph type="ftr" sz="quarter" idx="11"/>
+            <p:custDataLst>
+              <p:tags r:id="rId4"/>
+            </p:custDataLst>
           </p:nvPr>
         </p:nvSpPr>
         <p:spPr/>
@@ -1105,18 +1444,15 @@
       </p:sp>
       <p:sp>
         <p:nvSpPr>
-          <p:cNvPr id="6" name="灯片编号占位符 5">
-            <a:extLst>
-              <a:ext uri="{FF2B5EF4-FFF2-40B4-BE49-F238E27FC236}">
-                <a16:creationId xmlns:a16="http://schemas.microsoft.com/office/drawing/2014/main" id="{5CAEC80D-DCF0-C84B-80C6-4F6C59CC11B0}"/>
-              </a:ext>
-            </a:extLst>
-          </p:cNvPr>
+          <p:cNvPr id="6" name="灯片编号占位符 5"/>
           <p:cNvSpPr>
             <a:spLocks noGrp="1"/>
           </p:cNvSpPr>
           <p:nvPr>
             <p:ph type="sldNum" sz="quarter" idx="12"/>
+            <p:custDataLst>
+              <p:tags r:id="rId5"/>
+            </p:custDataLst>
           </p:nvPr>
         </p:nvSpPr>
         <p:spPr/>
@@ -1124,7 +1460,7 @@
           <a:bodyPr/>
           <a:lstStyle/>
           <a:p>
-            <a:fld id="{505BB7F5-5393-483B-B334-E9D740D0C2FA}" type="slidenum">
+            <a:fld id="{49AE70B2-8BF9-45C0-BB95-33D1B9D3A854}" type="slidenum">
               <a:rPr lang="zh-CN" altLang="en-US" smtClean="0"/>
               <a:t>‹#›</a:t>
             </a:fld>
@@ -1133,11 +1469,6 @@
         </p:txBody>
       </p:sp>
     </p:spTree>
-    <p:extLst>
-      <p:ext uri="{BB962C8B-B14F-4D97-AF65-F5344CB8AC3E}">
-        <p14:creationId xmlns:p14="http://schemas.microsoft.com/office/powerpoint/2010/main" val="3169186517"/>
-      </p:ext>
-    </p:extLst>
   </p:cSld>
   <p:clrMapOvr>
     <a:masterClrMapping/>
@@ -1164,79 +1495,78 @@
       </p:grpSpPr>
       <p:sp>
         <p:nvSpPr>
-          <p:cNvPr id="2" name="标题 1">
-            <a:extLst>
-              <a:ext uri="{FF2B5EF4-FFF2-40B4-BE49-F238E27FC236}">
-                <a16:creationId xmlns:a16="http://schemas.microsoft.com/office/drawing/2014/main" id="{CB30A940-8DBB-7D0A-E2BA-4871B62315F4}"/>
-              </a:ext>
-            </a:extLst>
-          </p:cNvPr>
-          <p:cNvSpPr>
-            <a:spLocks noGrp="1"/>
-          </p:cNvSpPr>
-          <p:nvPr>
-            <p:ph type="title"/>
+          <p:cNvPr id="2" name="标题 1"/>
+          <p:cNvSpPr>
+            <a:spLocks noGrp="1"/>
+          </p:cNvSpPr>
+          <p:nvPr>
+            <p:ph type="title" hasCustomPrompt="1"/>
+            <p:custDataLst>
+              <p:tags r:id="rId1"/>
+            </p:custDataLst>
           </p:nvPr>
         </p:nvSpPr>
         <p:spPr>
           <a:xfrm>
-            <a:off x="831850" y="1709738"/>
-            <a:ext cx="10515600" cy="2852737"/>
+            <a:off x="1990800" y="3848400"/>
+            <a:ext cx="7768800" cy="766800"/>
           </a:xfrm>
         </p:spPr>
         <p:txBody>
-          <a:bodyPr anchor="b"/>
+          <a:bodyPr lIns="90000" tIns="46800" rIns="90000" bIns="46800" anchor="b" anchorCtr="0">
+            <a:normAutofit/>
+          </a:bodyPr>
           <a:lstStyle>
             <a:lvl1pPr>
-              <a:defRPr sz="6000"/>
+              <a:defRPr sz="4400"/>
             </a:lvl1pPr>
           </a:lstStyle>
           <a:p>
             <a:r>
-              <a:rPr lang="zh-CN" altLang="en-US"/>
-              <a:t>单击此处编辑母版标题样式</a:t>
-            </a:r>
-          </a:p>
-        </p:txBody>
-      </p:sp>
-      <p:sp>
-        <p:nvSpPr>
-          <p:cNvPr id="3" name="文本占位符 2">
-            <a:extLst>
-              <a:ext uri="{FF2B5EF4-FFF2-40B4-BE49-F238E27FC236}">
-                <a16:creationId xmlns:a16="http://schemas.microsoft.com/office/drawing/2014/main" id="{3F952DB7-8435-5A1C-D883-257EA91785D7}"/>
-              </a:ext>
-            </a:extLst>
-          </p:cNvPr>
-          <p:cNvSpPr>
-            <a:spLocks noGrp="1"/>
-          </p:cNvSpPr>
-          <p:nvPr>
-            <p:ph type="body" idx="1"/>
+              <a:rPr lang="zh-CN" altLang="en-US" dirty="0"/>
+              <a:t>单击此处编辑标题</a:t>
+            </a:r>
+          </a:p>
+        </p:txBody>
+      </p:sp>
+      <p:sp>
+        <p:nvSpPr>
+          <p:cNvPr id="3" name="文本占位符 2"/>
+          <p:cNvSpPr>
+            <a:spLocks noGrp="1"/>
+          </p:cNvSpPr>
+          <p:nvPr>
+            <p:ph type="body" idx="1" hasCustomPrompt="1"/>
+            <p:custDataLst>
+              <p:tags r:id="rId2"/>
+            </p:custDataLst>
           </p:nvPr>
         </p:nvSpPr>
         <p:spPr>
           <a:xfrm>
-            <a:off x="831850" y="4589463"/>
-            <a:ext cx="10515600" cy="1500187"/>
+            <a:off x="1990800" y="4615200"/>
+            <a:ext cx="7768800" cy="867600"/>
           </a:xfrm>
         </p:spPr>
         <p:txBody>
-          <a:bodyPr/>
+          <a:bodyPr lIns="90000" tIns="46800" rIns="90000" bIns="46800">
+            <a:normAutofit/>
+          </a:bodyPr>
           <a:lstStyle>
             <a:lvl1pPr marL="0" indent="0">
               <a:buNone/>
-              <a:defRPr sz="2400">
+              <a:defRPr sz="1800">
                 <a:solidFill>
                   <a:schemeClr val="tx1">
-                    <a:tint val="75000"/>
+                    <a:lumMod val="65000"/>
+                    <a:lumOff val="35000"/>
                   </a:schemeClr>
                 </a:solidFill>
               </a:defRPr>
             </a:lvl1pPr>
             <a:lvl2pPr marL="457200" indent="0">
               <a:buNone/>
-              <a:defRPr sz="2000">
+              <a:defRPr sz="1600">
                 <a:solidFill>
                   <a:schemeClr val="tx1">
                     <a:tint val="75000"/>
@@ -1246,7 +1576,7 @@
             </a:lvl2pPr>
             <a:lvl3pPr marL="914400" indent="0">
               <a:buNone/>
-              <a:defRPr sz="1800">
+              <a:defRPr sz="1600">
                 <a:solidFill>
                   <a:schemeClr val="tx1">
                     <a:tint val="75000"/>
@@ -1318,26 +1648,23 @@
           <a:p>
             <a:pPr lvl="0"/>
             <a:r>
-              <a:rPr lang="zh-CN" altLang="en-US"/>
-              <a:t>单击此处编辑母版文本样式</a:t>
-            </a:r>
-          </a:p>
-        </p:txBody>
-      </p:sp>
-      <p:sp>
-        <p:nvSpPr>
-          <p:cNvPr id="4" name="日期占位符 3">
-            <a:extLst>
-              <a:ext uri="{FF2B5EF4-FFF2-40B4-BE49-F238E27FC236}">
-                <a16:creationId xmlns:a16="http://schemas.microsoft.com/office/drawing/2014/main" id="{1FE6D946-644E-1D35-6D24-75637F285CEB}"/>
-              </a:ext>
-            </a:extLst>
-          </p:cNvPr>
+              <a:rPr lang="zh-CN" altLang="en-US" dirty="0"/>
+              <a:t>单击此处编辑文本</a:t>
+            </a:r>
+          </a:p>
+        </p:txBody>
+      </p:sp>
+      <p:sp>
+        <p:nvSpPr>
+          <p:cNvPr id="4" name="日期占位符 3"/>
           <p:cNvSpPr>
             <a:spLocks noGrp="1"/>
           </p:cNvSpPr>
           <p:nvPr>
             <p:ph type="dt" sz="half" idx="10"/>
+            <p:custDataLst>
+              <p:tags r:id="rId3"/>
+            </p:custDataLst>
           </p:nvPr>
         </p:nvSpPr>
         <p:spPr/>
@@ -1345,9 +1672,9 @@
           <a:bodyPr/>
           <a:lstStyle/>
           <a:p>
-            <a:fld id="{D848DC82-3171-4CF6-BD5E-EF12C344DE3A}" type="datetimeFigureOut">
+            <a:fld id="{760FBDFE-C587-4B4C-A407-44438C67B59E}" type="datetimeFigureOut">
               <a:rPr lang="zh-CN" altLang="en-US" smtClean="0"/>
-              <a:t>2024/8/5</a:t>
+              <a:t>2024/8/6</a:t>
             </a:fld>
             <a:endParaRPr lang="zh-CN" altLang="en-US"/>
           </a:p>
@@ -1355,18 +1682,15 @@
       </p:sp>
       <p:sp>
         <p:nvSpPr>
-          <p:cNvPr id="5" name="页脚占位符 4">
-            <a:extLst>
-              <a:ext uri="{FF2B5EF4-FFF2-40B4-BE49-F238E27FC236}">
-                <a16:creationId xmlns:a16="http://schemas.microsoft.com/office/drawing/2014/main" id="{8267CD81-7AAD-67A8-3CC4-FC8429EE116B}"/>
-              </a:ext>
-            </a:extLst>
-          </p:cNvPr>
+          <p:cNvPr id="5" name="页脚占位符 4"/>
           <p:cNvSpPr>
             <a:spLocks noGrp="1"/>
           </p:cNvSpPr>
           <p:nvPr>
             <p:ph type="ftr" sz="quarter" idx="11"/>
+            <p:custDataLst>
+              <p:tags r:id="rId4"/>
+            </p:custDataLst>
           </p:nvPr>
         </p:nvSpPr>
         <p:spPr/>
@@ -1380,18 +1704,15 @@
       </p:sp>
       <p:sp>
         <p:nvSpPr>
-          <p:cNvPr id="6" name="灯片编号占位符 5">
-            <a:extLst>
-              <a:ext uri="{FF2B5EF4-FFF2-40B4-BE49-F238E27FC236}">
-                <a16:creationId xmlns:a16="http://schemas.microsoft.com/office/drawing/2014/main" id="{5E7AA472-3425-02DE-E984-EB5E6DDAA4AE}"/>
-              </a:ext>
-            </a:extLst>
-          </p:cNvPr>
+          <p:cNvPr id="6" name="灯片编号占位符 5"/>
           <p:cNvSpPr>
             <a:spLocks noGrp="1"/>
           </p:cNvSpPr>
           <p:nvPr>
             <p:ph type="sldNum" sz="quarter" idx="12"/>
+            <p:custDataLst>
+              <p:tags r:id="rId5"/>
+            </p:custDataLst>
           </p:nvPr>
         </p:nvSpPr>
         <p:spPr/>
@@ -1399,7 +1720,7 @@
           <a:bodyPr/>
           <a:lstStyle/>
           <a:p>
-            <a:fld id="{505BB7F5-5393-483B-B334-E9D740D0C2FA}" type="slidenum">
+            <a:fld id="{49AE70B2-8BF9-45C0-BB95-33D1B9D3A854}" type="slidenum">
               <a:rPr lang="zh-CN" altLang="en-US" smtClean="0"/>
               <a:t>‹#›</a:t>
             </a:fld>
@@ -1408,11 +1729,6 @@
         </p:txBody>
       </p:sp>
     </p:spTree>
-    <p:extLst>
-      <p:ext uri="{BB962C8B-B14F-4D97-AF65-F5344CB8AC3E}">
-        <p14:creationId xmlns:p14="http://schemas.microsoft.com/office/powerpoint/2010/main" val="500916780"/>
-      </p:ext>
-    </p:extLst>
   </p:cSld>
   <p:clrMapOvr>
     <a:masterClrMapping/>
@@ -1439,25 +1755,30 @@
       </p:grpSpPr>
       <p:sp>
         <p:nvSpPr>
-          <p:cNvPr id="2" name="标题 1">
-            <a:extLst>
-              <a:ext uri="{FF2B5EF4-FFF2-40B4-BE49-F238E27FC236}">
-                <a16:creationId xmlns:a16="http://schemas.microsoft.com/office/drawing/2014/main" id="{54DA5E9F-8D67-1D2D-81C0-5D4E664D494E}"/>
-              </a:ext>
-            </a:extLst>
-          </p:cNvPr>
+          <p:cNvPr id="2" name="标题 1"/>
           <p:cNvSpPr>
             <a:spLocks noGrp="1"/>
           </p:cNvSpPr>
           <p:nvPr>
             <p:ph type="title"/>
-          </p:nvPr>
-        </p:nvSpPr>
-        <p:spPr/>
-        <p:txBody>
-          <a:bodyPr/>
-          <a:lstStyle/>
-          <a:p>
+            <p:custDataLst>
+              <p:tags r:id="rId1"/>
+            </p:custDataLst>
+          </p:nvPr>
+        </p:nvSpPr>
+        <p:spPr>
+          <a:xfrm>
+            <a:off x="608400" y="608400"/>
+            <a:ext cx="10969200" cy="705600"/>
+          </a:xfrm>
+        </p:spPr>
+        <p:txBody>
+          <a:bodyPr vert="horz" lIns="90000" tIns="46800" rIns="90000" bIns="46800" rtlCol="0" anchor="ctr" anchorCtr="0">
+            <a:normAutofit/>
+          </a:bodyPr>
+          <a:lstStyle/>
+          <a:p>
+            <a:pPr lvl="0"/>
             <a:r>
               <a:rPr lang="zh-CN" altLang="en-US"/>
               <a:t>单击此处编辑母版标题样式</a:t>
@@ -1467,28 +1788,27 @@
       </p:sp>
       <p:sp>
         <p:nvSpPr>
-          <p:cNvPr id="3" name="内容占位符 2">
-            <a:extLst>
-              <a:ext uri="{FF2B5EF4-FFF2-40B4-BE49-F238E27FC236}">
-                <a16:creationId xmlns:a16="http://schemas.microsoft.com/office/drawing/2014/main" id="{E01A4BB0-90ED-D710-A460-2D669280BF34}"/>
-              </a:ext>
-            </a:extLst>
-          </p:cNvPr>
+          <p:cNvPr id="3" name="内容占位符 2"/>
           <p:cNvSpPr>
             <a:spLocks noGrp="1"/>
           </p:cNvSpPr>
           <p:nvPr>
             <p:ph sz="half" idx="1"/>
+            <p:custDataLst>
+              <p:tags r:id="rId2"/>
+            </p:custDataLst>
           </p:nvPr>
         </p:nvSpPr>
         <p:spPr>
           <a:xfrm>
-            <a:off x="838200" y="1825625"/>
-            <a:ext cx="5181600" cy="4351338"/>
+            <a:off x="608400" y="1501200"/>
+            <a:ext cx="5176800" cy="4748400"/>
           </a:xfrm>
         </p:spPr>
         <p:txBody>
-          <a:bodyPr/>
+          <a:bodyPr vert="horz" lIns="90000" tIns="46800" rIns="90000" bIns="46800" rtlCol="0">
+            <a:normAutofit/>
+          </a:bodyPr>
           <a:lstStyle/>
           <a:p>
             <a:pPr lvl="0"/>
@@ -1501,118 +1821,114 @@
             <a:pPr lvl="1"/>
             <a:r>
               <a:rPr lang="zh-CN" altLang="en-US"/>
-              <a:t>二级</a:t>
+              <a:t>第二级</a:t>
             </a:r>
           </a:p>
           <a:p>
             <a:pPr lvl="2"/>
             <a:r>
               <a:rPr lang="zh-CN" altLang="en-US"/>
-              <a:t>三级</a:t>
+              <a:t>第三级</a:t>
             </a:r>
           </a:p>
           <a:p>
             <a:pPr lvl="3"/>
             <a:r>
               <a:rPr lang="zh-CN" altLang="en-US"/>
-              <a:t>四级</a:t>
+              <a:t>第四级</a:t>
             </a:r>
           </a:p>
           <a:p>
             <a:pPr lvl="4"/>
             <a:r>
               <a:rPr lang="zh-CN" altLang="en-US"/>
-              <a:t>五级</a:t>
-            </a:r>
-          </a:p>
-        </p:txBody>
-      </p:sp>
-      <p:sp>
-        <p:nvSpPr>
-          <p:cNvPr id="4" name="内容占位符 3">
-            <a:extLst>
-              <a:ext uri="{FF2B5EF4-FFF2-40B4-BE49-F238E27FC236}">
-                <a16:creationId xmlns:a16="http://schemas.microsoft.com/office/drawing/2014/main" id="{AAEFF2E5-09BB-9AB9-DB31-F6F8F20AF483}"/>
-              </a:ext>
-            </a:extLst>
-          </p:cNvPr>
+              <a:t>第五级</a:t>
+            </a:r>
+          </a:p>
+        </p:txBody>
+      </p:sp>
+      <p:sp>
+        <p:nvSpPr>
+          <p:cNvPr id="4" name="内容占位符 3"/>
           <p:cNvSpPr>
             <a:spLocks noGrp="1"/>
           </p:cNvSpPr>
           <p:nvPr>
             <p:ph sz="half" idx="2"/>
+            <p:custDataLst>
+              <p:tags r:id="rId3"/>
+            </p:custDataLst>
           </p:nvPr>
         </p:nvSpPr>
         <p:spPr>
           <a:xfrm>
-            <a:off x="6172200" y="1825625"/>
-            <a:ext cx="5181600" cy="4351338"/>
+            <a:off x="6411600" y="1501200"/>
+            <a:ext cx="5176800" cy="4748400"/>
           </a:xfrm>
         </p:spPr>
         <p:txBody>
+          <a:bodyPr lIns="90000" tIns="46800" rIns="90000" bIns="46800">
+            <a:normAutofit/>
+          </a:bodyPr>
+          <a:lstStyle/>
+          <a:p>
+            <a:pPr lvl="0"/>
+            <a:r>
+              <a:rPr lang="zh-CN" altLang="en-US" dirty="0"/>
+              <a:t>单击此处编辑母版文本样式</a:t>
+            </a:r>
+          </a:p>
+          <a:p>
+            <a:pPr lvl="1"/>
+            <a:r>
+              <a:rPr lang="zh-CN" altLang="en-US" dirty="0"/>
+              <a:t>第二级</a:t>
+            </a:r>
+          </a:p>
+          <a:p>
+            <a:pPr lvl="2"/>
+            <a:r>
+              <a:rPr lang="zh-CN" altLang="en-US" dirty="0"/>
+              <a:t>第三级</a:t>
+            </a:r>
+          </a:p>
+          <a:p>
+            <a:pPr lvl="3"/>
+            <a:r>
+              <a:rPr lang="zh-CN" altLang="en-US" dirty="0"/>
+              <a:t>第四级</a:t>
+            </a:r>
+          </a:p>
+          <a:p>
+            <a:pPr lvl="4"/>
+            <a:r>
+              <a:rPr lang="zh-CN" altLang="en-US" dirty="0"/>
+              <a:t>第五级</a:t>
+            </a:r>
+          </a:p>
+        </p:txBody>
+      </p:sp>
+      <p:sp>
+        <p:nvSpPr>
+          <p:cNvPr id="5" name="日期占位符 4"/>
+          <p:cNvSpPr>
+            <a:spLocks noGrp="1"/>
+          </p:cNvSpPr>
+          <p:nvPr>
+            <p:ph type="dt" sz="half" idx="10"/>
+            <p:custDataLst>
+              <p:tags r:id="rId4"/>
+            </p:custDataLst>
+          </p:nvPr>
+        </p:nvSpPr>
+        <p:spPr/>
+        <p:txBody>
           <a:bodyPr/>
           <a:lstStyle/>
           <a:p>
-            <a:pPr lvl="0"/>
-            <a:r>
-              <a:rPr lang="zh-CN" altLang="en-US"/>
-              <a:t>单击此处编辑母版文本样式</a:t>
-            </a:r>
-          </a:p>
-          <a:p>
-            <a:pPr lvl="1"/>
-            <a:r>
-              <a:rPr lang="zh-CN" altLang="en-US"/>
-              <a:t>二级</a:t>
-            </a:r>
-          </a:p>
-          <a:p>
-            <a:pPr lvl="2"/>
-            <a:r>
-              <a:rPr lang="zh-CN" altLang="en-US"/>
-              <a:t>三级</a:t>
-            </a:r>
-          </a:p>
-          <a:p>
-            <a:pPr lvl="3"/>
-            <a:r>
-              <a:rPr lang="zh-CN" altLang="en-US"/>
-              <a:t>四级</a:t>
-            </a:r>
-          </a:p>
-          <a:p>
-            <a:pPr lvl="4"/>
-            <a:r>
-              <a:rPr lang="zh-CN" altLang="en-US"/>
-              <a:t>五级</a:t>
-            </a:r>
-          </a:p>
-        </p:txBody>
-      </p:sp>
-      <p:sp>
-        <p:nvSpPr>
-          <p:cNvPr id="5" name="日期占位符 4">
-            <a:extLst>
-              <a:ext uri="{FF2B5EF4-FFF2-40B4-BE49-F238E27FC236}">
-                <a16:creationId xmlns:a16="http://schemas.microsoft.com/office/drawing/2014/main" id="{DC0F3607-384D-9C4B-F769-B45D7C275A71}"/>
-              </a:ext>
-            </a:extLst>
-          </p:cNvPr>
-          <p:cNvSpPr>
-            <a:spLocks noGrp="1"/>
-          </p:cNvSpPr>
-          <p:nvPr>
-            <p:ph type="dt" sz="half" idx="10"/>
-          </p:nvPr>
-        </p:nvSpPr>
-        <p:spPr/>
-        <p:txBody>
-          <a:bodyPr/>
-          <a:lstStyle/>
-          <a:p>
-            <a:fld id="{D848DC82-3171-4CF6-BD5E-EF12C344DE3A}" type="datetimeFigureOut">
+            <a:fld id="{760FBDFE-C587-4B4C-A407-44438C67B59E}" type="datetimeFigureOut">
               <a:rPr lang="zh-CN" altLang="en-US" smtClean="0"/>
-              <a:t>2024/8/5</a:t>
+              <a:t>2024/8/6</a:t>
             </a:fld>
             <a:endParaRPr lang="zh-CN" altLang="en-US"/>
           </a:p>
@@ -1620,18 +1936,15 @@
       </p:sp>
       <p:sp>
         <p:nvSpPr>
-          <p:cNvPr id="6" name="页脚占位符 5">
-            <a:extLst>
-              <a:ext uri="{FF2B5EF4-FFF2-40B4-BE49-F238E27FC236}">
-                <a16:creationId xmlns:a16="http://schemas.microsoft.com/office/drawing/2014/main" id="{A040C3D9-D04B-2038-9998-67F62D914C2B}"/>
-              </a:ext>
-            </a:extLst>
-          </p:cNvPr>
+          <p:cNvPr id="6" name="页脚占位符 5"/>
           <p:cNvSpPr>
             <a:spLocks noGrp="1"/>
           </p:cNvSpPr>
           <p:nvPr>
             <p:ph type="ftr" sz="quarter" idx="11"/>
+            <p:custDataLst>
+              <p:tags r:id="rId5"/>
+            </p:custDataLst>
           </p:nvPr>
         </p:nvSpPr>
         <p:spPr/>
@@ -1645,18 +1958,15 @@
       </p:sp>
       <p:sp>
         <p:nvSpPr>
-          <p:cNvPr id="7" name="灯片编号占位符 6">
-            <a:extLst>
-              <a:ext uri="{FF2B5EF4-FFF2-40B4-BE49-F238E27FC236}">
-                <a16:creationId xmlns:a16="http://schemas.microsoft.com/office/drawing/2014/main" id="{FF286348-EC6E-DC98-1FDC-C9C3AD9E4697}"/>
-              </a:ext>
-            </a:extLst>
-          </p:cNvPr>
+          <p:cNvPr id="7" name="灯片编号占位符 6"/>
           <p:cNvSpPr>
             <a:spLocks noGrp="1"/>
           </p:cNvSpPr>
           <p:nvPr>
             <p:ph type="sldNum" sz="quarter" idx="12"/>
+            <p:custDataLst>
+              <p:tags r:id="rId6"/>
+            </p:custDataLst>
           </p:nvPr>
         </p:nvSpPr>
         <p:spPr/>
@@ -1664,7 +1974,7 @@
           <a:bodyPr/>
           <a:lstStyle/>
           <a:p>
-            <a:fld id="{505BB7F5-5393-483B-B334-E9D740D0C2FA}" type="slidenum">
+            <a:fld id="{49AE70B2-8BF9-45C0-BB95-33D1B9D3A854}" type="slidenum">
               <a:rPr lang="zh-CN" altLang="en-US" smtClean="0"/>
               <a:t>‹#›</a:t>
             </a:fld>
@@ -1673,11 +1983,6 @@
         </p:txBody>
       </p:sp>
     </p:spTree>
-    <p:extLst>
-      <p:ext uri="{BB962C8B-B14F-4D97-AF65-F5344CB8AC3E}">
-        <p14:creationId xmlns:p14="http://schemas.microsoft.com/office/powerpoint/2010/main" val="1844737043"/>
-      </p:ext>
-    </p:extLst>
   </p:cSld>
   <p:clrMapOvr>
     <a:masterClrMapping/>
@@ -1704,30 +2009,30 @@
       </p:grpSpPr>
       <p:sp>
         <p:nvSpPr>
-          <p:cNvPr id="2" name="标题 1">
-            <a:extLst>
-              <a:ext uri="{FF2B5EF4-FFF2-40B4-BE49-F238E27FC236}">
-                <a16:creationId xmlns:a16="http://schemas.microsoft.com/office/drawing/2014/main" id="{20B2946E-C505-CAA1-BB00-0D0B9D8FE440}"/>
-              </a:ext>
-            </a:extLst>
-          </p:cNvPr>
+          <p:cNvPr id="2" name="标题 1"/>
           <p:cNvSpPr>
             <a:spLocks noGrp="1"/>
           </p:cNvSpPr>
           <p:nvPr>
             <p:ph type="title"/>
+            <p:custDataLst>
+              <p:tags r:id="rId1"/>
+            </p:custDataLst>
           </p:nvPr>
         </p:nvSpPr>
         <p:spPr>
           <a:xfrm>
-            <a:off x="839788" y="365125"/>
-            <a:ext cx="10515600" cy="1325563"/>
+            <a:off x="608400" y="608400"/>
+            <a:ext cx="10969200" cy="705600"/>
           </a:xfrm>
         </p:spPr>
         <p:txBody>
-          <a:bodyPr/>
-          <a:lstStyle/>
-          <a:p>
+          <a:bodyPr vert="horz" lIns="90000" tIns="46800" rIns="90000" bIns="46800" rtlCol="0" anchor="ctr" anchorCtr="0">
+            <a:normAutofit/>
+          </a:bodyPr>
+          <a:lstStyle/>
+          <a:p>
+            <a:pPr lvl="0"/>
             <a:r>
               <a:rPr lang="zh-CN" altLang="en-US"/>
               <a:t>单击此处编辑母版标题样式</a:t>
@@ -1737,32 +2042,41 @@
       </p:sp>
       <p:sp>
         <p:nvSpPr>
-          <p:cNvPr id="3" name="文本占位符 2">
-            <a:extLst>
-              <a:ext uri="{FF2B5EF4-FFF2-40B4-BE49-F238E27FC236}">
-                <a16:creationId xmlns:a16="http://schemas.microsoft.com/office/drawing/2014/main" id="{460C273A-A236-5CA0-D67C-8D36BE1CCA40}"/>
-              </a:ext>
-            </a:extLst>
-          </p:cNvPr>
-          <p:cNvSpPr>
-            <a:spLocks noGrp="1"/>
-          </p:cNvSpPr>
-          <p:nvPr>
-            <p:ph type="body" idx="1"/>
+          <p:cNvPr id="3" name="文本占位符 2"/>
+          <p:cNvSpPr>
+            <a:spLocks noGrp="1"/>
+          </p:cNvSpPr>
+          <p:nvPr>
+            <p:ph type="body" idx="1" hasCustomPrompt="1"/>
+            <p:custDataLst>
+              <p:tags r:id="rId2"/>
+            </p:custDataLst>
           </p:nvPr>
         </p:nvSpPr>
         <p:spPr>
           <a:xfrm>
-            <a:off x="839788" y="1681163"/>
-            <a:ext cx="5157787" cy="823912"/>
+            <a:off x="608400" y="1429200"/>
+            <a:ext cx="5342400" cy="381600"/>
           </a:xfrm>
         </p:spPr>
         <p:txBody>
-          <a:bodyPr anchor="b"/>
+          <a:bodyPr lIns="101600" tIns="38100" rIns="76200" bIns="38100" anchor="t" anchorCtr="0">
+            <a:normAutofit/>
+          </a:bodyPr>
           <a:lstStyle>
             <a:lvl1pPr marL="0" indent="0">
+              <a:lnSpc>
+                <a:spcPct val="100000"/>
+              </a:lnSpc>
               <a:buNone/>
-              <a:defRPr sz="2400" b="1"/>
+              <a:defRPr sz="2000" b="1" spc="200">
+                <a:solidFill>
+                  <a:schemeClr val="tx1">
+                    <a:lumMod val="75000"/>
+                    <a:lumOff val="25000"/>
+                  </a:schemeClr>
+                </a:solidFill>
+              </a:defRPr>
             </a:lvl1pPr>
             <a:lvl2pPr marL="457200" indent="0">
               <a:buNone/>
@@ -1800,102 +2114,110 @@
           <a:p>
             <a:pPr lvl="0"/>
             <a:r>
+              <a:rPr lang="zh-CN" altLang="en-US" dirty="0"/>
+              <a:t>单击此处编辑文本</a:t>
+            </a:r>
+          </a:p>
+        </p:txBody>
+      </p:sp>
+      <p:sp>
+        <p:nvSpPr>
+          <p:cNvPr id="4" name="内容占位符 3"/>
+          <p:cNvSpPr>
+            <a:spLocks noGrp="1"/>
+          </p:cNvSpPr>
+          <p:nvPr>
+            <p:ph sz="half" idx="2"/>
+            <p:custDataLst>
+              <p:tags r:id="rId3"/>
+            </p:custDataLst>
+          </p:nvPr>
+        </p:nvSpPr>
+        <p:spPr>
+          <a:xfrm>
+            <a:off x="608400" y="1854000"/>
+            <a:ext cx="5342400" cy="4395600"/>
+          </a:xfrm>
+        </p:spPr>
+        <p:txBody>
+          <a:bodyPr vert="horz" lIns="101600" tIns="0" rIns="82550" bIns="0" rtlCol="0">
+            <a:normAutofit/>
+          </a:bodyPr>
+          <a:lstStyle/>
+          <a:p>
+            <a:pPr lvl="0"/>
+            <a:r>
               <a:rPr lang="zh-CN" altLang="en-US"/>
               <a:t>单击此处编辑母版文本样式</a:t>
             </a:r>
           </a:p>
-        </p:txBody>
-      </p:sp>
-      <p:sp>
-        <p:nvSpPr>
-          <p:cNvPr id="4" name="内容占位符 3">
-            <a:extLst>
-              <a:ext uri="{FF2B5EF4-FFF2-40B4-BE49-F238E27FC236}">
-                <a16:creationId xmlns:a16="http://schemas.microsoft.com/office/drawing/2014/main" id="{8DB2C158-C3DC-03FC-BA7D-F62CBFFD4B37}"/>
-              </a:ext>
-            </a:extLst>
-          </p:cNvPr>
-          <p:cNvSpPr>
-            <a:spLocks noGrp="1"/>
-          </p:cNvSpPr>
-          <p:nvPr>
-            <p:ph sz="half" idx="2"/>
+          <a:p>
+            <a:pPr lvl="1"/>
+            <a:r>
+              <a:rPr lang="zh-CN" altLang="en-US"/>
+              <a:t>第二级</a:t>
+            </a:r>
+          </a:p>
+          <a:p>
+            <a:pPr lvl="2"/>
+            <a:r>
+              <a:rPr lang="zh-CN" altLang="en-US"/>
+              <a:t>第三级</a:t>
+            </a:r>
+          </a:p>
+          <a:p>
+            <a:pPr lvl="3"/>
+            <a:r>
+              <a:rPr lang="zh-CN" altLang="en-US"/>
+              <a:t>第四级</a:t>
+            </a:r>
+          </a:p>
+          <a:p>
+            <a:pPr lvl="4"/>
+            <a:r>
+              <a:rPr lang="zh-CN" altLang="en-US"/>
+              <a:t>第五级</a:t>
+            </a:r>
+          </a:p>
+        </p:txBody>
+      </p:sp>
+      <p:sp>
+        <p:nvSpPr>
+          <p:cNvPr id="5" name="文本占位符 4"/>
+          <p:cNvSpPr>
+            <a:spLocks noGrp="1"/>
+          </p:cNvSpPr>
+          <p:nvPr>
+            <p:ph type="body" sz="quarter" idx="3" hasCustomPrompt="1"/>
+            <p:custDataLst>
+              <p:tags r:id="rId4"/>
+            </p:custDataLst>
           </p:nvPr>
         </p:nvSpPr>
         <p:spPr>
           <a:xfrm>
-            <a:off x="839788" y="2505075"/>
-            <a:ext cx="5157787" cy="3684588"/>
+            <a:off x="6235750" y="1421729"/>
+            <a:ext cx="5342400" cy="381600"/>
           </a:xfrm>
         </p:spPr>
         <p:txBody>
-          <a:bodyPr/>
-          <a:lstStyle/>
-          <a:p>
-            <a:pPr lvl="0"/>
-            <a:r>
-              <a:rPr lang="zh-CN" altLang="en-US"/>
-              <a:t>单击此处编辑母版文本样式</a:t>
-            </a:r>
-          </a:p>
-          <a:p>
-            <a:pPr lvl="1"/>
-            <a:r>
-              <a:rPr lang="zh-CN" altLang="en-US"/>
-              <a:t>二级</a:t>
-            </a:r>
-          </a:p>
-          <a:p>
-            <a:pPr lvl="2"/>
-            <a:r>
-              <a:rPr lang="zh-CN" altLang="en-US"/>
-              <a:t>三级</a:t>
-            </a:r>
-          </a:p>
-          <a:p>
-            <a:pPr lvl="3"/>
-            <a:r>
-              <a:rPr lang="zh-CN" altLang="en-US"/>
-              <a:t>四级</a:t>
-            </a:r>
-          </a:p>
-          <a:p>
-            <a:pPr lvl="4"/>
-            <a:r>
-              <a:rPr lang="zh-CN" altLang="en-US"/>
-              <a:t>五级</a:t>
-            </a:r>
-          </a:p>
-        </p:txBody>
-      </p:sp>
-      <p:sp>
-        <p:nvSpPr>
-          <p:cNvPr id="5" name="文本占位符 4">
-            <a:extLst>
-              <a:ext uri="{FF2B5EF4-FFF2-40B4-BE49-F238E27FC236}">
-                <a16:creationId xmlns:a16="http://schemas.microsoft.com/office/drawing/2014/main" id="{5C2837B9-EBB5-106B-4D91-52F47CA4FABC}"/>
-              </a:ext>
-            </a:extLst>
-          </p:cNvPr>
-          <p:cNvSpPr>
-            <a:spLocks noGrp="1"/>
-          </p:cNvSpPr>
-          <p:nvPr>
-            <p:ph type="body" sz="quarter" idx="3"/>
-          </p:nvPr>
-        </p:nvSpPr>
-        <p:spPr>
-          <a:xfrm>
-            <a:off x="6172200" y="1681163"/>
-            <a:ext cx="5183188" cy="823912"/>
-          </a:xfrm>
-        </p:spPr>
-        <p:txBody>
-          <a:bodyPr anchor="b"/>
+          <a:bodyPr vert="horz" lIns="101600" tIns="38100" rIns="76200" bIns="38100" rtlCol="0" anchor="t" anchorCtr="0">
+            <a:normAutofit/>
+          </a:bodyPr>
           <a:lstStyle>
             <a:lvl1pPr marL="0" indent="0">
+              <a:lnSpc>
+                <a:spcPct val="100000"/>
+              </a:lnSpc>
               <a:buNone/>
-              <a:defRPr sz="2400" b="1"/>
+              <a:defRPr sz="2000" b="1" spc="200">
+                <a:solidFill>
+                  <a:schemeClr val="tx1">
+                    <a:lumMod val="75000"/>
+                    <a:lumOff val="25000"/>
+                  </a:schemeClr>
+                </a:solidFill>
+              </a:defRPr>
             </a:lvl1pPr>
             <a:lvl2pPr marL="457200" indent="0">
               <a:buNone/>
@@ -1934,35 +2256,34 @@
             <a:pPr lvl="0"/>
             <a:r>
               <a:rPr lang="zh-CN" altLang="en-US"/>
-              <a:t>单击此处编辑母版文本样式</a:t>
-            </a:r>
-          </a:p>
-        </p:txBody>
-      </p:sp>
-      <p:sp>
-        <p:nvSpPr>
-          <p:cNvPr id="6" name="内容占位符 5">
-            <a:extLst>
-              <a:ext uri="{FF2B5EF4-FFF2-40B4-BE49-F238E27FC236}">
-                <a16:creationId xmlns:a16="http://schemas.microsoft.com/office/drawing/2014/main" id="{B56EA4EC-2DD8-A626-AF7C-46EAFBFE3344}"/>
-              </a:ext>
-            </a:extLst>
-          </p:cNvPr>
+              <a:t>单击此处编辑文本</a:t>
+            </a:r>
+          </a:p>
+        </p:txBody>
+      </p:sp>
+      <p:sp>
+        <p:nvSpPr>
+          <p:cNvPr id="6" name="内容占位符 5"/>
           <p:cNvSpPr>
             <a:spLocks noGrp="1"/>
           </p:cNvSpPr>
           <p:nvPr>
             <p:ph sz="quarter" idx="4"/>
+            <p:custDataLst>
+              <p:tags r:id="rId5"/>
+            </p:custDataLst>
           </p:nvPr>
         </p:nvSpPr>
         <p:spPr>
           <a:xfrm>
-            <a:off x="6172200" y="2505075"/>
-            <a:ext cx="5183188" cy="3684588"/>
+            <a:off x="6235750" y="1854000"/>
+            <a:ext cx="5342400" cy="4395600"/>
           </a:xfrm>
         </p:spPr>
         <p:txBody>
-          <a:bodyPr/>
+          <a:bodyPr vert="horz" lIns="101600" tIns="0" rIns="82550" bIns="0" rtlCol="0">
+            <a:normAutofit/>
+          </a:bodyPr>
           <a:lstStyle/>
           <a:p>
             <a:pPr lvl="0"/>
@@ -1975,46 +2296,43 @@
             <a:pPr lvl="1"/>
             <a:r>
               <a:rPr lang="zh-CN" altLang="en-US"/>
-              <a:t>二级</a:t>
+              <a:t>第二级</a:t>
             </a:r>
           </a:p>
           <a:p>
             <a:pPr lvl="2"/>
             <a:r>
               <a:rPr lang="zh-CN" altLang="en-US"/>
-              <a:t>三级</a:t>
+              <a:t>第三级</a:t>
             </a:r>
           </a:p>
           <a:p>
             <a:pPr lvl="3"/>
             <a:r>
               <a:rPr lang="zh-CN" altLang="en-US"/>
-              <a:t>四级</a:t>
+              <a:t>第四级</a:t>
             </a:r>
           </a:p>
           <a:p>
             <a:pPr lvl="4"/>
             <a:r>
               <a:rPr lang="zh-CN" altLang="en-US"/>
-              <a:t>五级</a:t>
-            </a:r>
-          </a:p>
-        </p:txBody>
-      </p:sp>
-      <p:sp>
-        <p:nvSpPr>
-          <p:cNvPr id="7" name="日期占位符 6">
-            <a:extLst>
-              <a:ext uri="{FF2B5EF4-FFF2-40B4-BE49-F238E27FC236}">
-                <a16:creationId xmlns:a16="http://schemas.microsoft.com/office/drawing/2014/main" id="{87422843-2B06-CBD9-AF14-11999EE58A0D}"/>
-              </a:ext>
-            </a:extLst>
-          </p:cNvPr>
+              <a:t>第五级</a:t>
+            </a:r>
+          </a:p>
+        </p:txBody>
+      </p:sp>
+      <p:sp>
+        <p:nvSpPr>
+          <p:cNvPr id="7" name="日期占位符 6"/>
           <p:cNvSpPr>
             <a:spLocks noGrp="1"/>
           </p:cNvSpPr>
           <p:nvPr>
             <p:ph type="dt" sz="half" idx="10"/>
+            <p:custDataLst>
+              <p:tags r:id="rId6"/>
+            </p:custDataLst>
           </p:nvPr>
         </p:nvSpPr>
         <p:spPr/>
@@ -2022,9 +2340,9 @@
           <a:bodyPr/>
           <a:lstStyle/>
           <a:p>
-            <a:fld id="{D848DC82-3171-4CF6-BD5E-EF12C344DE3A}" type="datetimeFigureOut">
+            <a:fld id="{760FBDFE-C587-4B4C-A407-44438C67B59E}" type="datetimeFigureOut">
               <a:rPr lang="zh-CN" altLang="en-US" smtClean="0"/>
-              <a:t>2024/8/5</a:t>
+              <a:t>2024/8/6</a:t>
             </a:fld>
             <a:endParaRPr lang="zh-CN" altLang="en-US"/>
           </a:p>
@@ -2032,18 +2350,15 @@
       </p:sp>
       <p:sp>
         <p:nvSpPr>
-          <p:cNvPr id="8" name="页脚占位符 7">
-            <a:extLst>
-              <a:ext uri="{FF2B5EF4-FFF2-40B4-BE49-F238E27FC236}">
-                <a16:creationId xmlns:a16="http://schemas.microsoft.com/office/drawing/2014/main" id="{79DF094A-F0F9-C673-5A6F-05AD8E07488D}"/>
-              </a:ext>
-            </a:extLst>
-          </p:cNvPr>
+          <p:cNvPr id="8" name="页脚占位符 7"/>
           <p:cNvSpPr>
             <a:spLocks noGrp="1"/>
           </p:cNvSpPr>
           <p:nvPr>
             <p:ph type="ftr" sz="quarter" idx="11"/>
+            <p:custDataLst>
+              <p:tags r:id="rId7"/>
+            </p:custDataLst>
           </p:nvPr>
         </p:nvSpPr>
         <p:spPr/>
@@ -2057,18 +2372,15 @@
       </p:sp>
       <p:sp>
         <p:nvSpPr>
-          <p:cNvPr id="9" name="灯片编号占位符 8">
-            <a:extLst>
-              <a:ext uri="{FF2B5EF4-FFF2-40B4-BE49-F238E27FC236}">
-                <a16:creationId xmlns:a16="http://schemas.microsoft.com/office/drawing/2014/main" id="{3F5A127E-3CF7-72E3-72AB-237D887067D8}"/>
-              </a:ext>
-            </a:extLst>
-          </p:cNvPr>
+          <p:cNvPr id="9" name="灯片编号占位符 8"/>
           <p:cNvSpPr>
             <a:spLocks noGrp="1"/>
           </p:cNvSpPr>
           <p:nvPr>
             <p:ph type="sldNum" sz="quarter" idx="12"/>
+            <p:custDataLst>
+              <p:tags r:id="rId8"/>
+            </p:custDataLst>
           </p:nvPr>
         </p:nvSpPr>
         <p:spPr/>
@@ -2076,7 +2388,7 @@
           <a:bodyPr/>
           <a:lstStyle/>
           <a:p>
-            <a:fld id="{505BB7F5-5393-483B-B334-E9D740D0C2FA}" type="slidenum">
+            <a:fld id="{49AE70B2-8BF9-45C0-BB95-33D1B9D3A854}" type="slidenum">
               <a:rPr lang="zh-CN" altLang="en-US" smtClean="0"/>
               <a:t>‹#›</a:t>
             </a:fld>
@@ -2085,11 +2397,6 @@
         </p:txBody>
       </p:sp>
     </p:spTree>
-    <p:extLst>
-      <p:ext uri="{BB962C8B-B14F-4D97-AF65-F5344CB8AC3E}">
-        <p14:creationId xmlns:p14="http://schemas.microsoft.com/office/powerpoint/2010/main" val="887946379"/>
-      </p:ext>
-    </p:extLst>
   </p:cSld>
   <p:clrMapOvr>
     <a:masterClrMapping/>
@@ -2116,25 +2423,30 @@
       </p:grpSpPr>
       <p:sp>
         <p:nvSpPr>
-          <p:cNvPr id="2" name="标题 1">
-            <a:extLst>
-              <a:ext uri="{FF2B5EF4-FFF2-40B4-BE49-F238E27FC236}">
-                <a16:creationId xmlns:a16="http://schemas.microsoft.com/office/drawing/2014/main" id="{92E3B52B-2478-678A-D057-05AD636C6884}"/>
-              </a:ext>
-            </a:extLst>
-          </p:cNvPr>
+          <p:cNvPr id="2" name="标题 1"/>
           <p:cNvSpPr>
             <a:spLocks noGrp="1"/>
           </p:cNvSpPr>
           <p:nvPr>
             <p:ph type="title"/>
-          </p:nvPr>
-        </p:nvSpPr>
-        <p:spPr/>
-        <p:txBody>
-          <a:bodyPr/>
-          <a:lstStyle/>
-          <a:p>
+            <p:custDataLst>
+              <p:tags r:id="rId1"/>
+            </p:custDataLst>
+          </p:nvPr>
+        </p:nvSpPr>
+        <p:spPr>
+          <a:xfrm>
+            <a:off x="608400" y="608400"/>
+            <a:ext cx="10969200" cy="705600"/>
+          </a:xfrm>
+        </p:spPr>
+        <p:txBody>
+          <a:bodyPr vert="horz" lIns="90000" tIns="46800" rIns="90000" bIns="46800" rtlCol="0" anchor="ctr" anchorCtr="0">
+            <a:normAutofit/>
+          </a:bodyPr>
+          <a:lstStyle/>
+          <a:p>
+            <a:pPr lvl="0"/>
             <a:r>
               <a:rPr lang="zh-CN" altLang="en-US"/>
               <a:t>单击此处编辑母版标题样式</a:t>
@@ -2144,18 +2456,15 @@
       </p:sp>
       <p:sp>
         <p:nvSpPr>
-          <p:cNvPr id="3" name="日期占位符 2">
-            <a:extLst>
-              <a:ext uri="{FF2B5EF4-FFF2-40B4-BE49-F238E27FC236}">
-                <a16:creationId xmlns:a16="http://schemas.microsoft.com/office/drawing/2014/main" id="{EADC9AB4-47B4-90DA-A32C-BE57ABCEF2BD}"/>
-              </a:ext>
-            </a:extLst>
-          </p:cNvPr>
+          <p:cNvPr id="3" name="日期占位符 2"/>
           <p:cNvSpPr>
             <a:spLocks noGrp="1"/>
           </p:cNvSpPr>
           <p:nvPr>
             <p:ph type="dt" sz="half" idx="10"/>
+            <p:custDataLst>
+              <p:tags r:id="rId2"/>
+            </p:custDataLst>
           </p:nvPr>
         </p:nvSpPr>
         <p:spPr/>
@@ -2163,9 +2472,9 @@
           <a:bodyPr/>
           <a:lstStyle/>
           <a:p>
-            <a:fld id="{D848DC82-3171-4CF6-BD5E-EF12C344DE3A}" type="datetimeFigureOut">
+            <a:fld id="{760FBDFE-C587-4B4C-A407-44438C67B59E}" type="datetimeFigureOut">
               <a:rPr lang="zh-CN" altLang="en-US" smtClean="0"/>
-              <a:t>2024/8/5</a:t>
+              <a:t>2024/8/6</a:t>
             </a:fld>
             <a:endParaRPr lang="zh-CN" altLang="en-US"/>
           </a:p>
@@ -2173,18 +2482,15 @@
       </p:sp>
       <p:sp>
         <p:nvSpPr>
-          <p:cNvPr id="4" name="页脚占位符 3">
-            <a:extLst>
-              <a:ext uri="{FF2B5EF4-FFF2-40B4-BE49-F238E27FC236}">
-                <a16:creationId xmlns:a16="http://schemas.microsoft.com/office/drawing/2014/main" id="{E1C8201C-7164-AE60-A168-27E3AD4C8CB0}"/>
-              </a:ext>
-            </a:extLst>
-          </p:cNvPr>
+          <p:cNvPr id="4" name="页脚占位符 3"/>
           <p:cNvSpPr>
             <a:spLocks noGrp="1"/>
           </p:cNvSpPr>
           <p:nvPr>
             <p:ph type="ftr" sz="quarter" idx="11"/>
+            <p:custDataLst>
+              <p:tags r:id="rId3"/>
+            </p:custDataLst>
           </p:nvPr>
         </p:nvSpPr>
         <p:spPr/>
@@ -2198,18 +2504,15 @@
       </p:sp>
       <p:sp>
         <p:nvSpPr>
-          <p:cNvPr id="5" name="灯片编号占位符 4">
-            <a:extLst>
-              <a:ext uri="{FF2B5EF4-FFF2-40B4-BE49-F238E27FC236}">
-                <a16:creationId xmlns:a16="http://schemas.microsoft.com/office/drawing/2014/main" id="{C1105BB7-3E50-228E-2330-7AB703F3FFF4}"/>
-              </a:ext>
-            </a:extLst>
-          </p:cNvPr>
+          <p:cNvPr id="5" name="灯片编号占位符 4"/>
           <p:cNvSpPr>
             <a:spLocks noGrp="1"/>
           </p:cNvSpPr>
           <p:nvPr>
             <p:ph type="sldNum" sz="quarter" idx="12"/>
+            <p:custDataLst>
+              <p:tags r:id="rId4"/>
+            </p:custDataLst>
           </p:nvPr>
         </p:nvSpPr>
         <p:spPr/>
@@ -2217,7 +2520,7 @@
           <a:bodyPr/>
           <a:lstStyle/>
           <a:p>
-            <a:fld id="{505BB7F5-5393-483B-B334-E9D740D0C2FA}" type="slidenum">
+            <a:fld id="{49AE70B2-8BF9-45C0-BB95-33D1B9D3A854}" type="slidenum">
               <a:rPr lang="zh-CN" altLang="en-US" smtClean="0"/>
               <a:t>‹#›</a:t>
             </a:fld>
@@ -2226,11 +2529,6 @@
         </p:txBody>
       </p:sp>
     </p:spTree>
-    <p:extLst>
-      <p:ext uri="{BB962C8B-B14F-4D97-AF65-F5344CB8AC3E}">
-        <p14:creationId xmlns:p14="http://schemas.microsoft.com/office/powerpoint/2010/main" val="3180818893"/>
-      </p:ext>
-    </p:extLst>
   </p:cSld>
   <p:clrMapOvr>
     <a:masterClrMapping/>
@@ -2257,18 +2555,15 @@
       </p:grpSpPr>
       <p:sp>
         <p:nvSpPr>
-          <p:cNvPr id="2" name="日期占位符 1">
-            <a:extLst>
-              <a:ext uri="{FF2B5EF4-FFF2-40B4-BE49-F238E27FC236}">
-                <a16:creationId xmlns:a16="http://schemas.microsoft.com/office/drawing/2014/main" id="{BEBFA2EF-7AF7-0A8F-E51E-03154EFC6DA3}"/>
-              </a:ext>
-            </a:extLst>
-          </p:cNvPr>
+          <p:cNvPr id="2" name="日期占位符 1"/>
           <p:cNvSpPr>
             <a:spLocks noGrp="1"/>
           </p:cNvSpPr>
           <p:nvPr>
             <p:ph type="dt" sz="half" idx="10"/>
+            <p:custDataLst>
+              <p:tags r:id="rId1"/>
+            </p:custDataLst>
           </p:nvPr>
         </p:nvSpPr>
         <p:spPr/>
@@ -2276,9 +2571,9 @@
           <a:bodyPr/>
           <a:lstStyle/>
           <a:p>
-            <a:fld id="{D848DC82-3171-4CF6-BD5E-EF12C344DE3A}" type="datetimeFigureOut">
+            <a:fld id="{760FBDFE-C587-4B4C-A407-44438C67B59E}" type="datetimeFigureOut">
               <a:rPr lang="zh-CN" altLang="en-US" smtClean="0"/>
-              <a:t>2024/8/5</a:t>
+              <a:t>2024/8/6</a:t>
             </a:fld>
             <a:endParaRPr lang="zh-CN" altLang="en-US"/>
           </a:p>
@@ -2286,18 +2581,15 @@
       </p:sp>
       <p:sp>
         <p:nvSpPr>
-          <p:cNvPr id="3" name="页脚占位符 2">
-            <a:extLst>
-              <a:ext uri="{FF2B5EF4-FFF2-40B4-BE49-F238E27FC236}">
-                <a16:creationId xmlns:a16="http://schemas.microsoft.com/office/drawing/2014/main" id="{E74C7261-7F5F-B250-71DA-306A11FAB445}"/>
-              </a:ext>
-            </a:extLst>
-          </p:cNvPr>
+          <p:cNvPr id="3" name="页脚占位符 2"/>
           <p:cNvSpPr>
             <a:spLocks noGrp="1"/>
           </p:cNvSpPr>
           <p:nvPr>
             <p:ph type="ftr" sz="quarter" idx="11"/>
+            <p:custDataLst>
+              <p:tags r:id="rId2"/>
+            </p:custDataLst>
           </p:nvPr>
         </p:nvSpPr>
         <p:spPr/>
@@ -2311,18 +2603,15 @@
       </p:sp>
       <p:sp>
         <p:nvSpPr>
-          <p:cNvPr id="4" name="灯片编号占位符 3">
-            <a:extLst>
-              <a:ext uri="{FF2B5EF4-FFF2-40B4-BE49-F238E27FC236}">
-                <a16:creationId xmlns:a16="http://schemas.microsoft.com/office/drawing/2014/main" id="{1920E0AF-8F68-F284-BB29-AAD30AEE0620}"/>
-              </a:ext>
-            </a:extLst>
-          </p:cNvPr>
+          <p:cNvPr id="4" name="灯片编号占位符 3"/>
           <p:cNvSpPr>
             <a:spLocks noGrp="1"/>
           </p:cNvSpPr>
           <p:nvPr>
             <p:ph type="sldNum" sz="quarter" idx="12"/>
+            <p:custDataLst>
+              <p:tags r:id="rId3"/>
+            </p:custDataLst>
           </p:nvPr>
         </p:nvSpPr>
         <p:spPr/>
@@ -2330,7 +2619,7 @@
           <a:bodyPr/>
           <a:lstStyle/>
           <a:p>
-            <a:fld id="{505BB7F5-5393-483B-B334-E9D740D0C2FA}" type="slidenum">
+            <a:fld id="{49AE70B2-8BF9-45C0-BB95-33D1B9D3A854}" type="slidenum">
               <a:rPr lang="zh-CN" altLang="en-US" smtClean="0"/>
               <a:t>‹#›</a:t>
             </a:fld>
@@ -2339,11 +2628,6 @@
         </p:txBody>
       </p:sp>
     </p:spTree>
-    <p:extLst>
-      <p:ext uri="{BB962C8B-B14F-4D97-AF65-F5344CB8AC3E}">
-        <p14:creationId xmlns:p14="http://schemas.microsoft.com/office/powerpoint/2010/main" val="1726796435"/>
-      </p:ext>
-    </p:extLst>
   </p:cSld>
   <p:clrMapOvr>
     <a:masterClrMapping/>
@@ -2352,318 +2636,7 @@
 </file>
 
 <file path=ppt/slideLayouts/slideLayout8.xml><?xml version="1.0" encoding="utf-8"?>
-<p:sldLayout xmlns:a="http://schemas.openxmlformats.org/drawingml/2006/main" xmlns:r="http://schemas.openxmlformats.org/officeDocument/2006/relationships" xmlns:p="http://schemas.openxmlformats.org/presentationml/2006/main" type="objTx" preserve="1">
-  <p:cSld name="内容与标题">
-    <p:spTree>
-      <p:nvGrpSpPr>
-        <p:cNvPr id="1" name=""/>
-        <p:cNvGrpSpPr/>
-        <p:nvPr/>
-      </p:nvGrpSpPr>
-      <p:grpSpPr>
-        <a:xfrm>
-          <a:off x="0" y="0"/>
-          <a:ext cx="0" cy="0"/>
-          <a:chOff x="0" y="0"/>
-          <a:chExt cx="0" cy="0"/>
-        </a:xfrm>
-      </p:grpSpPr>
-      <p:sp>
-        <p:nvSpPr>
-          <p:cNvPr id="2" name="标题 1">
-            <a:extLst>
-              <a:ext uri="{FF2B5EF4-FFF2-40B4-BE49-F238E27FC236}">
-                <a16:creationId xmlns:a16="http://schemas.microsoft.com/office/drawing/2014/main" id="{C5DAA101-ED22-8D7C-ECB7-B2DF68EF7132}"/>
-              </a:ext>
-            </a:extLst>
-          </p:cNvPr>
-          <p:cNvSpPr>
-            <a:spLocks noGrp="1"/>
-          </p:cNvSpPr>
-          <p:nvPr>
-            <p:ph type="title"/>
-          </p:nvPr>
-        </p:nvSpPr>
-        <p:spPr>
-          <a:xfrm>
-            <a:off x="839788" y="457200"/>
-            <a:ext cx="3932237" cy="1600200"/>
-          </a:xfrm>
-        </p:spPr>
-        <p:txBody>
-          <a:bodyPr anchor="b"/>
-          <a:lstStyle>
-            <a:lvl1pPr>
-              <a:defRPr sz="3200"/>
-            </a:lvl1pPr>
-          </a:lstStyle>
-          <a:p>
-            <a:r>
-              <a:rPr lang="zh-CN" altLang="en-US"/>
-              <a:t>单击此处编辑母版标题样式</a:t>
-            </a:r>
-          </a:p>
-        </p:txBody>
-      </p:sp>
-      <p:sp>
-        <p:nvSpPr>
-          <p:cNvPr id="3" name="内容占位符 2">
-            <a:extLst>
-              <a:ext uri="{FF2B5EF4-FFF2-40B4-BE49-F238E27FC236}">
-                <a16:creationId xmlns:a16="http://schemas.microsoft.com/office/drawing/2014/main" id="{60DB5101-2EF4-AF37-1FE1-E775FB20C0E4}"/>
-              </a:ext>
-            </a:extLst>
-          </p:cNvPr>
-          <p:cNvSpPr>
-            <a:spLocks noGrp="1"/>
-          </p:cNvSpPr>
-          <p:nvPr>
-            <p:ph idx="1"/>
-          </p:nvPr>
-        </p:nvSpPr>
-        <p:spPr>
-          <a:xfrm>
-            <a:off x="5183188" y="987425"/>
-            <a:ext cx="6172200" cy="4873625"/>
-          </a:xfrm>
-        </p:spPr>
-        <p:txBody>
-          <a:bodyPr/>
-          <a:lstStyle>
-            <a:lvl1pPr>
-              <a:defRPr sz="3200"/>
-            </a:lvl1pPr>
-            <a:lvl2pPr>
-              <a:defRPr sz="2800"/>
-            </a:lvl2pPr>
-            <a:lvl3pPr>
-              <a:defRPr sz="2400"/>
-            </a:lvl3pPr>
-            <a:lvl4pPr>
-              <a:defRPr sz="2000"/>
-            </a:lvl4pPr>
-            <a:lvl5pPr>
-              <a:defRPr sz="2000"/>
-            </a:lvl5pPr>
-            <a:lvl6pPr>
-              <a:defRPr sz="2000"/>
-            </a:lvl6pPr>
-            <a:lvl7pPr>
-              <a:defRPr sz="2000"/>
-            </a:lvl7pPr>
-            <a:lvl8pPr>
-              <a:defRPr sz="2000"/>
-            </a:lvl8pPr>
-            <a:lvl9pPr>
-              <a:defRPr sz="2000"/>
-            </a:lvl9pPr>
-          </a:lstStyle>
-          <a:p>
-            <a:pPr lvl="0"/>
-            <a:r>
-              <a:rPr lang="zh-CN" altLang="en-US"/>
-              <a:t>单击此处编辑母版文本样式</a:t>
-            </a:r>
-          </a:p>
-          <a:p>
-            <a:pPr lvl="1"/>
-            <a:r>
-              <a:rPr lang="zh-CN" altLang="en-US"/>
-              <a:t>二级</a:t>
-            </a:r>
-          </a:p>
-          <a:p>
-            <a:pPr lvl="2"/>
-            <a:r>
-              <a:rPr lang="zh-CN" altLang="en-US"/>
-              <a:t>三级</a:t>
-            </a:r>
-          </a:p>
-          <a:p>
-            <a:pPr lvl="3"/>
-            <a:r>
-              <a:rPr lang="zh-CN" altLang="en-US"/>
-              <a:t>四级</a:t>
-            </a:r>
-          </a:p>
-          <a:p>
-            <a:pPr lvl="4"/>
-            <a:r>
-              <a:rPr lang="zh-CN" altLang="en-US"/>
-              <a:t>五级</a:t>
-            </a:r>
-          </a:p>
-        </p:txBody>
-      </p:sp>
-      <p:sp>
-        <p:nvSpPr>
-          <p:cNvPr id="4" name="文本占位符 3">
-            <a:extLst>
-              <a:ext uri="{FF2B5EF4-FFF2-40B4-BE49-F238E27FC236}">
-                <a16:creationId xmlns:a16="http://schemas.microsoft.com/office/drawing/2014/main" id="{8E454841-985B-1221-A617-CBC990F81B82}"/>
-              </a:ext>
-            </a:extLst>
-          </p:cNvPr>
-          <p:cNvSpPr>
-            <a:spLocks noGrp="1"/>
-          </p:cNvSpPr>
-          <p:nvPr>
-            <p:ph type="body" sz="half" idx="2"/>
-          </p:nvPr>
-        </p:nvSpPr>
-        <p:spPr>
-          <a:xfrm>
-            <a:off x="839788" y="2057400"/>
-            <a:ext cx="3932237" cy="3811588"/>
-          </a:xfrm>
-        </p:spPr>
-        <p:txBody>
-          <a:bodyPr/>
-          <a:lstStyle>
-            <a:lvl1pPr marL="0" indent="0">
-              <a:buNone/>
-              <a:defRPr sz="1600"/>
-            </a:lvl1pPr>
-            <a:lvl2pPr marL="457200" indent="0">
-              <a:buNone/>
-              <a:defRPr sz="1400"/>
-            </a:lvl2pPr>
-            <a:lvl3pPr marL="914400" indent="0">
-              <a:buNone/>
-              <a:defRPr sz="1200"/>
-            </a:lvl3pPr>
-            <a:lvl4pPr marL="1371600" indent="0">
-              <a:buNone/>
-              <a:defRPr sz="1000"/>
-            </a:lvl4pPr>
-            <a:lvl5pPr marL="1828800" indent="0">
-              <a:buNone/>
-              <a:defRPr sz="1000"/>
-            </a:lvl5pPr>
-            <a:lvl6pPr marL="2286000" indent="0">
-              <a:buNone/>
-              <a:defRPr sz="1000"/>
-            </a:lvl6pPr>
-            <a:lvl7pPr marL="2743200" indent="0">
-              <a:buNone/>
-              <a:defRPr sz="1000"/>
-            </a:lvl7pPr>
-            <a:lvl8pPr marL="3200400" indent="0">
-              <a:buNone/>
-              <a:defRPr sz="1000"/>
-            </a:lvl8pPr>
-            <a:lvl9pPr marL="3657600" indent="0">
-              <a:buNone/>
-              <a:defRPr sz="1000"/>
-            </a:lvl9pPr>
-          </a:lstStyle>
-          <a:p>
-            <a:pPr lvl="0"/>
-            <a:r>
-              <a:rPr lang="zh-CN" altLang="en-US"/>
-              <a:t>单击此处编辑母版文本样式</a:t>
-            </a:r>
-          </a:p>
-        </p:txBody>
-      </p:sp>
-      <p:sp>
-        <p:nvSpPr>
-          <p:cNvPr id="5" name="日期占位符 4">
-            <a:extLst>
-              <a:ext uri="{FF2B5EF4-FFF2-40B4-BE49-F238E27FC236}">
-                <a16:creationId xmlns:a16="http://schemas.microsoft.com/office/drawing/2014/main" id="{4C07B0EC-A009-A29A-C640-E997E528FB7C}"/>
-              </a:ext>
-            </a:extLst>
-          </p:cNvPr>
-          <p:cNvSpPr>
-            <a:spLocks noGrp="1"/>
-          </p:cNvSpPr>
-          <p:nvPr>
-            <p:ph type="dt" sz="half" idx="10"/>
-          </p:nvPr>
-        </p:nvSpPr>
-        <p:spPr/>
-        <p:txBody>
-          <a:bodyPr/>
-          <a:lstStyle/>
-          <a:p>
-            <a:fld id="{D848DC82-3171-4CF6-BD5E-EF12C344DE3A}" type="datetimeFigureOut">
-              <a:rPr lang="zh-CN" altLang="en-US" smtClean="0"/>
-              <a:t>2024/8/5</a:t>
-            </a:fld>
-            <a:endParaRPr lang="zh-CN" altLang="en-US"/>
-          </a:p>
-        </p:txBody>
-      </p:sp>
-      <p:sp>
-        <p:nvSpPr>
-          <p:cNvPr id="6" name="页脚占位符 5">
-            <a:extLst>
-              <a:ext uri="{FF2B5EF4-FFF2-40B4-BE49-F238E27FC236}">
-                <a16:creationId xmlns:a16="http://schemas.microsoft.com/office/drawing/2014/main" id="{403B0C94-90FA-D17A-C064-69C4E60A0F7A}"/>
-              </a:ext>
-            </a:extLst>
-          </p:cNvPr>
-          <p:cNvSpPr>
-            <a:spLocks noGrp="1"/>
-          </p:cNvSpPr>
-          <p:nvPr>
-            <p:ph type="ftr" sz="quarter" idx="11"/>
-          </p:nvPr>
-        </p:nvSpPr>
-        <p:spPr/>
-        <p:txBody>
-          <a:bodyPr/>
-          <a:lstStyle/>
-          <a:p>
-            <a:endParaRPr lang="zh-CN" altLang="en-US"/>
-          </a:p>
-        </p:txBody>
-      </p:sp>
-      <p:sp>
-        <p:nvSpPr>
-          <p:cNvPr id="7" name="灯片编号占位符 6">
-            <a:extLst>
-              <a:ext uri="{FF2B5EF4-FFF2-40B4-BE49-F238E27FC236}">
-                <a16:creationId xmlns:a16="http://schemas.microsoft.com/office/drawing/2014/main" id="{B309127B-CDC8-5C3F-82A8-F7786CC16595}"/>
-              </a:ext>
-            </a:extLst>
-          </p:cNvPr>
-          <p:cNvSpPr>
-            <a:spLocks noGrp="1"/>
-          </p:cNvSpPr>
-          <p:nvPr>
-            <p:ph type="sldNum" sz="quarter" idx="12"/>
-          </p:nvPr>
-        </p:nvSpPr>
-        <p:spPr/>
-        <p:txBody>
-          <a:bodyPr/>
-          <a:lstStyle/>
-          <a:p>
-            <a:fld id="{505BB7F5-5393-483B-B334-E9D740D0C2FA}" type="slidenum">
-              <a:rPr lang="zh-CN" altLang="en-US" smtClean="0"/>
-              <a:t>‹#›</a:t>
-            </a:fld>
-            <a:endParaRPr lang="zh-CN" altLang="en-US"/>
-          </a:p>
-        </p:txBody>
-      </p:sp>
-    </p:spTree>
-    <p:extLst>
-      <p:ext uri="{BB962C8B-B14F-4D97-AF65-F5344CB8AC3E}">
-        <p14:creationId xmlns:p14="http://schemas.microsoft.com/office/powerpoint/2010/main" val="3004033877"/>
-      </p:ext>
-    </p:extLst>
-  </p:cSld>
-  <p:clrMapOvr>
-    <a:masterClrMapping/>
-  </p:clrMapOvr>
-</p:sldLayout>
-</file>
-
-<file path=ppt/slideLayouts/slideLayout9.xml><?xml version="1.0" encoding="utf-8"?>
-<p:sldLayout xmlns:a="http://schemas.openxmlformats.org/drawingml/2006/main" xmlns:r="http://schemas.openxmlformats.org/officeDocument/2006/relationships" xmlns:p="http://schemas.openxmlformats.org/presentationml/2006/main" type="picTx" preserve="1">
+<p:sldLayout xmlns:a="http://schemas.openxmlformats.org/drawingml/2006/main" xmlns:r="http://schemas.openxmlformats.org/officeDocument/2006/relationships" xmlns:p="http://schemas.openxmlformats.org/presentationml/2006/main" preserve="1" userDrawn="1">
   <p:cSld name="图片与标题">
     <p:spTree>
       <p:nvGrpSpPr>
@@ -2681,169 +2654,67 @@
       </p:grpSpPr>
       <p:sp>
         <p:nvSpPr>
-          <p:cNvPr id="2" name="标题 1">
-            <a:extLst>
-              <a:ext uri="{FF2B5EF4-FFF2-40B4-BE49-F238E27FC236}">
-                <a16:creationId xmlns:a16="http://schemas.microsoft.com/office/drawing/2014/main" id="{5B881543-BECE-3693-F161-7CDA9E5A9DED}"/>
-              </a:ext>
-            </a:extLst>
-          </p:cNvPr>
-          <p:cNvSpPr>
-            <a:spLocks noGrp="1"/>
-          </p:cNvSpPr>
-          <p:nvPr>
-            <p:ph type="title"/>
+          <p:cNvPr id="3" name="图片占位符 2"/>
+          <p:cNvSpPr>
+            <a:spLocks noGrp="1"/>
+          </p:cNvSpPr>
+          <p:nvPr>
+            <p:ph type="pic" idx="1"/>
+            <p:custDataLst>
+              <p:tags r:id="rId1"/>
+            </p:custDataLst>
           </p:nvPr>
         </p:nvSpPr>
         <p:spPr>
           <a:xfrm>
-            <a:off x="839788" y="457200"/>
-            <a:ext cx="3932237" cy="1600200"/>
+            <a:off x="608400" y="1555200"/>
+            <a:ext cx="5233077" cy="4608000"/>
           </a:xfrm>
         </p:spPr>
         <p:txBody>
-          <a:bodyPr anchor="b"/>
+          <a:bodyPr vert="horz" lIns="90000" tIns="46800" rIns="90000" bIns="46800" rtlCol="0">
+            <a:normAutofit/>
+          </a:bodyPr>
           <a:lstStyle>
             <a:lvl1pPr>
-              <a:defRPr sz="3200"/>
-            </a:lvl1pPr>
-          </a:lstStyle>
-          <a:p>
-            <a:r>
-              <a:rPr lang="zh-CN" altLang="en-US"/>
-              <a:t>单击此处编辑母版标题样式</a:t>
-            </a:r>
-          </a:p>
-        </p:txBody>
-      </p:sp>
-      <p:sp>
-        <p:nvSpPr>
-          <p:cNvPr id="3" name="图片占位符 2">
-            <a:extLst>
-              <a:ext uri="{FF2B5EF4-FFF2-40B4-BE49-F238E27FC236}">
-                <a16:creationId xmlns:a16="http://schemas.microsoft.com/office/drawing/2014/main" id="{D49EEEDC-56BC-5060-62A9-BE05CEA1200B}"/>
-              </a:ext>
-            </a:extLst>
-          </p:cNvPr>
-          <p:cNvSpPr>
-            <a:spLocks noGrp="1"/>
-          </p:cNvSpPr>
-          <p:nvPr>
-            <p:ph type="pic" idx="1"/>
-          </p:nvPr>
-        </p:nvSpPr>
-        <p:spPr>
-          <a:xfrm>
-            <a:off x="5183188" y="987425"/>
-            <a:ext cx="6172200" cy="4873625"/>
-          </a:xfrm>
-        </p:spPr>
-        <p:txBody>
-          <a:bodyPr/>
-          <a:lstStyle>
-            <a:lvl1pPr marL="0" indent="0">
-              <a:buNone/>
-              <a:defRPr sz="3200"/>
-            </a:lvl1pPr>
-            <a:lvl2pPr marL="457200" indent="0">
-              <a:buNone/>
-              <a:defRPr sz="2800"/>
-            </a:lvl2pPr>
-            <a:lvl3pPr marL="914400" indent="0">
-              <a:buNone/>
-              <a:defRPr sz="2400"/>
-            </a:lvl3pPr>
-            <a:lvl4pPr marL="1371600" indent="0">
-              <a:buNone/>
-              <a:defRPr sz="2000"/>
-            </a:lvl4pPr>
-            <a:lvl5pPr marL="1828800" indent="0">
-              <a:buNone/>
-              <a:defRPr sz="2000"/>
-            </a:lvl5pPr>
-            <a:lvl6pPr marL="2286000" indent="0">
-              <a:buNone/>
-              <a:defRPr sz="2000"/>
-            </a:lvl6pPr>
-            <a:lvl7pPr marL="2743200" indent="0">
-              <a:buNone/>
-              <a:defRPr sz="2000"/>
-            </a:lvl7pPr>
-            <a:lvl8pPr marL="3200400" indent="0">
-              <a:buNone/>
-              <a:defRPr sz="2000"/>
-            </a:lvl8pPr>
-            <a:lvl9pPr marL="3657600" indent="0">
-              <a:buNone/>
-              <a:defRPr sz="2000"/>
-            </a:lvl9pPr>
-          </a:lstStyle>
-          <a:p>
-            <a:endParaRPr lang="zh-CN" altLang="en-US"/>
-          </a:p>
-        </p:txBody>
-      </p:sp>
-      <p:sp>
-        <p:nvSpPr>
-          <p:cNvPr id="4" name="文本占位符 3">
-            <a:extLst>
-              <a:ext uri="{FF2B5EF4-FFF2-40B4-BE49-F238E27FC236}">
-                <a16:creationId xmlns:a16="http://schemas.microsoft.com/office/drawing/2014/main" id="{C07CFE4D-8C5B-AF02-C942-C2B1660094BB}"/>
-              </a:ext>
-            </a:extLst>
-          </p:cNvPr>
-          <p:cNvSpPr>
-            <a:spLocks noGrp="1"/>
-          </p:cNvSpPr>
-          <p:nvPr>
-            <p:ph type="body" sz="half" idx="2"/>
-          </p:nvPr>
-        </p:nvSpPr>
-        <p:spPr>
-          <a:xfrm>
-            <a:off x="839788" y="2057400"/>
-            <a:ext cx="3932237" cy="3811588"/>
-          </a:xfrm>
-        </p:spPr>
-        <p:txBody>
-          <a:bodyPr/>
-          <a:lstStyle>
-            <a:lvl1pPr marL="0" indent="0">
               <a:buNone/>
               <a:defRPr sz="1600"/>
             </a:lvl1pPr>
-            <a:lvl2pPr marL="457200" indent="0">
+          </a:lstStyle>
+          <a:p>
+            <a:pPr lvl="0"/>
+            <a:endParaRPr lang="zh-CN" altLang="en-US"/>
+          </a:p>
+        </p:txBody>
+      </p:sp>
+      <p:sp>
+        <p:nvSpPr>
+          <p:cNvPr id="4" name="文本占位符 3"/>
+          <p:cNvSpPr>
+            <a:spLocks noGrp="1"/>
+          </p:cNvSpPr>
+          <p:nvPr>
+            <p:ph type="body" sz="half" idx="2"/>
+            <p:custDataLst>
+              <p:tags r:id="rId2"/>
+            </p:custDataLst>
+          </p:nvPr>
+        </p:nvSpPr>
+        <p:spPr>
+          <a:xfrm>
+            <a:off x="6350400" y="1555200"/>
+            <a:ext cx="5227200" cy="4608000"/>
+          </a:xfrm>
+        </p:spPr>
+        <p:txBody>
+          <a:bodyPr vert="horz" lIns="90000" tIns="46800" rIns="90000" bIns="46800" rtlCol="0">
+            <a:normAutofit/>
+          </a:bodyPr>
+          <a:lstStyle>
+            <a:lvl1pPr>
               <a:buNone/>
-              <a:defRPr sz="1400"/>
-            </a:lvl2pPr>
-            <a:lvl3pPr marL="914400" indent="0">
-              <a:buNone/>
-              <a:defRPr sz="1200"/>
-            </a:lvl3pPr>
-            <a:lvl4pPr marL="1371600" indent="0">
-              <a:buNone/>
-              <a:defRPr sz="1000"/>
-            </a:lvl4pPr>
-            <a:lvl5pPr marL="1828800" indent="0">
-              <a:buNone/>
-              <a:defRPr sz="1000"/>
-            </a:lvl5pPr>
-            <a:lvl6pPr marL="2286000" indent="0">
-              <a:buNone/>
-              <a:defRPr sz="1000"/>
-            </a:lvl6pPr>
-            <a:lvl7pPr marL="2743200" indent="0">
-              <a:buNone/>
-              <a:defRPr sz="1000"/>
-            </a:lvl7pPr>
-            <a:lvl8pPr marL="3200400" indent="0">
-              <a:buNone/>
-              <a:defRPr sz="1000"/>
-            </a:lvl8pPr>
-            <a:lvl9pPr marL="3657600" indent="0">
-              <a:buNone/>
-              <a:defRPr sz="1000"/>
-            </a:lvl9pPr>
+              <a:defRPr sz="1600"/>
+            </a:lvl1pPr>
           </a:lstStyle>
           <a:p>
             <a:pPr lvl="0"/>
@@ -2856,18 +2727,15 @@
       </p:sp>
       <p:sp>
         <p:nvSpPr>
-          <p:cNvPr id="5" name="日期占位符 4">
-            <a:extLst>
-              <a:ext uri="{FF2B5EF4-FFF2-40B4-BE49-F238E27FC236}">
-                <a16:creationId xmlns:a16="http://schemas.microsoft.com/office/drawing/2014/main" id="{2A25086A-812B-4D9F-6C08-05372304364D}"/>
-              </a:ext>
-            </a:extLst>
-          </p:cNvPr>
+          <p:cNvPr id="5" name="日期占位符 4"/>
           <p:cNvSpPr>
             <a:spLocks noGrp="1"/>
           </p:cNvSpPr>
           <p:nvPr>
             <p:ph type="dt" sz="half" idx="10"/>
+            <p:custDataLst>
+              <p:tags r:id="rId3"/>
+            </p:custDataLst>
           </p:nvPr>
         </p:nvSpPr>
         <p:spPr/>
@@ -2875,28 +2743,25 @@
           <a:bodyPr/>
           <a:lstStyle/>
           <a:p>
-            <a:fld id="{D848DC82-3171-4CF6-BD5E-EF12C344DE3A}" type="datetimeFigureOut">
+            <a:fld id="{9EFD9D74-47D9-4702-A33C-335B63B48DBF}" type="datetimeFigureOut">
               <a:rPr lang="zh-CN" altLang="en-US" smtClean="0"/>
-              <a:t>2024/8/5</a:t>
+              <a:t>2024/8/6</a:t>
             </a:fld>
-            <a:endParaRPr lang="zh-CN" altLang="en-US"/>
-          </a:p>
-        </p:txBody>
-      </p:sp>
-      <p:sp>
-        <p:nvSpPr>
-          <p:cNvPr id="6" name="页脚占位符 5">
-            <a:extLst>
-              <a:ext uri="{FF2B5EF4-FFF2-40B4-BE49-F238E27FC236}">
-                <a16:creationId xmlns:a16="http://schemas.microsoft.com/office/drawing/2014/main" id="{3382F796-4192-7D01-B7C4-E10F4ED5E79A}"/>
-              </a:ext>
-            </a:extLst>
-          </p:cNvPr>
+            <a:endParaRPr lang="zh-CN" altLang="en-US" dirty="0"/>
+          </a:p>
+        </p:txBody>
+      </p:sp>
+      <p:sp>
+        <p:nvSpPr>
+          <p:cNvPr id="6" name="页脚占位符 5"/>
           <p:cNvSpPr>
             <a:spLocks noGrp="1"/>
           </p:cNvSpPr>
           <p:nvPr>
             <p:ph type="ftr" sz="quarter" idx="11"/>
+            <p:custDataLst>
+              <p:tags r:id="rId4"/>
+            </p:custDataLst>
           </p:nvPr>
         </p:nvSpPr>
         <p:spPr/>
@@ -2904,24 +2769,21 @@
           <a:bodyPr/>
           <a:lstStyle/>
           <a:p>
-            <a:endParaRPr lang="zh-CN" altLang="en-US"/>
-          </a:p>
-        </p:txBody>
-      </p:sp>
-      <p:sp>
-        <p:nvSpPr>
-          <p:cNvPr id="7" name="灯片编号占位符 6">
-            <a:extLst>
-              <a:ext uri="{FF2B5EF4-FFF2-40B4-BE49-F238E27FC236}">
-                <a16:creationId xmlns:a16="http://schemas.microsoft.com/office/drawing/2014/main" id="{49BD69DF-D5D1-2DD5-CCDD-7458494894C1}"/>
-              </a:ext>
-            </a:extLst>
-          </p:cNvPr>
+            <a:endParaRPr lang="zh-CN" altLang="en-US" dirty="0"/>
+          </a:p>
+        </p:txBody>
+      </p:sp>
+      <p:sp>
+        <p:nvSpPr>
+          <p:cNvPr id="7" name="灯片编号占位符 6"/>
           <p:cNvSpPr>
             <a:spLocks noGrp="1"/>
           </p:cNvSpPr>
           <p:nvPr>
             <p:ph type="sldNum" sz="quarter" idx="12"/>
+            <p:custDataLst>
+              <p:tags r:id="rId5"/>
+            </p:custDataLst>
           </p:nvPr>
         </p:nvSpPr>
         <p:spPr/>
@@ -2929,7 +2791,7 @@
           <a:bodyPr/>
           <a:lstStyle/>
           <a:p>
-            <a:fld id="{505BB7F5-5393-483B-B334-E9D740D0C2FA}" type="slidenum">
+            <a:fld id="{FABC47A4-756D-490B-A52F-7D9E2C9FC05F}" type="slidenum">
               <a:rPr lang="zh-CN" altLang="en-US" smtClean="0"/>
               <a:t>‹#›</a:t>
             </a:fld>
@@ -2937,12 +2799,32 @@
           </a:p>
         </p:txBody>
       </p:sp>
+      <p:sp>
+        <p:nvSpPr>
+          <p:cNvPr id="9" name="标题 8"/>
+          <p:cNvSpPr>
+            <a:spLocks noGrp="1"/>
+          </p:cNvSpPr>
+          <p:nvPr>
+            <p:ph type="title"/>
+            <p:custDataLst>
+              <p:tags r:id="rId6"/>
+            </p:custDataLst>
+          </p:nvPr>
+        </p:nvSpPr>
+        <p:spPr/>
+        <p:txBody>
+          <a:bodyPr/>
+          <a:lstStyle/>
+          <a:p>
+            <a:r>
+              <a:rPr lang="zh-CN" altLang="en-US"/>
+              <a:t>单击此处编辑母版标题样式</a:t>
+            </a:r>
+          </a:p>
+        </p:txBody>
+      </p:sp>
     </p:spTree>
-    <p:extLst>
-      <p:ext uri="{BB962C8B-B14F-4D97-AF65-F5344CB8AC3E}">
-        <p14:creationId xmlns:p14="http://schemas.microsoft.com/office/powerpoint/2010/main" val="1847425460"/>
-      </p:ext>
-    </p:extLst>
   </p:cSld>
   <p:clrMapOvr>
     <a:masterClrMapping/>
@@ -2950,13 +2832,231 @@
 </p:sldLayout>
 </file>
 
+<file path=ppt/slideLayouts/slideLayout9.xml><?xml version="1.0" encoding="utf-8"?>
+<p:sldLayout xmlns:a="http://schemas.openxmlformats.org/drawingml/2006/main" xmlns:r="http://schemas.openxmlformats.org/officeDocument/2006/relationships" xmlns:p="http://schemas.openxmlformats.org/presentationml/2006/main" type="vertTitleAndTx" preserve="1">
+  <p:cSld name="竖排标题与文本">
+    <p:spTree>
+      <p:nvGrpSpPr>
+        <p:cNvPr id="1" name=""/>
+        <p:cNvGrpSpPr/>
+        <p:nvPr/>
+      </p:nvGrpSpPr>
+      <p:grpSpPr>
+        <a:xfrm>
+          <a:off x="0" y="0"/>
+          <a:ext cx="0" cy="0"/>
+          <a:chOff x="0" y="0"/>
+          <a:chExt cx="0" cy="0"/>
+        </a:xfrm>
+      </p:grpSpPr>
+      <p:sp>
+        <p:nvSpPr>
+          <p:cNvPr id="2" name="竖排标题 1"/>
+          <p:cNvSpPr>
+            <a:spLocks noGrp="1"/>
+          </p:cNvSpPr>
+          <p:nvPr>
+            <p:ph type="title" orient="vert" hasCustomPrompt="1"/>
+            <p:custDataLst>
+              <p:tags r:id="rId1"/>
+            </p:custDataLst>
+          </p:nvPr>
+        </p:nvSpPr>
+        <p:spPr>
+          <a:xfrm>
+            <a:off x="10234800" y="914400"/>
+            <a:ext cx="1044000" cy="5029200"/>
+          </a:xfrm>
+        </p:spPr>
+        <p:txBody>
+          <a:bodyPr vert="eaVert" lIns="90000" tIns="46800" rIns="90000" bIns="46800" rtlCol="0" anchor="ctr" anchorCtr="0">
+            <a:normAutofit/>
+          </a:bodyPr>
+          <a:lstStyle>
+            <a:lvl1pPr>
+              <a:buNone/>
+              <a:defRPr sz="2800"/>
+            </a:lvl1pPr>
+          </a:lstStyle>
+          <a:p>
+            <a:pPr lvl="0"/>
+            <a:r>
+              <a:rPr lang="zh-CN" altLang="en-US"/>
+              <a:t>单击此处编辑标题</a:t>
+            </a:r>
+          </a:p>
+        </p:txBody>
+      </p:sp>
+      <p:sp>
+        <p:nvSpPr>
+          <p:cNvPr id="3" name="竖排文字占位符 2"/>
+          <p:cNvSpPr>
+            <a:spLocks noGrp="1"/>
+          </p:cNvSpPr>
+          <p:nvPr>
+            <p:ph type="body" orient="vert" idx="1"/>
+            <p:custDataLst>
+              <p:tags r:id="rId2"/>
+            </p:custDataLst>
+          </p:nvPr>
+        </p:nvSpPr>
+        <p:spPr>
+          <a:xfrm>
+            <a:off x="914400" y="914400"/>
+            <a:ext cx="9169200" cy="5029200"/>
+          </a:xfrm>
+        </p:spPr>
+        <p:txBody>
+          <a:bodyPr vert="eaVert" lIns="46800" tIns="46800" rIns="46800" bIns="46800"/>
+          <a:lstStyle>
+            <a:lvl1pPr marL="228600" indent="-228600">
+              <a:spcAft>
+                <a:spcPts val="1000"/>
+              </a:spcAft>
+              <a:defRPr spc="300"/>
+            </a:lvl1pPr>
+            <a:lvl2pPr marL="685800" indent="-228600">
+              <a:defRPr spc="300"/>
+            </a:lvl2pPr>
+            <a:lvl3pPr marL="1143000" indent="-228600">
+              <a:defRPr spc="300"/>
+            </a:lvl3pPr>
+            <a:lvl4pPr marL="1600200" indent="-228600">
+              <a:defRPr spc="300"/>
+            </a:lvl4pPr>
+            <a:lvl5pPr marL="2057400" indent="-228600">
+              <a:defRPr spc="300"/>
+            </a:lvl5pPr>
+          </a:lstStyle>
+          <a:p>
+            <a:pPr lvl="0"/>
+            <a:r>
+              <a:rPr lang="zh-CN" altLang="en-US" dirty="0"/>
+              <a:t>单击此处编辑母版文本样式</a:t>
+            </a:r>
+          </a:p>
+          <a:p>
+            <a:pPr lvl="1"/>
+            <a:r>
+              <a:rPr lang="zh-CN" altLang="en-US" dirty="0"/>
+              <a:t>第二级</a:t>
+            </a:r>
+          </a:p>
+          <a:p>
+            <a:pPr lvl="2"/>
+            <a:r>
+              <a:rPr lang="zh-CN" altLang="en-US" dirty="0"/>
+              <a:t>第三级</a:t>
+            </a:r>
+          </a:p>
+          <a:p>
+            <a:pPr lvl="3"/>
+            <a:r>
+              <a:rPr lang="zh-CN" altLang="en-US" dirty="0"/>
+              <a:t>第四级</a:t>
+            </a:r>
+          </a:p>
+          <a:p>
+            <a:pPr lvl="4"/>
+            <a:r>
+              <a:rPr lang="zh-CN" altLang="en-US" dirty="0"/>
+              <a:t>第五级</a:t>
+            </a:r>
+          </a:p>
+        </p:txBody>
+      </p:sp>
+      <p:sp>
+        <p:nvSpPr>
+          <p:cNvPr id="4" name="日期占位符 3"/>
+          <p:cNvSpPr>
+            <a:spLocks noGrp="1"/>
+          </p:cNvSpPr>
+          <p:nvPr>
+            <p:ph type="dt" sz="half" idx="10"/>
+            <p:custDataLst>
+              <p:tags r:id="rId3"/>
+            </p:custDataLst>
+          </p:nvPr>
+        </p:nvSpPr>
+        <p:spPr/>
+        <p:txBody>
+          <a:bodyPr/>
+          <a:lstStyle/>
+          <a:p>
+            <a:fld id="{760FBDFE-C587-4B4C-A407-44438C67B59E}" type="datetimeFigureOut">
+              <a:rPr lang="zh-CN" altLang="en-US" smtClean="0"/>
+              <a:t>2024/8/6</a:t>
+            </a:fld>
+            <a:endParaRPr lang="zh-CN" altLang="en-US"/>
+          </a:p>
+        </p:txBody>
+      </p:sp>
+      <p:sp>
+        <p:nvSpPr>
+          <p:cNvPr id="5" name="页脚占位符 4"/>
+          <p:cNvSpPr>
+            <a:spLocks noGrp="1"/>
+          </p:cNvSpPr>
+          <p:nvPr>
+            <p:ph type="ftr" sz="quarter" idx="11"/>
+            <p:custDataLst>
+              <p:tags r:id="rId4"/>
+            </p:custDataLst>
+          </p:nvPr>
+        </p:nvSpPr>
+        <p:spPr/>
+        <p:txBody>
+          <a:bodyPr/>
+          <a:lstStyle/>
+          <a:p>
+            <a:endParaRPr lang="zh-CN" altLang="en-US"/>
+          </a:p>
+        </p:txBody>
+      </p:sp>
+      <p:sp>
+        <p:nvSpPr>
+          <p:cNvPr id="6" name="灯片编号占位符 5"/>
+          <p:cNvSpPr>
+            <a:spLocks noGrp="1"/>
+          </p:cNvSpPr>
+          <p:nvPr>
+            <p:ph type="sldNum" sz="quarter" idx="12"/>
+            <p:custDataLst>
+              <p:tags r:id="rId5"/>
+            </p:custDataLst>
+          </p:nvPr>
+        </p:nvSpPr>
+        <p:spPr/>
+        <p:txBody>
+          <a:bodyPr/>
+          <a:lstStyle/>
+          <a:p>
+            <a:fld id="{49AE70B2-8BF9-45C0-BB95-33D1B9D3A854}" type="slidenum">
+              <a:rPr lang="zh-CN" altLang="en-US" smtClean="0"/>
+              <a:t>‹#›</a:t>
+            </a:fld>
+            <a:endParaRPr lang="zh-CN" altLang="en-US"/>
+          </a:p>
+        </p:txBody>
+      </p:sp>
+    </p:spTree>
+  </p:cSld>
+  <p:clrMapOvr>
+    <a:masterClrMapping/>
+  </p:clrMapOvr>
+</p:sldLayout>
+</file>
+
 <file path=ppt/slideMasters/slideMaster1.xml><?xml version="1.0" encoding="utf-8"?>
 <p:sldMaster xmlns:a="http://schemas.openxmlformats.org/drawingml/2006/main" xmlns:r="http://schemas.openxmlformats.org/officeDocument/2006/relationships" xmlns:p="http://schemas.openxmlformats.org/presentationml/2006/main">
   <p:cSld>
     <p:bg>
-      <p:bgRef idx="1001">
-        <a:schemeClr val="bg1"/>
-      </p:bgRef>
+      <p:bgPr>
+        <a:solidFill>
+          <a:schemeClr val="bg2"/>
+        </a:solidFill>
+        <a:effectLst/>
+      </p:bgPr>
     </p:bg>
     <p:spTree>
       <p:nvGrpSpPr>
@@ -2974,37 +3074,34 @@
       </p:grpSpPr>
       <p:sp>
         <p:nvSpPr>
-          <p:cNvPr id="2" name="标题占位符 1">
-            <a:extLst>
-              <a:ext uri="{FF2B5EF4-FFF2-40B4-BE49-F238E27FC236}">
-                <a16:creationId xmlns:a16="http://schemas.microsoft.com/office/drawing/2014/main" id="{B320ED6B-5D06-EBE7-14EA-20857F0F153E}"/>
-              </a:ext>
-            </a:extLst>
-          </p:cNvPr>
+          <p:cNvPr id="2" name="标题占位符 1"/>
           <p:cNvSpPr>
             <a:spLocks noGrp="1"/>
           </p:cNvSpPr>
           <p:nvPr>
             <p:ph type="title"/>
+            <p:custDataLst>
+              <p:tags r:id="rId15"/>
+            </p:custDataLst>
           </p:nvPr>
         </p:nvSpPr>
         <p:spPr>
           <a:xfrm>
-            <a:off x="838200" y="365125"/>
-            <a:ext cx="10515600" cy="1325563"/>
+            <a:off x="608400" y="608400"/>
+            <a:ext cx="10969200" cy="705600"/>
           </a:xfrm>
           <a:prstGeom prst="rect">
             <a:avLst/>
           </a:prstGeom>
         </p:spPr>
         <p:txBody>
-          <a:bodyPr vert="horz" lIns="91440" tIns="45720" rIns="91440" bIns="45720" rtlCol="0" anchor="ctr">
+          <a:bodyPr vert="horz" lIns="90170" tIns="46990" rIns="90170" bIns="46990" rtlCol="0" anchor="ctr" anchorCtr="0">
             <a:normAutofit/>
           </a:bodyPr>
           <a:lstStyle/>
           <a:p>
             <a:r>
-              <a:rPr lang="zh-CN" altLang="en-US"/>
+              <a:rPr lang="zh-CN" altLang="en-US" dirty="0"/>
               <a:t>单击此处编辑母版标题样式</a:t>
             </a:r>
           </a:p>
@@ -3012,101 +3109,97 @@
       </p:sp>
       <p:sp>
         <p:nvSpPr>
-          <p:cNvPr id="3" name="文本占位符 2">
-            <a:extLst>
-              <a:ext uri="{FF2B5EF4-FFF2-40B4-BE49-F238E27FC236}">
-                <a16:creationId xmlns:a16="http://schemas.microsoft.com/office/drawing/2014/main" id="{0394D60C-415E-1749-7837-64C7FE9B66A8}"/>
-              </a:ext>
-            </a:extLst>
-          </p:cNvPr>
+          <p:cNvPr id="3" name="文本占位符 2"/>
           <p:cNvSpPr>
             <a:spLocks noGrp="1"/>
           </p:cNvSpPr>
           <p:nvPr>
             <p:ph type="body" idx="1"/>
+            <p:custDataLst>
+              <p:tags r:id="rId16"/>
+            </p:custDataLst>
           </p:nvPr>
         </p:nvSpPr>
         <p:spPr>
           <a:xfrm>
-            <a:off x="838200" y="1825625"/>
-            <a:ext cx="10515600" cy="4351338"/>
+            <a:off x="608400" y="1490400"/>
+            <a:ext cx="10969200" cy="4759200"/>
           </a:xfrm>
           <a:prstGeom prst="rect">
             <a:avLst/>
           </a:prstGeom>
         </p:spPr>
         <p:txBody>
-          <a:bodyPr vert="horz" lIns="91440" tIns="45720" rIns="91440" bIns="45720" rtlCol="0">
+          <a:bodyPr vert="horz" lIns="90000" tIns="46800" rIns="90000" bIns="46800" rtlCol="0">
             <a:normAutofit/>
           </a:bodyPr>
           <a:lstStyle/>
           <a:p>
             <a:pPr lvl="0"/>
             <a:r>
-              <a:rPr lang="zh-CN" altLang="en-US"/>
+              <a:rPr lang="zh-CN" altLang="en-US" dirty="0"/>
               <a:t>单击此处编辑母版文本样式</a:t>
             </a:r>
           </a:p>
           <a:p>
             <a:pPr lvl="1"/>
             <a:r>
-              <a:rPr lang="zh-CN" altLang="en-US"/>
-              <a:t>二级</a:t>
+              <a:rPr lang="zh-CN" altLang="en-US" dirty="0"/>
+              <a:t>第二级</a:t>
             </a:r>
           </a:p>
           <a:p>
             <a:pPr lvl="2"/>
             <a:r>
-              <a:rPr lang="zh-CN" altLang="en-US"/>
-              <a:t>三级</a:t>
+              <a:rPr lang="zh-CN" altLang="en-US" dirty="0"/>
+              <a:t>第三级</a:t>
             </a:r>
           </a:p>
           <a:p>
             <a:pPr lvl="3"/>
             <a:r>
-              <a:rPr lang="zh-CN" altLang="en-US"/>
-              <a:t>四级</a:t>
+              <a:rPr lang="zh-CN" altLang="en-US" dirty="0"/>
+              <a:t>第四级</a:t>
             </a:r>
           </a:p>
           <a:p>
             <a:pPr lvl="4"/>
             <a:r>
-              <a:rPr lang="zh-CN" altLang="en-US"/>
-              <a:t>五级</a:t>
-            </a:r>
-          </a:p>
-        </p:txBody>
-      </p:sp>
-      <p:sp>
-        <p:nvSpPr>
-          <p:cNvPr id="4" name="日期占位符 3">
-            <a:extLst>
-              <a:ext uri="{FF2B5EF4-FFF2-40B4-BE49-F238E27FC236}">
-                <a16:creationId xmlns:a16="http://schemas.microsoft.com/office/drawing/2014/main" id="{EB74D561-1687-F0B0-D548-2BE0F05FFDE9}"/>
-              </a:ext>
-            </a:extLst>
-          </p:cNvPr>
+              <a:rPr lang="zh-CN" altLang="en-US" dirty="0"/>
+              <a:t>第五级</a:t>
+            </a:r>
+          </a:p>
+        </p:txBody>
+      </p:sp>
+      <p:sp>
+        <p:nvSpPr>
+          <p:cNvPr id="4" name="日期占位符 3"/>
           <p:cNvSpPr>
             <a:spLocks noGrp="1"/>
           </p:cNvSpPr>
           <p:nvPr>
             <p:ph type="dt" sz="half" idx="2"/>
+            <p:custDataLst>
+              <p:tags r:id="rId17"/>
+            </p:custDataLst>
           </p:nvPr>
         </p:nvSpPr>
         <p:spPr>
           <a:xfrm>
-            <a:off x="838200" y="6356350"/>
-            <a:ext cx="2743200" cy="365125"/>
+            <a:off x="612000" y="6314400"/>
+            <a:ext cx="2700000" cy="316800"/>
           </a:xfrm>
           <a:prstGeom prst="rect">
             <a:avLst/>
           </a:prstGeom>
         </p:spPr>
         <p:txBody>
-          <a:bodyPr vert="horz" lIns="91440" tIns="45720" rIns="91440" bIns="45720" rtlCol="0" anchor="ctr"/>
+          <a:bodyPr vert="horz" lIns="91440" tIns="45720" rIns="91440" bIns="45720" rtlCol="0" anchor="ctr">
+            <a:normAutofit/>
+          </a:bodyPr>
           <a:lstStyle>
             <a:lvl1pPr algn="l">
-              <a:defRPr sz="1200">
+              <a:defRPr sz="1000" baseline="0">
                 <a:solidFill>
                   <a:schemeClr val="tx1">
                     <a:tint val="75000"/>
@@ -3116,9 +3209,9 @@
             </a:lvl1pPr>
           </a:lstStyle>
           <a:p>
-            <a:fld id="{D848DC82-3171-4CF6-BD5E-EF12C344DE3A}" type="datetimeFigureOut">
+            <a:fld id="{760FBDFE-C587-4B4C-A407-44438C67B59E}" type="datetimeFigureOut">
               <a:rPr lang="zh-CN" altLang="en-US" smtClean="0"/>
-              <a:t>2024/8/5</a:t>
+              <a:t>2024/8/6</a:t>
             </a:fld>
             <a:endParaRPr lang="zh-CN" altLang="en-US"/>
           </a:p>
@@ -3126,34 +3219,33 @@
       </p:sp>
       <p:sp>
         <p:nvSpPr>
-          <p:cNvPr id="5" name="页脚占位符 4">
-            <a:extLst>
-              <a:ext uri="{FF2B5EF4-FFF2-40B4-BE49-F238E27FC236}">
-                <a16:creationId xmlns:a16="http://schemas.microsoft.com/office/drawing/2014/main" id="{155BF600-0395-8098-9F81-3C0116D49769}"/>
-              </a:ext>
-            </a:extLst>
-          </p:cNvPr>
+          <p:cNvPr id="5" name="页脚占位符 4"/>
           <p:cNvSpPr>
             <a:spLocks noGrp="1"/>
           </p:cNvSpPr>
           <p:nvPr>
             <p:ph type="ftr" sz="quarter" idx="3"/>
+            <p:custDataLst>
+              <p:tags r:id="rId18"/>
+            </p:custDataLst>
           </p:nvPr>
         </p:nvSpPr>
         <p:spPr>
           <a:xfrm>
-            <a:off x="4038600" y="6356350"/>
-            <a:ext cx="4114800" cy="365125"/>
+            <a:off x="4116000" y="6314400"/>
+            <a:ext cx="3960000" cy="316800"/>
           </a:xfrm>
           <a:prstGeom prst="rect">
             <a:avLst/>
           </a:prstGeom>
         </p:spPr>
         <p:txBody>
-          <a:bodyPr vert="horz" lIns="91440" tIns="45720" rIns="91440" bIns="45720" rtlCol="0" anchor="ctr"/>
+          <a:bodyPr vert="horz" lIns="91440" tIns="45720" rIns="91440" bIns="45720" rtlCol="0" anchor="ctr">
+            <a:normAutofit/>
+          </a:bodyPr>
           <a:lstStyle>
             <a:lvl1pPr algn="ctr">
-              <a:defRPr sz="1200">
+              <a:defRPr sz="1000" baseline="0">
                 <a:solidFill>
                   <a:schemeClr val="tx1">
                     <a:tint val="75000"/>
@@ -3163,40 +3255,39 @@
             </a:lvl1pPr>
           </a:lstStyle>
           <a:p>
-            <a:endParaRPr lang="zh-CN" altLang="en-US"/>
-          </a:p>
-        </p:txBody>
-      </p:sp>
-      <p:sp>
-        <p:nvSpPr>
-          <p:cNvPr id="6" name="灯片编号占位符 5">
-            <a:extLst>
-              <a:ext uri="{FF2B5EF4-FFF2-40B4-BE49-F238E27FC236}">
-                <a16:creationId xmlns:a16="http://schemas.microsoft.com/office/drawing/2014/main" id="{D672BA58-DACC-36A5-FCD5-0D340B8F92BD}"/>
-              </a:ext>
-            </a:extLst>
-          </p:cNvPr>
+            <a:endParaRPr lang="zh-CN" altLang="en-US" dirty="0"/>
+          </a:p>
+        </p:txBody>
+      </p:sp>
+      <p:sp>
+        <p:nvSpPr>
+          <p:cNvPr id="6" name="灯片编号占位符 5"/>
           <p:cNvSpPr>
             <a:spLocks noGrp="1"/>
           </p:cNvSpPr>
           <p:nvPr>
             <p:ph type="sldNum" sz="quarter" idx="4"/>
+            <p:custDataLst>
+              <p:tags r:id="rId19"/>
+            </p:custDataLst>
           </p:nvPr>
         </p:nvSpPr>
         <p:spPr>
           <a:xfrm>
-            <a:off x="8610600" y="6356350"/>
-            <a:ext cx="2743200" cy="365125"/>
+            <a:off x="8877600" y="6314400"/>
+            <a:ext cx="2700000" cy="316800"/>
           </a:xfrm>
           <a:prstGeom prst="rect">
             <a:avLst/>
           </a:prstGeom>
         </p:spPr>
         <p:txBody>
-          <a:bodyPr vert="horz" lIns="91440" tIns="45720" rIns="91440" bIns="45720" rtlCol="0" anchor="ctr"/>
+          <a:bodyPr vert="horz" lIns="91440" tIns="45720" rIns="91440" bIns="45720" rtlCol="0" anchor="ctr">
+            <a:normAutofit/>
+          </a:bodyPr>
           <a:lstStyle>
             <a:lvl1pPr algn="r">
-              <a:defRPr sz="1200">
+              <a:defRPr sz="1000" baseline="0">
                 <a:solidFill>
                   <a:schemeClr val="tx1">
                     <a:tint val="75000"/>
@@ -3206,20 +3297,18 @@
             </a:lvl1pPr>
           </a:lstStyle>
           <a:p>
-            <a:fld id="{505BB7F5-5393-483B-B334-E9D740D0C2FA}" type="slidenum">
+            <a:fld id="{49AE70B2-8BF9-45C0-BB95-33D1B9D3A854}" type="slidenum">
               <a:rPr lang="zh-CN" altLang="en-US" smtClean="0"/>
               <a:t>‹#›</a:t>
             </a:fld>
-            <a:endParaRPr lang="zh-CN" altLang="en-US"/>
+            <a:endParaRPr lang="zh-CN" altLang="en-US" dirty="0"/>
           </a:p>
         </p:txBody>
       </p:sp>
     </p:spTree>
-    <p:extLst>
-      <p:ext uri="{BB962C8B-B14F-4D97-AF65-F5344CB8AC3E}">
-        <p14:creationId xmlns:p14="http://schemas.microsoft.com/office/powerpoint/2010/main" val="1028960062"/>
-      </p:ext>
-    </p:extLst>
+    <p:custDataLst>
+      <p:tags r:id="rId14"/>
+    </p:custDataLst>
   </p:cSld>
   <p:clrMap bg1="lt1" tx1="dk1" bg2="lt2" tx2="dk2" accent1="accent1" accent2="accent2" accent3="accent3" accent4="accent4" accent5="accent5" accent6="accent6" hlink="hlink" folHlink="folHlink"/>
   <p:sldLayoutIdLst>
@@ -3238,18 +3327,22 @@
   </p:sldLayoutIdLst>
   <p:txStyles>
     <p:titleStyle>
-      <a:lvl1pPr algn="l" defTabSz="914400" rtl="0" eaLnBrk="1" latinLnBrk="0" hangingPunct="1">
+      <a:lvl1pPr algn="l" defTabSz="914400" rtl="0" eaLnBrk="1" fontAlgn="auto" latinLnBrk="0" hangingPunct="1">
         <a:lnSpc>
-          <a:spcPct val="90000"/>
+          <a:spcPct val="100000"/>
         </a:lnSpc>
         <a:spcBef>
           <a:spcPct val="0"/>
         </a:spcBef>
         <a:buNone/>
-        <a:defRPr sz="4400" kern="1200">
+        <a:defRPr sz="3600" b="1" u="none" strike="noStrike" kern="1200" cap="none" spc="300" normalizeH="0" baseline="0">
           <a:solidFill>
-            <a:schemeClr val="tx1"/>
+            <a:schemeClr val="tx1">
+              <a:lumMod val="85000"/>
+              <a:lumOff val="15000"/>
+            </a:schemeClr>
           </a:solidFill>
+          <a:uFillTx/>
           <a:latin typeface="+mj-lt"/>
           <a:ea typeface="+mj-ea"/>
           <a:cs typeface="+mj-cs"/>
@@ -3257,91 +3350,132 @@
       </a:lvl1pPr>
     </p:titleStyle>
     <p:bodyStyle>
-      <a:lvl1pPr marL="228600" indent="-228600" algn="l" defTabSz="914400" rtl="0" eaLnBrk="1" latinLnBrk="0" hangingPunct="1">
+      <a:lvl1pPr marL="228600" indent="-228600" algn="l" defTabSz="914400" rtl="0" eaLnBrk="1" fontAlgn="auto" latinLnBrk="0" hangingPunct="1">
         <a:lnSpc>
-          <a:spcPct val="90000"/>
+          <a:spcPct val="130000"/>
         </a:lnSpc>
         <a:spcBef>
+          <a:spcPts val="0"/>
+        </a:spcBef>
+        <a:spcAft>
           <a:spcPts val="1000"/>
-        </a:spcBef>
+        </a:spcAft>
         <a:buFont typeface="Arial" panose="020B0604020202020204" pitchFamily="34" charset="0"/>
-        <a:buChar char="•"/>
-        <a:defRPr sz="2800" kern="1200">
+        <a:buChar char="●"/>
+        <a:defRPr sz="1800" u="none" strike="noStrike" kern="1200" cap="none" spc="150" normalizeH="0" baseline="0">
           <a:solidFill>
-            <a:schemeClr val="tx1"/>
+            <a:schemeClr val="tx1">
+              <a:lumMod val="65000"/>
+              <a:lumOff val="35000"/>
+            </a:schemeClr>
           </a:solidFill>
+          <a:uFillTx/>
           <a:latin typeface="+mn-lt"/>
           <a:ea typeface="+mn-ea"/>
           <a:cs typeface="+mn-cs"/>
         </a:defRPr>
       </a:lvl1pPr>
-      <a:lvl2pPr marL="685800" indent="-228600" algn="l" defTabSz="914400" rtl="0" eaLnBrk="1" latinLnBrk="0" hangingPunct="1">
+      <a:lvl2pPr marL="685800" indent="-228600" algn="l" defTabSz="914400" rtl="0" eaLnBrk="1" fontAlgn="auto" latinLnBrk="0" hangingPunct="1">
         <a:lnSpc>
-          <a:spcPct val="90000"/>
+          <a:spcPct val="120000"/>
         </a:lnSpc>
         <a:spcBef>
-          <a:spcPts val="500"/>
+          <a:spcPts val="0"/>
         </a:spcBef>
+        <a:spcAft>
+          <a:spcPts val="600"/>
+        </a:spcAft>
         <a:buFont typeface="Arial" panose="020B0604020202020204" pitchFamily="34" charset="0"/>
-        <a:buChar char="•"/>
-        <a:defRPr sz="2400" kern="1200">
+        <a:buChar char="●"/>
+        <a:tabLst>
+          <a:tab pos="1609725" algn="l"/>
+          <a:tab pos="1609725" algn="l"/>
+          <a:tab pos="1609725" algn="l"/>
+          <a:tab pos="1609725" algn="l"/>
+        </a:tabLst>
+        <a:defRPr sz="1600" u="none" strike="noStrike" kern="1200" cap="none" spc="150" normalizeH="0" baseline="0">
           <a:solidFill>
-            <a:schemeClr val="tx1"/>
+            <a:schemeClr val="tx1">
+              <a:lumMod val="65000"/>
+              <a:lumOff val="35000"/>
+            </a:schemeClr>
           </a:solidFill>
+          <a:uFillTx/>
           <a:latin typeface="+mn-lt"/>
           <a:ea typeface="+mn-ea"/>
           <a:cs typeface="+mn-cs"/>
         </a:defRPr>
       </a:lvl2pPr>
-      <a:lvl3pPr marL="1143000" indent="-228600" algn="l" defTabSz="914400" rtl="0" eaLnBrk="1" latinLnBrk="0" hangingPunct="1">
+      <a:lvl3pPr marL="1143000" indent="-228600" algn="l" defTabSz="914400" rtl="0" eaLnBrk="1" fontAlgn="auto" latinLnBrk="0" hangingPunct="1">
         <a:lnSpc>
-          <a:spcPct val="90000"/>
+          <a:spcPct val="120000"/>
         </a:lnSpc>
         <a:spcBef>
-          <a:spcPts val="500"/>
+          <a:spcPts val="0"/>
         </a:spcBef>
+        <a:spcAft>
+          <a:spcPts val="600"/>
+        </a:spcAft>
         <a:buFont typeface="Arial" panose="020B0604020202020204" pitchFamily="34" charset="0"/>
-        <a:buChar char="•"/>
-        <a:defRPr sz="2000" kern="1200">
+        <a:buChar char="●"/>
+        <a:defRPr sz="1600" u="none" strike="noStrike" kern="1200" cap="none" spc="150" normalizeH="0" baseline="0">
           <a:solidFill>
-            <a:schemeClr val="tx1"/>
+            <a:schemeClr val="tx1">
+              <a:lumMod val="65000"/>
+              <a:lumOff val="35000"/>
+            </a:schemeClr>
           </a:solidFill>
+          <a:uFillTx/>
           <a:latin typeface="+mn-lt"/>
           <a:ea typeface="+mn-ea"/>
           <a:cs typeface="+mn-cs"/>
         </a:defRPr>
       </a:lvl3pPr>
-      <a:lvl4pPr marL="1600200" indent="-228600" algn="l" defTabSz="914400" rtl="0" eaLnBrk="1" latinLnBrk="0" hangingPunct="1">
+      <a:lvl4pPr marL="1600200" indent="-228600" algn="l" defTabSz="914400" rtl="0" eaLnBrk="1" fontAlgn="auto" latinLnBrk="0" hangingPunct="1">
         <a:lnSpc>
-          <a:spcPct val="90000"/>
+          <a:spcPct val="120000"/>
         </a:lnSpc>
         <a:spcBef>
-          <a:spcPts val="500"/>
+          <a:spcPts val="0"/>
         </a:spcBef>
-        <a:buFont typeface="Arial" panose="020B0604020202020204" pitchFamily="34" charset="0"/>
-        <a:buChar char="•"/>
-        <a:defRPr sz="1800" kern="1200">
+        <a:spcAft>
+          <a:spcPts val="300"/>
+        </a:spcAft>
+        <a:buFont typeface="Wingdings" panose="05000000000000000000" charset="0"/>
+        <a:buChar char=""/>
+        <a:defRPr sz="1400" u="none" strike="noStrike" kern="1200" cap="none" spc="150" normalizeH="0" baseline="0">
           <a:solidFill>
-            <a:schemeClr val="tx1"/>
+            <a:schemeClr val="tx1">
+              <a:lumMod val="65000"/>
+              <a:lumOff val="35000"/>
+            </a:schemeClr>
           </a:solidFill>
+          <a:uFillTx/>
           <a:latin typeface="+mn-lt"/>
           <a:ea typeface="+mn-ea"/>
           <a:cs typeface="+mn-cs"/>
         </a:defRPr>
       </a:lvl4pPr>
-      <a:lvl5pPr marL="2057400" indent="-228600" algn="l" defTabSz="914400" rtl="0" eaLnBrk="1" latinLnBrk="0" hangingPunct="1">
+      <a:lvl5pPr marL="2057400" indent="-228600" algn="l" defTabSz="914400" rtl="0" eaLnBrk="1" fontAlgn="auto" latinLnBrk="0" hangingPunct="1">
         <a:lnSpc>
-          <a:spcPct val="90000"/>
+          <a:spcPct val="120000"/>
         </a:lnSpc>
         <a:spcBef>
-          <a:spcPts val="500"/>
+          <a:spcPts val="0"/>
         </a:spcBef>
+        <a:spcAft>
+          <a:spcPts val="300"/>
+        </a:spcAft>
         <a:buFont typeface="Arial" panose="020B0604020202020204" pitchFamily="34" charset="0"/>
         <a:buChar char="•"/>
-        <a:defRPr sz="1800" kern="1200">
+        <a:defRPr sz="1400" u="none" strike="noStrike" kern="1200" cap="none" spc="150" normalizeH="0" baseline="0">
           <a:solidFill>
-            <a:schemeClr val="tx1"/>
+            <a:schemeClr val="tx1">
+              <a:lumMod val="65000"/>
+              <a:lumOff val="35000"/>
+            </a:schemeClr>
           </a:solidFill>
+          <a:uFillTx/>
           <a:latin typeface="+mn-lt"/>
           <a:ea typeface="+mn-ea"/>
           <a:cs typeface="+mn-cs"/>
@@ -3538,7 +3672,7 @@
       </p:grpSpPr>
       <p:sp>
         <p:nvSpPr>
-          <p:cNvPr id="4" name="矩形 3"/>
+          <p:cNvPr id="78" name="矩形 77"/>
           <p:cNvSpPr/>
           <p:nvPr>
             <p:custDataLst>
@@ -3548,8 +3682,8 @@
         </p:nvSpPr>
         <p:spPr>
           <a:xfrm>
-            <a:off x="700405" y="1349375"/>
-            <a:ext cx="10824210" cy="4533900"/>
+            <a:off x="6672927" y="1984895"/>
+            <a:ext cx="5094605" cy="1237615"/>
           </a:xfrm>
           <a:prstGeom prst="rect">
             <a:avLst/>
@@ -3557,16 +3691,19 @@
         </p:spPr>
         <p:txBody>
           <a:bodyPr wrap="square">
-            <a:noAutofit/>
+            <a:spAutoFit/>
           </a:bodyPr>
           <a:lstStyle/>
           <a:p>
             <a:pPr marL="285750" indent="-285750">
               <a:lnSpc>
-                <a:spcPct val="150000"/>
+                <a:spcPct val="130000"/>
               </a:lnSpc>
+              <a:spcBef>
+                <a:spcPts val="600"/>
+              </a:spcBef>
               <a:spcAft>
-                <a:spcPts val="300"/>
+                <a:spcPts val="600"/>
               </a:spcAft>
               <a:buClr>
                 <a:srgbClr val="1B3868"/>
@@ -3574,35 +3711,141 @@
               <a:buFont typeface="Wingdings" panose="05000000000000000000" charset="0"/>
               <a:buChar char="u"/>
             </a:pPr>
-            <a:endParaRPr lang="zh-CN" altLang="en-US" sz="1400" dirty="0">
-              <a:solidFill>
-                <a:schemeClr val="tx1">
-                  <a:lumMod val="85000"/>
-                  <a:lumOff val="15000"/>
-                </a:schemeClr>
-              </a:solidFill>
-              <a:uFillTx/>
-              <a:latin typeface="微软雅黑" panose="020B0503020204020204" charset="-122"/>
-              <a:ea typeface="微软雅黑" panose="020B0503020204020204" charset="-122"/>
-            </a:endParaRPr>
-          </a:p>
-        </p:txBody>
-      </p:sp>
-      <p:sp>
-        <p:nvSpPr>
-          <p:cNvPr id="5" name="TextBox 4"/>
-          <p:cNvSpPr txBox="1"/>
-          <p:nvPr/>
+            <a:r>
+              <a:rPr lang="zh-CN" altLang="en-US" sz="1400" dirty="0">
+                <a:solidFill>
+                  <a:schemeClr val="accent1">
+                    <a:lumMod val="50000"/>
+                  </a:schemeClr>
+                </a:solidFill>
+                <a:uFillTx/>
+                <a:latin typeface="微软雅黑" panose="020B0503020204020204" charset="-122"/>
+                <a:ea typeface="微软雅黑" panose="020B0503020204020204" charset="-122"/>
+              </a:rPr>
+              <a:t>句子</a:t>
+            </a:r>
+            <a:r>
+              <a:rPr lang="en-US" altLang="zh-CN" sz="1400" dirty="0">
+                <a:solidFill>
+                  <a:schemeClr val="accent1">
+                    <a:lumMod val="50000"/>
+                  </a:schemeClr>
+                </a:solidFill>
+                <a:uFillTx/>
+                <a:latin typeface="微软雅黑" panose="020B0503020204020204" charset="-122"/>
+                <a:ea typeface="微软雅黑" panose="020B0503020204020204" charset="-122"/>
+              </a:rPr>
+              <a:t>1</a:t>
+            </a:r>
+          </a:p>
+          <a:p>
+            <a:pPr marL="285750" indent="-285750">
+              <a:lnSpc>
+                <a:spcPct val="130000"/>
+              </a:lnSpc>
+              <a:spcBef>
+                <a:spcPts val="600"/>
+              </a:spcBef>
+              <a:spcAft>
+                <a:spcPts val="600"/>
+              </a:spcAft>
+              <a:buClr>
+                <a:srgbClr val="1B3868"/>
+              </a:buClr>
+              <a:buFont typeface="Wingdings" panose="05000000000000000000" charset="0"/>
+              <a:buChar char="u"/>
+            </a:pPr>
+            <a:r>
+              <a:rPr lang="zh-CN" altLang="en-US" sz="1400" dirty="0">
+                <a:solidFill>
+                  <a:schemeClr val="accent1">
+                    <a:lumMod val="50000"/>
+                  </a:schemeClr>
+                </a:solidFill>
+                <a:uFillTx/>
+                <a:latin typeface="微软雅黑" panose="020B0503020204020204" charset="-122"/>
+                <a:ea typeface="微软雅黑" panose="020B0503020204020204" charset="-122"/>
+              </a:rPr>
+              <a:t>句子</a:t>
+            </a:r>
+            <a:r>
+              <a:rPr lang="en-US" altLang="zh-CN" sz="1400" dirty="0">
+                <a:solidFill>
+                  <a:schemeClr val="accent1">
+                    <a:lumMod val="50000"/>
+                  </a:schemeClr>
+                </a:solidFill>
+                <a:uFillTx/>
+                <a:latin typeface="微软雅黑" panose="020B0503020204020204" charset="-122"/>
+                <a:ea typeface="微软雅黑" panose="020B0503020204020204" charset="-122"/>
+              </a:rPr>
+              <a:t>2</a:t>
+            </a:r>
+          </a:p>
+          <a:p>
+            <a:pPr marL="285750" indent="-285750">
+              <a:lnSpc>
+                <a:spcPct val="130000"/>
+              </a:lnSpc>
+              <a:spcBef>
+                <a:spcPts val="600"/>
+              </a:spcBef>
+              <a:spcAft>
+                <a:spcPts val="600"/>
+              </a:spcAft>
+              <a:buClr>
+                <a:srgbClr val="1B3868"/>
+              </a:buClr>
+              <a:buFont typeface="Wingdings" panose="05000000000000000000" charset="0"/>
+              <a:buChar char="u"/>
+            </a:pPr>
+            <a:r>
+              <a:rPr lang="zh-CN" altLang="en-US" sz="1400" dirty="0">
+                <a:solidFill>
+                  <a:schemeClr val="accent1">
+                    <a:lumMod val="50000"/>
+                  </a:schemeClr>
+                </a:solidFill>
+                <a:uFillTx/>
+                <a:latin typeface="微软雅黑" panose="020B0503020204020204" charset="-122"/>
+                <a:ea typeface="微软雅黑" panose="020B0503020204020204" charset="-122"/>
+              </a:rPr>
+              <a:t>句子</a:t>
+            </a:r>
+            <a:r>
+              <a:rPr lang="en-US" altLang="zh-CN" sz="1400" dirty="0">
+                <a:solidFill>
+                  <a:schemeClr val="accent1">
+                    <a:lumMod val="50000"/>
+                  </a:schemeClr>
+                </a:solidFill>
+                <a:uFillTx/>
+                <a:latin typeface="微软雅黑" panose="020B0503020204020204" charset="-122"/>
+                <a:ea typeface="微软雅黑" panose="020B0503020204020204" charset="-122"/>
+              </a:rPr>
+              <a:t>3</a:t>
+            </a:r>
+          </a:p>
+        </p:txBody>
+      </p:sp>
+      <p:sp>
+        <p:nvSpPr>
+          <p:cNvPr id="81" name="矩形 80"/>
+          <p:cNvSpPr/>
+          <p:nvPr>
+            <p:custDataLst>
+              <p:tags r:id="rId2"/>
+            </p:custDataLst>
+          </p:nvPr>
         </p:nvSpPr>
         <p:spPr>
           <a:xfrm>
-            <a:off x="1371600" y="640080"/>
-            <a:ext cx="9144000" cy="1371600"/>
+            <a:off x="469785" y="5779453"/>
+            <a:ext cx="5094605" cy="370840"/>
           </a:xfrm>
           <a:prstGeom prst="rect">
             <a:avLst/>
           </a:prstGeom>
-          <a:noFill/>
         </p:spPr>
         <p:txBody>
           <a:bodyPr wrap="square">
@@ -3610,92 +3853,123 @@
           </a:bodyPr>
           <a:lstStyle/>
           <a:p>
-            <a:pPr>
-              <a:defRPr b="1" sz="2200">
+            <a:pPr indent="0" algn="ctr">
+              <a:lnSpc>
+                <a:spcPct val="130000"/>
+              </a:lnSpc>
+              <a:spcBef>
+                <a:spcPts val="600"/>
+              </a:spcBef>
+              <a:spcAft>
+                <a:spcPts val="600"/>
+              </a:spcAft>
+              <a:buClr>
+                <a:srgbClr val="1B3868"/>
+              </a:buClr>
+              <a:buFont typeface="Wingdings" panose="05000000000000000000" charset="0"/>
+              <a:buNone/>
+            </a:pPr>
+            <a:r>
+              <a:rPr lang="zh-CN" altLang="en-US" sz="1400" b="1" dirty="0">
                 <a:solidFill>
-                  <a:srgbClr val="000000"/>
+                  <a:schemeClr val="accent1">
+                    <a:lumMod val="50000"/>
+                  </a:schemeClr>
                 </a:solidFill>
-                <a:latin typeface="微软雅黑"/>
-              </a:defRPr>
-            </a:pPr>
-            <a:r>
-              <a:t>5. 清洗规则</a:t>
-            </a:r>
-          </a:p>
-        </p:txBody>
-      </p:sp>
-      <p:sp>
-        <p:nvSpPr>
-          <p:cNvPr id="6" name="TextBox 5"/>
-          <p:cNvSpPr txBox="1"/>
-          <p:nvPr/>
+                <a:uFillTx/>
+                <a:latin typeface="微软雅黑" panose="020B0503020204020204" charset="-122"/>
+                <a:ea typeface="微软雅黑" panose="020B0503020204020204" charset="-122"/>
+              </a:rPr>
+              <a:t>图标题</a:t>
+            </a:r>
+          </a:p>
+        </p:txBody>
+      </p:sp>
+      <p:sp>
+        <p:nvSpPr>
+          <p:cNvPr id="4" name="矩形: 圆角 3"/>
+          <p:cNvSpPr/>
+          <p:nvPr>
+            <p:custDataLst>
+              <p:tags r:id="rId3"/>
+            </p:custDataLst>
+          </p:nvPr>
         </p:nvSpPr>
         <p:spPr>
           <a:xfrm>
-            <a:off x="1371600" y="2011680"/>
-            <a:ext cx="9144000" cy="1371600"/>
+            <a:off x="608330" y="893127"/>
+            <a:ext cx="1847850" cy="408305"/>
+          </a:xfrm>
+          <a:prstGeom prst="roundRect">
+            <a:avLst/>
+          </a:prstGeom>
+          <a:solidFill>
+            <a:schemeClr val="accent1"/>
+          </a:solidFill>
+          <a:ln w="12700" cap="flat" cmpd="sng" algn="ctr">
+            <a:noFill/>
+            <a:prstDash val="solid"/>
+            <a:miter lim="800000"/>
+          </a:ln>
+          <a:effectLst/>
+        </p:spPr>
+        <p:style>
+          <a:lnRef idx="2">
+            <a:schemeClr val="accent1">
+              <a:shade val="50000"/>
+            </a:schemeClr>
+          </a:lnRef>
+          <a:fillRef idx="1">
+            <a:schemeClr val="accent1"/>
+          </a:fillRef>
+          <a:effectRef idx="0">
+            <a:schemeClr val="accent1"/>
+          </a:effectRef>
+          <a:fontRef idx="minor">
+            <a:schemeClr val="lt1"/>
+          </a:fontRef>
+        </p:style>
+        <p:txBody>
+          <a:bodyPr rot="0" spcFirstLastPara="0" vertOverflow="overflow" horzOverflow="overflow" vert="horz" wrap="square" lIns="91440" tIns="45720" rIns="91440" bIns="45720" numCol="1" spcCol="0" rtlCol="0" fromWordArt="0" anchor="ctr" anchorCtr="0" forceAA="0" compatLnSpc="1">
+            <a:noAutofit/>
+          </a:bodyPr>
+          <a:lstStyle/>
+          <a:p>
+            <a:pPr algn="ctr"/>
+            <a:r>
+              <a:rPr lang="zh-CN" altLang="en-US" b="1" spc="300">
+                <a:latin typeface="+mj-ea"/>
+                <a:ea typeface="+mj-ea"/>
+              </a:rPr>
+              <a:t>关键词</a:t>
+            </a:r>
+          </a:p>
+        </p:txBody>
+      </p:sp>
+      <p:pic>
+        <p:nvPicPr>
+          <p:cNvPr id="82" name="Picture 81" descr="12-rId24-image3.png"/>
+          <p:cNvPicPr>
+            <a:picLocks noChangeAspect="1"/>
+          </p:cNvPicPr>
+          <p:nvPr/>
+        </p:nvPicPr>
+        <p:blipFill>
+          <a:blip r:embed="rId6"/>
+          <a:stretch>
+            <a:fillRect/>
+          </a:stretch>
+        </p:blipFill>
+        <p:spPr>
+          <a:xfrm>
+            <a:off x="914400" y="1828800"/>
+            <a:ext cx="5486400" cy="4114800"/>
           </a:xfrm>
           <a:prstGeom prst="rect">
             <a:avLst/>
           </a:prstGeom>
-          <a:noFill/>
         </p:spPr>
-        <p:txBody>
-          <a:bodyPr wrap="square">
-            <a:spAutoFit/>
-          </a:bodyPr>
-          <a:lstStyle/>
-          <a:p>
-            <a:pPr>
-              <a:defRPr b="0" sz="2000">
-                <a:solidFill>
-                  <a:srgbClr val="000000"/>
-                </a:solidFill>
-                <a:latin typeface="微软雅黑"/>
-              </a:defRPr>
-            </a:pPr>
-            <a:r>
-              <a:t>- 以专辑为清洗对象。</a:t>
-            </a:r>
-          </a:p>
-        </p:txBody>
-      </p:sp>
-      <p:sp>
-        <p:nvSpPr>
-          <p:cNvPr id="7" name="TextBox 6"/>
-          <p:cNvSpPr txBox="1"/>
-          <p:nvPr/>
-        </p:nvSpPr>
-        <p:spPr>
-          <a:xfrm>
-            <a:off x="1371600" y="3383280"/>
-            <a:ext cx="9144000" cy="1371600"/>
-          </a:xfrm>
-          <a:prstGeom prst="rect">
-            <a:avLst/>
-          </a:prstGeom>
-          <a:noFill/>
-        </p:spPr>
-        <p:txBody>
-          <a:bodyPr wrap="square">
-            <a:spAutoFit/>
-          </a:bodyPr>
-          <a:lstStyle/>
-          <a:p>
-            <a:pPr>
-              <a:defRPr b="0" sz="2000">
-                <a:solidFill>
-                  <a:srgbClr val="000000"/>
-                </a:solidFill>
-                <a:latin typeface="微软雅黑"/>
-              </a:defRPr>
-            </a:pPr>
-            <a:r>
-              <a:t>- 筛选已完结、PUGC及PGC、非直播宣传、章节编号且属免费增值模式的专辑。</a:t>
-            </a:r>
-          </a:p>
-        </p:txBody>
-      </p:sp>
+      </p:pic>
     </p:spTree>
   </p:cSld>
   <p:clrMapOvr>
@@ -3718,12 +3992,1042 @@
 
 <file path=ppt/tags/tag1.xml><?xml version="1.0" encoding="utf-8"?>
 <p:tagLst xmlns:a="http://schemas.openxmlformats.org/drawingml/2006/main" xmlns:r="http://schemas.openxmlformats.org/officeDocument/2006/relationships" xmlns:p="http://schemas.openxmlformats.org/presentationml/2006/main">
+  <p:tag name="COMMONDATA" val="eyJoZGlkIjoiYjMzNDVlOTc5MDI2NjU2YTAzZGY5NTQ4OWY0NTNmYjQifQ=="/>
+</p:tagLst>
+</file>
+
+<file path=ppt/tags/tag10.xml><?xml version="1.0" encoding="utf-8"?>
+<p:tagLst xmlns:a="http://schemas.openxmlformats.org/drawingml/2006/main" xmlns:r="http://schemas.openxmlformats.org/officeDocument/2006/relationships" xmlns:p="http://schemas.openxmlformats.org/presentationml/2006/main">
+  <p:tag name="KSO_WM_UNIT_HIGHLIGHT" val="0"/>
+  <p:tag name="KSO_WM_UNIT_COMPATIBLE" val="0"/>
+  <p:tag name="KSO_WM_UNIT_DIAGRAM_ISNUMVISUAL" val="0"/>
+  <p:tag name="KSO_WM_UNIT_DIAGRAM_ISREFERUNIT" val="0"/>
+  <p:tag name="KSO_WM_UNIT_ID" val="_1**"/>
+  <p:tag name="KSO_WM_UNIT_LAYERLEVEL" val="1"/>
+  <p:tag name="KSO_WM_TAG_VERSION" val="1.0"/>
+  <p:tag name="KSO_WM_BEAUTIFY_FLAG" val="#wm#"/>
+</p:tagLst>
+</file>
+
+<file path=ppt/tags/tag11.xml><?xml version="1.0" encoding="utf-8"?>
+<p:tagLst xmlns:a="http://schemas.openxmlformats.org/drawingml/2006/main" xmlns:r="http://schemas.openxmlformats.org/officeDocument/2006/relationships" xmlns:p="http://schemas.openxmlformats.org/presentationml/2006/main">
+  <p:tag name="KSO_WM_UNIT_HIGHLIGHT" val="0"/>
+  <p:tag name="KSO_WM_UNIT_COMPATIBLE" val="0"/>
+  <p:tag name="KSO_WM_UNIT_DIAGRAM_ISNUMVISUAL" val="0"/>
+  <p:tag name="KSO_WM_UNIT_DIAGRAM_ISREFERUNIT" val="0"/>
+  <p:tag name="KSO_WM_UNIT_ID" val="_1**"/>
+  <p:tag name="KSO_WM_UNIT_LAYERLEVEL" val="1"/>
+  <p:tag name="KSO_WM_TAG_VERSION" val="1.0"/>
+  <p:tag name="KSO_WM_BEAUTIFY_FLAG" val="#wm#"/>
+</p:tagLst>
+</file>
+
+<file path=ppt/tags/tag12.xml><?xml version="1.0" encoding="utf-8"?>
+<p:tagLst xmlns:a="http://schemas.openxmlformats.org/drawingml/2006/main" xmlns:r="http://schemas.openxmlformats.org/officeDocument/2006/relationships" xmlns:p="http://schemas.openxmlformats.org/presentationml/2006/main">
+  <p:tag name="KSO_WM_UNIT_HIGHLIGHT" val="0"/>
+  <p:tag name="KSO_WM_UNIT_COMPATIBLE" val="0"/>
+  <p:tag name="KSO_WM_UNIT_DIAGRAM_ISNUMVISUAL" val="0"/>
+  <p:tag name="KSO_WM_UNIT_DIAGRAM_ISREFERUNIT" val="0"/>
+  <p:tag name="KSO_WM_UNIT_ID" val="_1**"/>
+  <p:tag name="KSO_WM_UNIT_LAYERLEVEL" val="1"/>
+  <p:tag name="KSO_WM_TAG_VERSION" val="1.0"/>
+  <p:tag name="KSO_WM_BEAUTIFY_FLAG" val="#wm#"/>
+</p:tagLst>
+</file>
+
+<file path=ppt/tags/tag13.xml><?xml version="1.0" encoding="utf-8"?>
+<p:tagLst xmlns:a="http://schemas.openxmlformats.org/drawingml/2006/main" xmlns:r="http://schemas.openxmlformats.org/officeDocument/2006/relationships" xmlns:p="http://schemas.openxmlformats.org/presentationml/2006/main">
+  <p:tag name="KSO_WM_UNIT_HIGHLIGHT" val="0"/>
+  <p:tag name="KSO_WM_UNIT_COMPATIBLE" val="0"/>
+  <p:tag name="KSO_WM_UNIT_DIAGRAM_ISNUMVISUAL" val="0"/>
+  <p:tag name="KSO_WM_UNIT_DIAGRAM_ISREFERUNIT" val="0"/>
+  <p:tag name="KSO_WM_UNIT_ID" val="_2**"/>
+  <p:tag name="KSO_WM_UNIT_LAYERLEVEL" val="1"/>
+  <p:tag name="KSO_WM_TAG_VERSION" val="1.0"/>
+  <p:tag name="KSO_WM_BEAUTIFY_FLAG" val="#wm#"/>
+</p:tagLst>
+</file>
+
+<file path=ppt/tags/tag14.xml><?xml version="1.0" encoding="utf-8"?>
+<p:tagLst xmlns:a="http://schemas.openxmlformats.org/drawingml/2006/main" xmlns:r="http://schemas.openxmlformats.org/officeDocument/2006/relationships" xmlns:p="http://schemas.openxmlformats.org/presentationml/2006/main">
+  <p:tag name="KSO_WM_UNIT_HIGHLIGHT" val="0"/>
+  <p:tag name="KSO_WM_UNIT_COMPATIBLE" val="0"/>
+  <p:tag name="KSO_WM_UNIT_DIAGRAM_ISNUMVISUAL" val="0"/>
+  <p:tag name="KSO_WM_UNIT_DIAGRAM_ISREFERUNIT" val="0"/>
+  <p:tag name="KSO_WM_UNIT_ID" val="_2**"/>
+  <p:tag name="KSO_WM_UNIT_LAYERLEVEL" val="1"/>
+  <p:tag name="KSO_WM_TAG_VERSION" val="1.0"/>
+  <p:tag name="KSO_WM_BEAUTIFY_FLAG" val="#wm#"/>
+</p:tagLst>
+</file>
+
+<file path=ppt/tags/tag15.xml><?xml version="1.0" encoding="utf-8"?>
+<p:tagLst xmlns:a="http://schemas.openxmlformats.org/drawingml/2006/main" xmlns:r="http://schemas.openxmlformats.org/officeDocument/2006/relationships" xmlns:p="http://schemas.openxmlformats.org/presentationml/2006/main">
+  <p:tag name="KSO_WM_UNIT_HIGHLIGHT" val="0"/>
+  <p:tag name="KSO_WM_UNIT_COMPATIBLE" val="0"/>
+  <p:tag name="KSO_WM_UNIT_DIAGRAM_ISNUMVISUAL" val="0"/>
+  <p:tag name="KSO_WM_UNIT_DIAGRAM_ISREFERUNIT" val="0"/>
+  <p:tag name="KSO_WM_UNIT_ID" val="_2**"/>
+  <p:tag name="KSO_WM_UNIT_LAYERLEVEL" val="1"/>
+  <p:tag name="KSO_WM_TAG_VERSION" val="1.0"/>
+  <p:tag name="KSO_WM_BEAUTIFY_FLAG" val="#wm#"/>
+</p:tagLst>
+</file>
+
+<file path=ppt/tags/tag16.xml><?xml version="1.0" encoding="utf-8"?>
+<p:tagLst xmlns:a="http://schemas.openxmlformats.org/drawingml/2006/main" xmlns:r="http://schemas.openxmlformats.org/officeDocument/2006/relationships" xmlns:p="http://schemas.openxmlformats.org/presentationml/2006/main">
+  <p:tag name="KSO_WM_UNIT_HIGHLIGHT" val="0"/>
+  <p:tag name="KSO_WM_UNIT_COMPATIBLE" val="0"/>
+  <p:tag name="KSO_WM_UNIT_DIAGRAM_ISNUMVISUAL" val="0"/>
+  <p:tag name="KSO_WM_UNIT_DIAGRAM_ISREFERUNIT" val="0"/>
+  <p:tag name="KSO_WM_UNIT_ID" val="_2**"/>
+  <p:tag name="KSO_WM_UNIT_LAYERLEVEL" val="1"/>
+  <p:tag name="KSO_WM_TAG_VERSION" val="1.0"/>
+  <p:tag name="KSO_WM_BEAUTIFY_FLAG" val="#wm#"/>
+</p:tagLst>
+</file>
+
+<file path=ppt/tags/tag17.xml><?xml version="1.0" encoding="utf-8"?>
+<p:tagLst xmlns:a="http://schemas.openxmlformats.org/drawingml/2006/main" xmlns:r="http://schemas.openxmlformats.org/officeDocument/2006/relationships" xmlns:p="http://schemas.openxmlformats.org/presentationml/2006/main">
+  <p:tag name="KSO_WM_UNIT_HIGHLIGHT" val="0"/>
+  <p:tag name="KSO_WM_UNIT_COMPATIBLE" val="0"/>
+  <p:tag name="KSO_WM_UNIT_DIAGRAM_ISNUMVISUAL" val="0"/>
+  <p:tag name="KSO_WM_UNIT_DIAGRAM_ISREFERUNIT" val="0"/>
+  <p:tag name="KSO_WM_UNIT_ID" val="_2**"/>
+  <p:tag name="KSO_WM_UNIT_LAYERLEVEL" val="1"/>
+  <p:tag name="KSO_WM_TAG_VERSION" val="1.0"/>
+  <p:tag name="KSO_WM_BEAUTIFY_FLAG" val="#wm#"/>
+</p:tagLst>
+</file>
+
+<file path=ppt/tags/tag18.xml><?xml version="1.0" encoding="utf-8"?>
+<p:tagLst xmlns:a="http://schemas.openxmlformats.org/drawingml/2006/main" xmlns:r="http://schemas.openxmlformats.org/officeDocument/2006/relationships" xmlns:p="http://schemas.openxmlformats.org/presentationml/2006/main">
+  <p:tag name="KSO_WM_UNIT_HIGHLIGHT" val="0"/>
+  <p:tag name="KSO_WM_UNIT_COMPATIBLE" val="0"/>
+  <p:tag name="KSO_WM_UNIT_DIAGRAM_ISNUMVISUAL" val="0"/>
+  <p:tag name="KSO_WM_UNIT_DIAGRAM_ISREFERUNIT" val="0"/>
+  <p:tag name="KSO_WM_UNIT_ID" val="_3**"/>
+  <p:tag name="KSO_WM_UNIT_LAYERLEVEL" val="1"/>
+  <p:tag name="KSO_WM_TAG_VERSION" val="1.0"/>
+  <p:tag name="KSO_WM_BEAUTIFY_FLAG" val="#wm#"/>
+</p:tagLst>
+</file>
+
+<file path=ppt/tags/tag19.xml><?xml version="1.0" encoding="utf-8"?>
+<p:tagLst xmlns:a="http://schemas.openxmlformats.org/drawingml/2006/main" xmlns:r="http://schemas.openxmlformats.org/officeDocument/2006/relationships" xmlns:p="http://schemas.openxmlformats.org/presentationml/2006/main">
+  <p:tag name="KSO_WM_UNIT_HIGHLIGHT" val="0"/>
+  <p:tag name="KSO_WM_UNIT_COMPATIBLE" val="0"/>
+  <p:tag name="KSO_WM_UNIT_DIAGRAM_ISNUMVISUAL" val="0"/>
+  <p:tag name="KSO_WM_UNIT_DIAGRAM_ISREFERUNIT" val="0"/>
+  <p:tag name="KSO_WM_UNIT_ID" val="_3**"/>
+  <p:tag name="KSO_WM_UNIT_LAYERLEVEL" val="1"/>
+  <p:tag name="KSO_WM_TAG_VERSION" val="1.0"/>
+  <p:tag name="KSO_WM_BEAUTIFY_FLAG" val="#wm#"/>
+</p:tagLst>
+</file>
+
+<file path=ppt/tags/tag2.xml><?xml version="1.0" encoding="utf-8"?>
+<p:tagLst xmlns:a="http://schemas.openxmlformats.org/drawingml/2006/main" xmlns:r="http://schemas.openxmlformats.org/officeDocument/2006/relationships" xmlns:p="http://schemas.openxmlformats.org/presentationml/2006/main">
+  <p:tag name="KSO_WM_TEMPLATE_THUMBS_INDEX" val="1、4、7、12、13、14、15、16、17、18、20、24、25、28、33、36、40、43、44"/>
+  <p:tag name="KSO_WM_TEMPLATE_SUBCATEGORY" val="19"/>
+  <p:tag name="KSO_WM_TAG_VERSION" val="1.0"/>
+  <p:tag name="KSO_WM_BEAUTIFY_FLAG" val="#wm#"/>
+  <p:tag name="KSO_WM_TEMPLATE_CATEGORY" val="custom"/>
+  <p:tag name="KSO_WM_TEMPLATE_INDEX" val="20205081"/>
+  <p:tag name="KSO_WM_TEMPLATE_MASTER_TYPE" val="0"/>
+  <p:tag name="KSO_WM_TEMPLATE_COLOR_TYPE" val="1"/>
+  <p:tag name="KSO_WM_UNIT_SHOW_EDIT_AREA_INDICATION" val="1"/>
+</p:tagLst>
+</file>
+
+<file path=ppt/tags/tag20.xml><?xml version="1.0" encoding="utf-8"?>
+<p:tagLst xmlns:a="http://schemas.openxmlformats.org/drawingml/2006/main" xmlns:r="http://schemas.openxmlformats.org/officeDocument/2006/relationships" xmlns:p="http://schemas.openxmlformats.org/presentationml/2006/main">
+  <p:tag name="KSO_WM_UNIT_HIGHLIGHT" val="0"/>
+  <p:tag name="KSO_WM_UNIT_COMPATIBLE" val="0"/>
+  <p:tag name="KSO_WM_UNIT_DIAGRAM_ISNUMVISUAL" val="0"/>
+  <p:tag name="KSO_WM_UNIT_DIAGRAM_ISREFERUNIT" val="0"/>
+  <p:tag name="KSO_WM_UNIT_ID" val="_3**"/>
+  <p:tag name="KSO_WM_UNIT_LAYERLEVEL" val="1"/>
+  <p:tag name="KSO_WM_TAG_VERSION" val="1.0"/>
+  <p:tag name="KSO_WM_BEAUTIFY_FLAG" val="#wm#"/>
+</p:tagLst>
+</file>
+
+<file path=ppt/tags/tag21.xml><?xml version="1.0" encoding="utf-8"?>
+<p:tagLst xmlns:a="http://schemas.openxmlformats.org/drawingml/2006/main" xmlns:r="http://schemas.openxmlformats.org/officeDocument/2006/relationships" xmlns:p="http://schemas.openxmlformats.org/presentationml/2006/main">
+  <p:tag name="KSO_WM_UNIT_HIGHLIGHT" val="0"/>
+  <p:tag name="KSO_WM_UNIT_COMPATIBLE" val="0"/>
+  <p:tag name="KSO_WM_UNIT_DIAGRAM_ISNUMVISUAL" val="0"/>
+  <p:tag name="KSO_WM_UNIT_DIAGRAM_ISREFERUNIT" val="0"/>
+  <p:tag name="KSO_WM_UNIT_ID" val="_3**"/>
+  <p:tag name="KSO_WM_UNIT_LAYERLEVEL" val="1"/>
+  <p:tag name="KSO_WM_TAG_VERSION" val="1.0"/>
+  <p:tag name="KSO_WM_BEAUTIFY_FLAG" val="#wm#"/>
+</p:tagLst>
+</file>
+
+<file path=ppt/tags/tag22.xml><?xml version="1.0" encoding="utf-8"?>
+<p:tagLst xmlns:a="http://schemas.openxmlformats.org/drawingml/2006/main" xmlns:r="http://schemas.openxmlformats.org/officeDocument/2006/relationships" xmlns:p="http://schemas.openxmlformats.org/presentationml/2006/main">
+  <p:tag name="KSO_WM_UNIT_HIGHLIGHT" val="0"/>
+  <p:tag name="KSO_WM_UNIT_COMPATIBLE" val="0"/>
+  <p:tag name="KSO_WM_UNIT_DIAGRAM_ISNUMVISUAL" val="0"/>
+  <p:tag name="KSO_WM_UNIT_DIAGRAM_ISREFERUNIT" val="0"/>
+  <p:tag name="KSO_WM_UNIT_ID" val="_3**"/>
+  <p:tag name="KSO_WM_UNIT_LAYERLEVEL" val="1"/>
+  <p:tag name="KSO_WM_TAG_VERSION" val="1.0"/>
+  <p:tag name="KSO_WM_BEAUTIFY_FLAG" val="#wm#"/>
+</p:tagLst>
+</file>
+
+<file path=ppt/tags/tag23.xml><?xml version="1.0" encoding="utf-8"?>
+<p:tagLst xmlns:a="http://schemas.openxmlformats.org/drawingml/2006/main" xmlns:r="http://schemas.openxmlformats.org/officeDocument/2006/relationships" xmlns:p="http://schemas.openxmlformats.org/presentationml/2006/main">
+  <p:tag name="KSO_WM_UNIT_HIGHLIGHT" val="0"/>
+  <p:tag name="KSO_WM_UNIT_COMPATIBLE" val="0"/>
+  <p:tag name="KSO_WM_UNIT_DIAGRAM_ISNUMVISUAL" val="0"/>
+  <p:tag name="KSO_WM_UNIT_DIAGRAM_ISREFERUNIT" val="0"/>
+  <p:tag name="KSO_WM_UNIT_ID" val="_4**"/>
+  <p:tag name="KSO_WM_UNIT_LAYERLEVEL" val="1"/>
+  <p:tag name="KSO_WM_TAG_VERSION" val="1.0"/>
+  <p:tag name="KSO_WM_BEAUTIFY_FLAG" val="#wm#"/>
+</p:tagLst>
+</file>
+
+<file path=ppt/tags/tag24.xml><?xml version="1.0" encoding="utf-8"?>
+<p:tagLst xmlns:a="http://schemas.openxmlformats.org/drawingml/2006/main" xmlns:r="http://schemas.openxmlformats.org/officeDocument/2006/relationships" xmlns:p="http://schemas.openxmlformats.org/presentationml/2006/main">
+  <p:tag name="KSO_WM_UNIT_HIGHLIGHT" val="0"/>
+  <p:tag name="KSO_WM_UNIT_COMPATIBLE" val="0"/>
+  <p:tag name="KSO_WM_UNIT_DIAGRAM_ISNUMVISUAL" val="0"/>
+  <p:tag name="KSO_WM_UNIT_DIAGRAM_ISREFERUNIT" val="0"/>
+  <p:tag name="KSO_WM_UNIT_ID" val="_4**"/>
+  <p:tag name="KSO_WM_UNIT_LAYERLEVEL" val="1"/>
+  <p:tag name="KSO_WM_TAG_VERSION" val="1.0"/>
+  <p:tag name="KSO_WM_BEAUTIFY_FLAG" val="#wm#"/>
+</p:tagLst>
+</file>
+
+<file path=ppt/tags/tag25.xml><?xml version="1.0" encoding="utf-8"?>
+<p:tagLst xmlns:a="http://schemas.openxmlformats.org/drawingml/2006/main" xmlns:r="http://schemas.openxmlformats.org/officeDocument/2006/relationships" xmlns:p="http://schemas.openxmlformats.org/presentationml/2006/main">
+  <p:tag name="KSO_WM_UNIT_HIGHLIGHT" val="0"/>
+  <p:tag name="KSO_WM_UNIT_COMPATIBLE" val="0"/>
+  <p:tag name="KSO_WM_UNIT_DIAGRAM_ISNUMVISUAL" val="0"/>
+  <p:tag name="KSO_WM_UNIT_DIAGRAM_ISREFERUNIT" val="0"/>
+  <p:tag name="KSO_WM_UNIT_ID" val="_4**"/>
+  <p:tag name="KSO_WM_UNIT_LAYERLEVEL" val="1"/>
+  <p:tag name="KSO_WM_TAG_VERSION" val="1.0"/>
+  <p:tag name="KSO_WM_BEAUTIFY_FLAG" val="#wm#"/>
+</p:tagLst>
+</file>
+
+<file path=ppt/tags/tag26.xml><?xml version="1.0" encoding="utf-8"?>
+<p:tagLst xmlns:a="http://schemas.openxmlformats.org/drawingml/2006/main" xmlns:r="http://schemas.openxmlformats.org/officeDocument/2006/relationships" xmlns:p="http://schemas.openxmlformats.org/presentationml/2006/main">
+  <p:tag name="KSO_WM_UNIT_HIGHLIGHT" val="0"/>
+  <p:tag name="KSO_WM_UNIT_COMPATIBLE" val="0"/>
+  <p:tag name="KSO_WM_UNIT_DIAGRAM_ISNUMVISUAL" val="0"/>
+  <p:tag name="KSO_WM_UNIT_DIAGRAM_ISREFERUNIT" val="0"/>
+  <p:tag name="KSO_WM_UNIT_ID" val="_4**"/>
+  <p:tag name="KSO_WM_UNIT_LAYERLEVEL" val="1"/>
+  <p:tag name="KSO_WM_TAG_VERSION" val="1.0"/>
+  <p:tag name="KSO_WM_BEAUTIFY_FLAG" val="#wm#"/>
+</p:tagLst>
+</file>
+
+<file path=ppt/tags/tag27.xml><?xml version="1.0" encoding="utf-8"?>
+<p:tagLst xmlns:a="http://schemas.openxmlformats.org/drawingml/2006/main" xmlns:r="http://schemas.openxmlformats.org/officeDocument/2006/relationships" xmlns:p="http://schemas.openxmlformats.org/presentationml/2006/main">
+  <p:tag name="KSO_WM_UNIT_HIGHLIGHT" val="0"/>
+  <p:tag name="KSO_WM_UNIT_COMPATIBLE" val="0"/>
+  <p:tag name="KSO_WM_UNIT_DIAGRAM_ISNUMVISUAL" val="0"/>
+  <p:tag name="KSO_WM_UNIT_DIAGRAM_ISREFERUNIT" val="0"/>
+  <p:tag name="KSO_WM_UNIT_ID" val="_4**"/>
+  <p:tag name="KSO_WM_UNIT_LAYERLEVEL" val="1"/>
+  <p:tag name="KSO_WM_TAG_VERSION" val="1.0"/>
+  <p:tag name="KSO_WM_BEAUTIFY_FLAG" val="#wm#"/>
+</p:tagLst>
+</file>
+
+<file path=ppt/tags/tag28.xml><?xml version="1.0" encoding="utf-8"?>
+<p:tagLst xmlns:a="http://schemas.openxmlformats.org/drawingml/2006/main" xmlns:r="http://schemas.openxmlformats.org/officeDocument/2006/relationships" xmlns:p="http://schemas.openxmlformats.org/presentationml/2006/main">
+  <p:tag name="KSO_WM_UNIT_HIGHLIGHT" val="0"/>
+  <p:tag name="KSO_WM_UNIT_COMPATIBLE" val="0"/>
+  <p:tag name="KSO_WM_UNIT_DIAGRAM_ISNUMVISUAL" val="0"/>
+  <p:tag name="KSO_WM_UNIT_DIAGRAM_ISREFERUNIT" val="0"/>
+  <p:tag name="KSO_WM_UNIT_ID" val="_4**"/>
+  <p:tag name="KSO_WM_UNIT_LAYERLEVEL" val="1"/>
+  <p:tag name="KSO_WM_TAG_VERSION" val="1.0"/>
+  <p:tag name="KSO_WM_BEAUTIFY_FLAG" val="#wm#"/>
+</p:tagLst>
+</file>
+
+<file path=ppt/tags/tag29.xml><?xml version="1.0" encoding="utf-8"?>
+<p:tagLst xmlns:a="http://schemas.openxmlformats.org/drawingml/2006/main" xmlns:r="http://schemas.openxmlformats.org/officeDocument/2006/relationships" xmlns:p="http://schemas.openxmlformats.org/presentationml/2006/main">
+  <p:tag name="KSO_WM_UNIT_HIGHLIGHT" val="0"/>
+  <p:tag name="KSO_WM_UNIT_COMPATIBLE" val="0"/>
+  <p:tag name="KSO_WM_UNIT_DIAGRAM_ISNUMVISUAL" val="0"/>
+  <p:tag name="KSO_WM_UNIT_DIAGRAM_ISREFERUNIT" val="0"/>
+  <p:tag name="KSO_WM_UNIT_ID" val="_5**"/>
+  <p:tag name="KSO_WM_UNIT_LAYERLEVEL" val="1"/>
+  <p:tag name="KSO_WM_TAG_VERSION" val="1.0"/>
+  <p:tag name="KSO_WM_BEAUTIFY_FLAG" val="#wm#"/>
+</p:tagLst>
+</file>
+
+<file path=ppt/tags/tag3.xml><?xml version="1.0" encoding="utf-8"?>
+<p:tagLst xmlns:a="http://schemas.openxmlformats.org/drawingml/2006/main" xmlns:r="http://schemas.openxmlformats.org/officeDocument/2006/relationships" xmlns:p="http://schemas.openxmlformats.org/presentationml/2006/main">
+  <p:tag name="KSO_WM_UNIT_HIGHLIGHT" val="0"/>
+  <p:tag name="KSO_WM_UNIT_COMPATIBLE" val="0"/>
+  <p:tag name="KSO_WM_UNIT_DIAGRAM_ISNUMVISUAL" val="0"/>
+  <p:tag name="KSO_WM_UNIT_DIAGRAM_ISREFERUNIT" val="0"/>
+  <p:tag name="KSO_WM_UNIT_ID" val="_0**"/>
+  <p:tag name="KSO_WM_UNIT_LAYERLEVEL" val="1"/>
+  <p:tag name="KSO_WM_TAG_VERSION" val="1.0"/>
+  <p:tag name="KSO_WM_BEAUTIFY_FLAG" val="#wm#"/>
+  <p:tag name="KSO_WM_TEMPLATE_CATEGORY" val="custom"/>
+  <p:tag name="KSO_WM_TEMPLATE_INDEX" val="20205081"/>
+</p:tagLst>
+</file>
+
+<file path=ppt/tags/tag30.xml><?xml version="1.0" encoding="utf-8"?>
+<p:tagLst xmlns:a="http://schemas.openxmlformats.org/drawingml/2006/main" xmlns:r="http://schemas.openxmlformats.org/officeDocument/2006/relationships" xmlns:p="http://schemas.openxmlformats.org/presentationml/2006/main">
+  <p:tag name="KSO_WM_UNIT_HIGHLIGHT" val="0"/>
+  <p:tag name="KSO_WM_UNIT_COMPATIBLE" val="0"/>
+  <p:tag name="KSO_WM_UNIT_DIAGRAM_ISNUMVISUAL" val="0"/>
+  <p:tag name="KSO_WM_UNIT_DIAGRAM_ISREFERUNIT" val="0"/>
+  <p:tag name="KSO_WM_UNIT_ID" val="_5**"/>
+  <p:tag name="KSO_WM_UNIT_LAYERLEVEL" val="1"/>
+  <p:tag name="KSO_WM_TAG_VERSION" val="1.0"/>
+  <p:tag name="KSO_WM_BEAUTIFY_FLAG" val="#wm#"/>
+</p:tagLst>
+</file>
+
+<file path=ppt/tags/tag31.xml><?xml version="1.0" encoding="utf-8"?>
+<p:tagLst xmlns:a="http://schemas.openxmlformats.org/drawingml/2006/main" xmlns:r="http://schemas.openxmlformats.org/officeDocument/2006/relationships" xmlns:p="http://schemas.openxmlformats.org/presentationml/2006/main">
+  <p:tag name="KSO_WM_UNIT_HIGHLIGHT" val="0"/>
+  <p:tag name="KSO_WM_UNIT_COMPATIBLE" val="0"/>
+  <p:tag name="KSO_WM_UNIT_DIAGRAM_ISNUMVISUAL" val="0"/>
+  <p:tag name="KSO_WM_UNIT_DIAGRAM_ISREFERUNIT" val="0"/>
+  <p:tag name="KSO_WM_UNIT_ID" val="_5**"/>
+  <p:tag name="KSO_WM_UNIT_LAYERLEVEL" val="1"/>
+  <p:tag name="KSO_WM_TAG_VERSION" val="1.0"/>
+  <p:tag name="KSO_WM_BEAUTIFY_FLAG" val="#wm#"/>
+</p:tagLst>
+</file>
+
+<file path=ppt/tags/tag32.xml><?xml version="1.0" encoding="utf-8"?>
+<p:tagLst xmlns:a="http://schemas.openxmlformats.org/drawingml/2006/main" xmlns:r="http://schemas.openxmlformats.org/officeDocument/2006/relationships" xmlns:p="http://schemas.openxmlformats.org/presentationml/2006/main">
+  <p:tag name="KSO_WM_UNIT_HIGHLIGHT" val="0"/>
+  <p:tag name="KSO_WM_UNIT_COMPATIBLE" val="0"/>
+  <p:tag name="KSO_WM_UNIT_DIAGRAM_ISNUMVISUAL" val="0"/>
+  <p:tag name="KSO_WM_UNIT_DIAGRAM_ISREFERUNIT" val="0"/>
+  <p:tag name="KSO_WM_UNIT_ID" val="_5**"/>
+  <p:tag name="KSO_WM_UNIT_LAYERLEVEL" val="1"/>
+  <p:tag name="KSO_WM_TAG_VERSION" val="1.0"/>
+  <p:tag name="KSO_WM_BEAUTIFY_FLAG" val="#wm#"/>
+</p:tagLst>
+</file>
+
+<file path=ppt/tags/tag33.xml><?xml version="1.0" encoding="utf-8"?>
+<p:tagLst xmlns:a="http://schemas.openxmlformats.org/drawingml/2006/main" xmlns:r="http://schemas.openxmlformats.org/officeDocument/2006/relationships" xmlns:p="http://schemas.openxmlformats.org/presentationml/2006/main">
+  <p:tag name="KSO_WM_UNIT_HIGHLIGHT" val="0"/>
+  <p:tag name="KSO_WM_UNIT_COMPATIBLE" val="0"/>
+  <p:tag name="KSO_WM_UNIT_DIAGRAM_ISNUMVISUAL" val="0"/>
+  <p:tag name="KSO_WM_UNIT_DIAGRAM_ISREFERUNIT" val="0"/>
+  <p:tag name="KSO_WM_UNIT_ID" val="_5**"/>
+  <p:tag name="KSO_WM_UNIT_LAYERLEVEL" val="1"/>
+  <p:tag name="KSO_WM_TAG_VERSION" val="1.0"/>
+  <p:tag name="KSO_WM_BEAUTIFY_FLAG" val="#wm#"/>
+</p:tagLst>
+</file>
+
+<file path=ppt/tags/tag34.xml><?xml version="1.0" encoding="utf-8"?>
+<p:tagLst xmlns:a="http://schemas.openxmlformats.org/drawingml/2006/main" xmlns:r="http://schemas.openxmlformats.org/officeDocument/2006/relationships" xmlns:p="http://schemas.openxmlformats.org/presentationml/2006/main">
+  <p:tag name="KSO_WM_UNIT_HIGHLIGHT" val="0"/>
+  <p:tag name="KSO_WM_UNIT_COMPATIBLE" val="0"/>
+  <p:tag name="KSO_WM_UNIT_DIAGRAM_ISNUMVISUAL" val="0"/>
+  <p:tag name="KSO_WM_UNIT_DIAGRAM_ISREFERUNIT" val="0"/>
+  <p:tag name="KSO_WM_UNIT_ID" val="_5**"/>
+  <p:tag name="KSO_WM_UNIT_LAYERLEVEL" val="1"/>
+  <p:tag name="KSO_WM_TAG_VERSION" val="1.0"/>
+  <p:tag name="KSO_WM_BEAUTIFY_FLAG" val="#wm#"/>
+</p:tagLst>
+</file>
+
+<file path=ppt/tags/tag35.xml><?xml version="1.0" encoding="utf-8"?>
+<p:tagLst xmlns:a="http://schemas.openxmlformats.org/drawingml/2006/main" xmlns:r="http://schemas.openxmlformats.org/officeDocument/2006/relationships" xmlns:p="http://schemas.openxmlformats.org/presentationml/2006/main">
+  <p:tag name="KSO_WM_UNIT_HIGHLIGHT" val="0"/>
+  <p:tag name="KSO_WM_UNIT_COMPATIBLE" val="0"/>
+  <p:tag name="KSO_WM_UNIT_DIAGRAM_ISNUMVISUAL" val="0"/>
+  <p:tag name="KSO_WM_UNIT_DIAGRAM_ISREFERUNIT" val="0"/>
+  <p:tag name="KSO_WM_UNIT_ID" val="_5**"/>
+  <p:tag name="KSO_WM_UNIT_LAYERLEVEL" val="1"/>
+  <p:tag name="KSO_WM_TAG_VERSION" val="1.0"/>
+  <p:tag name="KSO_WM_BEAUTIFY_FLAG" val="#wm#"/>
+</p:tagLst>
+</file>
+
+<file path=ppt/tags/tag36.xml><?xml version="1.0" encoding="utf-8"?>
+<p:tagLst xmlns:a="http://schemas.openxmlformats.org/drawingml/2006/main" xmlns:r="http://schemas.openxmlformats.org/officeDocument/2006/relationships" xmlns:p="http://schemas.openxmlformats.org/presentationml/2006/main">
+  <p:tag name="KSO_WM_UNIT_HIGHLIGHT" val="0"/>
+  <p:tag name="KSO_WM_UNIT_COMPATIBLE" val="0"/>
+  <p:tag name="KSO_WM_UNIT_DIAGRAM_ISNUMVISUAL" val="0"/>
+  <p:tag name="KSO_WM_UNIT_DIAGRAM_ISREFERUNIT" val="0"/>
+  <p:tag name="KSO_WM_UNIT_ID" val="_5**"/>
+  <p:tag name="KSO_WM_UNIT_LAYERLEVEL" val="1"/>
+  <p:tag name="KSO_WM_TAG_VERSION" val="1.0"/>
+  <p:tag name="KSO_WM_BEAUTIFY_FLAG" val="#wm#"/>
+</p:tagLst>
+</file>
+
+<file path=ppt/tags/tag37.xml><?xml version="1.0" encoding="utf-8"?>
+<p:tagLst xmlns:a="http://schemas.openxmlformats.org/drawingml/2006/main" xmlns:r="http://schemas.openxmlformats.org/officeDocument/2006/relationships" xmlns:p="http://schemas.openxmlformats.org/presentationml/2006/main">
+  <p:tag name="KSO_WM_UNIT_HIGHLIGHT" val="0"/>
+  <p:tag name="KSO_WM_UNIT_COMPATIBLE" val="0"/>
+  <p:tag name="KSO_WM_UNIT_DIAGRAM_ISNUMVISUAL" val="0"/>
+  <p:tag name="KSO_WM_UNIT_DIAGRAM_ISREFERUNIT" val="0"/>
+  <p:tag name="KSO_WM_UNIT_ID" val="_6**"/>
+  <p:tag name="KSO_WM_UNIT_LAYERLEVEL" val="1"/>
+  <p:tag name="KSO_WM_TAG_VERSION" val="1.0"/>
+  <p:tag name="KSO_WM_BEAUTIFY_FLAG" val="#wm#"/>
+</p:tagLst>
+</file>
+
+<file path=ppt/tags/tag38.xml><?xml version="1.0" encoding="utf-8"?>
+<p:tagLst xmlns:a="http://schemas.openxmlformats.org/drawingml/2006/main" xmlns:r="http://schemas.openxmlformats.org/officeDocument/2006/relationships" xmlns:p="http://schemas.openxmlformats.org/presentationml/2006/main">
+  <p:tag name="KSO_WM_UNIT_HIGHLIGHT" val="0"/>
+  <p:tag name="KSO_WM_UNIT_COMPATIBLE" val="0"/>
+  <p:tag name="KSO_WM_UNIT_DIAGRAM_ISNUMVISUAL" val="0"/>
+  <p:tag name="KSO_WM_UNIT_DIAGRAM_ISREFERUNIT" val="0"/>
+  <p:tag name="KSO_WM_UNIT_ID" val="_6**"/>
+  <p:tag name="KSO_WM_UNIT_LAYERLEVEL" val="1"/>
+  <p:tag name="KSO_WM_TAG_VERSION" val="1.0"/>
+  <p:tag name="KSO_WM_BEAUTIFY_FLAG" val="#wm#"/>
+</p:tagLst>
+</file>
+
+<file path=ppt/tags/tag39.xml><?xml version="1.0" encoding="utf-8"?>
+<p:tagLst xmlns:a="http://schemas.openxmlformats.org/drawingml/2006/main" xmlns:r="http://schemas.openxmlformats.org/officeDocument/2006/relationships" xmlns:p="http://schemas.openxmlformats.org/presentationml/2006/main">
+  <p:tag name="KSO_WM_UNIT_HIGHLIGHT" val="0"/>
+  <p:tag name="KSO_WM_UNIT_COMPATIBLE" val="0"/>
+  <p:tag name="KSO_WM_UNIT_DIAGRAM_ISNUMVISUAL" val="0"/>
+  <p:tag name="KSO_WM_UNIT_DIAGRAM_ISREFERUNIT" val="0"/>
+  <p:tag name="KSO_WM_UNIT_ID" val="_6**"/>
+  <p:tag name="KSO_WM_UNIT_LAYERLEVEL" val="1"/>
+  <p:tag name="KSO_WM_TAG_VERSION" val="1.0"/>
+  <p:tag name="KSO_WM_BEAUTIFY_FLAG" val="#wm#"/>
+</p:tagLst>
+</file>
+
+<file path=ppt/tags/tag4.xml><?xml version="1.0" encoding="utf-8"?>
+<p:tagLst xmlns:a="http://schemas.openxmlformats.org/drawingml/2006/main" xmlns:r="http://schemas.openxmlformats.org/officeDocument/2006/relationships" xmlns:p="http://schemas.openxmlformats.org/presentationml/2006/main">
+  <p:tag name="KSO_WM_UNIT_HIGHLIGHT" val="0"/>
+  <p:tag name="KSO_WM_UNIT_COMPATIBLE" val="0"/>
+  <p:tag name="KSO_WM_UNIT_DIAGRAM_ISNUMVISUAL" val="0"/>
+  <p:tag name="KSO_WM_UNIT_DIAGRAM_ISREFERUNIT" val="0"/>
+  <p:tag name="KSO_WM_UNIT_ID" val="_0**"/>
+  <p:tag name="KSO_WM_UNIT_LAYERLEVEL" val="1"/>
+  <p:tag name="KSO_WM_TAG_VERSION" val="1.0"/>
+  <p:tag name="KSO_WM_BEAUTIFY_FLAG" val="#wm#"/>
+  <p:tag name="KSO_WM_TEMPLATE_CATEGORY" val="custom"/>
+  <p:tag name="KSO_WM_TEMPLATE_INDEX" val="20205081"/>
+</p:tagLst>
+</file>
+
+<file path=ppt/tags/tag40.xml><?xml version="1.0" encoding="utf-8"?>
+<p:tagLst xmlns:a="http://schemas.openxmlformats.org/drawingml/2006/main" xmlns:r="http://schemas.openxmlformats.org/officeDocument/2006/relationships" xmlns:p="http://schemas.openxmlformats.org/presentationml/2006/main">
+  <p:tag name="KSO_WM_UNIT_HIGHLIGHT" val="0"/>
+  <p:tag name="KSO_WM_UNIT_COMPATIBLE" val="0"/>
+  <p:tag name="KSO_WM_UNIT_DIAGRAM_ISNUMVISUAL" val="0"/>
+  <p:tag name="KSO_WM_UNIT_DIAGRAM_ISREFERUNIT" val="0"/>
+  <p:tag name="KSO_WM_UNIT_ID" val="_6**"/>
+  <p:tag name="KSO_WM_UNIT_LAYERLEVEL" val="1"/>
+  <p:tag name="KSO_WM_TAG_VERSION" val="1.0"/>
+  <p:tag name="KSO_WM_BEAUTIFY_FLAG" val="#wm#"/>
+</p:tagLst>
+</file>
+
+<file path=ppt/tags/tag41.xml><?xml version="1.0" encoding="utf-8"?>
+<p:tagLst xmlns:a="http://schemas.openxmlformats.org/drawingml/2006/main" xmlns:r="http://schemas.openxmlformats.org/officeDocument/2006/relationships" xmlns:p="http://schemas.openxmlformats.org/presentationml/2006/main">
+  <p:tag name="KSO_WM_UNIT_HIGHLIGHT" val="0"/>
+  <p:tag name="KSO_WM_UNIT_COMPATIBLE" val="0"/>
+  <p:tag name="KSO_WM_UNIT_DIAGRAM_ISNUMVISUAL" val="0"/>
+  <p:tag name="KSO_WM_UNIT_DIAGRAM_ISREFERUNIT" val="0"/>
+  <p:tag name="KSO_WM_UNIT_ID" val="_7**"/>
+  <p:tag name="KSO_WM_UNIT_LAYERLEVEL" val="1"/>
+  <p:tag name="KSO_WM_TAG_VERSION" val="1.0"/>
+  <p:tag name="KSO_WM_BEAUTIFY_FLAG" val="#wm#"/>
+</p:tagLst>
+</file>
+
+<file path=ppt/tags/tag42.xml><?xml version="1.0" encoding="utf-8"?>
+<p:tagLst xmlns:a="http://schemas.openxmlformats.org/drawingml/2006/main" xmlns:r="http://schemas.openxmlformats.org/officeDocument/2006/relationships" xmlns:p="http://schemas.openxmlformats.org/presentationml/2006/main">
+  <p:tag name="KSO_WM_UNIT_HIGHLIGHT" val="0"/>
+  <p:tag name="KSO_WM_UNIT_COMPATIBLE" val="0"/>
+  <p:tag name="KSO_WM_UNIT_DIAGRAM_ISNUMVISUAL" val="0"/>
+  <p:tag name="KSO_WM_UNIT_DIAGRAM_ISREFERUNIT" val="0"/>
+  <p:tag name="KSO_WM_UNIT_ID" val="_7**"/>
+  <p:tag name="KSO_WM_UNIT_LAYERLEVEL" val="1"/>
+  <p:tag name="KSO_WM_TAG_VERSION" val="1.0"/>
+  <p:tag name="KSO_WM_BEAUTIFY_FLAG" val="#wm#"/>
+</p:tagLst>
+</file>
+
+<file path=ppt/tags/tag43.xml><?xml version="1.0" encoding="utf-8"?>
+<p:tagLst xmlns:a="http://schemas.openxmlformats.org/drawingml/2006/main" xmlns:r="http://schemas.openxmlformats.org/officeDocument/2006/relationships" xmlns:p="http://schemas.openxmlformats.org/presentationml/2006/main">
+  <p:tag name="KSO_WM_UNIT_HIGHLIGHT" val="0"/>
+  <p:tag name="KSO_WM_UNIT_COMPATIBLE" val="0"/>
+  <p:tag name="KSO_WM_UNIT_DIAGRAM_ISNUMVISUAL" val="0"/>
+  <p:tag name="KSO_WM_UNIT_DIAGRAM_ISREFERUNIT" val="0"/>
+  <p:tag name="KSO_WM_UNIT_ID" val="_7**"/>
+  <p:tag name="KSO_WM_UNIT_LAYERLEVEL" val="1"/>
+  <p:tag name="KSO_WM_TAG_VERSION" val="1.0"/>
+  <p:tag name="KSO_WM_BEAUTIFY_FLAG" val="#wm#"/>
+</p:tagLst>
+</file>
+
+<file path=ppt/tags/tag44.xml><?xml version="1.0" encoding="utf-8"?>
+<p:tagLst xmlns:a="http://schemas.openxmlformats.org/drawingml/2006/main" xmlns:r="http://schemas.openxmlformats.org/officeDocument/2006/relationships" xmlns:p="http://schemas.openxmlformats.org/presentationml/2006/main">
+  <p:tag name="KSO_WM_UNIT_HIGHLIGHT" val="0"/>
+  <p:tag name="KSO_WM_UNIT_COMPATIBLE" val="0"/>
+  <p:tag name="KSO_WM_UNIT_DIAGRAM_ISNUMVISUAL" val="0"/>
+  <p:tag name="KSO_WM_UNIT_DIAGRAM_ISREFERUNIT" val="0"/>
+  <p:tag name="KSO_WM_UNIT_ID" val="_8**"/>
+  <p:tag name="KSO_WM_UNIT_LAYERLEVEL" val="1"/>
+  <p:tag name="KSO_WM_TAG_VERSION" val="1.0"/>
+  <p:tag name="KSO_WM_BEAUTIFY_FLAG" val="#wm#"/>
+</p:tagLst>
+</file>
+
+<file path=ppt/tags/tag45.xml><?xml version="1.0" encoding="utf-8"?>
+<p:tagLst xmlns:a="http://schemas.openxmlformats.org/drawingml/2006/main" xmlns:r="http://schemas.openxmlformats.org/officeDocument/2006/relationships" xmlns:p="http://schemas.openxmlformats.org/presentationml/2006/main">
+  <p:tag name="KSO_WM_UNIT_HIGHLIGHT" val="0"/>
+  <p:tag name="KSO_WM_UNIT_COMPATIBLE" val="0"/>
+  <p:tag name="KSO_WM_UNIT_DIAGRAM_ISNUMVISUAL" val="0"/>
+  <p:tag name="KSO_WM_UNIT_DIAGRAM_ISREFERUNIT" val="0"/>
+  <p:tag name="KSO_WM_UNIT_ID" val="_8**"/>
+  <p:tag name="KSO_WM_UNIT_LAYERLEVEL" val="1"/>
+  <p:tag name="KSO_WM_TAG_VERSION" val="1.0"/>
+  <p:tag name="KSO_WM_BEAUTIFY_FLAG" val="#wm#"/>
+</p:tagLst>
+</file>
+
+<file path=ppt/tags/tag46.xml><?xml version="1.0" encoding="utf-8"?>
+<p:tagLst xmlns:a="http://schemas.openxmlformats.org/drawingml/2006/main" xmlns:r="http://schemas.openxmlformats.org/officeDocument/2006/relationships" xmlns:p="http://schemas.openxmlformats.org/presentationml/2006/main">
+  <p:tag name="KSO_WM_UNIT_HIGHLIGHT" val="0"/>
+  <p:tag name="KSO_WM_UNIT_COMPATIBLE" val="0"/>
+  <p:tag name="KSO_WM_UNIT_DIAGRAM_ISNUMVISUAL" val="0"/>
+  <p:tag name="KSO_WM_UNIT_DIAGRAM_ISREFERUNIT" val="0"/>
+  <p:tag name="KSO_WM_UNIT_ID" val="_8**"/>
+  <p:tag name="KSO_WM_UNIT_LAYERLEVEL" val="1"/>
+  <p:tag name="KSO_WM_TAG_VERSION" val="1.0"/>
+  <p:tag name="KSO_WM_BEAUTIFY_FLAG" val="#wm#"/>
+</p:tagLst>
+</file>
+
+<file path=ppt/tags/tag47.xml><?xml version="1.0" encoding="utf-8"?>
+<p:tagLst xmlns:a="http://schemas.openxmlformats.org/drawingml/2006/main" xmlns:r="http://schemas.openxmlformats.org/officeDocument/2006/relationships" xmlns:p="http://schemas.openxmlformats.org/presentationml/2006/main">
+  <p:tag name="KSO_WM_UNIT_HIGHLIGHT" val="0"/>
+  <p:tag name="KSO_WM_UNIT_COMPATIBLE" val="0"/>
+  <p:tag name="KSO_WM_UNIT_DIAGRAM_ISNUMVISUAL" val="0"/>
+  <p:tag name="KSO_WM_UNIT_DIAGRAM_ISREFERUNIT" val="0"/>
+  <p:tag name="KSO_WM_UNIT_ID" val="_8**"/>
+  <p:tag name="KSO_WM_UNIT_LAYERLEVEL" val="1"/>
+  <p:tag name="KSO_WM_TAG_VERSION" val="1.0"/>
+  <p:tag name="KSO_WM_BEAUTIFY_FLAG" val="#wm#"/>
+</p:tagLst>
+</file>
+
+<file path=ppt/tags/tag48.xml><?xml version="1.0" encoding="utf-8"?>
+<p:tagLst xmlns:a="http://schemas.openxmlformats.org/drawingml/2006/main" xmlns:r="http://schemas.openxmlformats.org/officeDocument/2006/relationships" xmlns:p="http://schemas.openxmlformats.org/presentationml/2006/main">
+  <p:tag name="KSO_WM_UNIT_HIGHLIGHT" val="0"/>
+  <p:tag name="KSO_WM_UNIT_COMPATIBLE" val="0"/>
+  <p:tag name="KSO_WM_UNIT_DIAGRAM_ISNUMVISUAL" val="0"/>
+  <p:tag name="KSO_WM_UNIT_DIAGRAM_ISREFERUNIT" val="0"/>
+  <p:tag name="KSO_WM_UNIT_ID" val="_8**"/>
+  <p:tag name="KSO_WM_UNIT_LAYERLEVEL" val="1"/>
+  <p:tag name="KSO_WM_TAG_VERSION" val="1.0"/>
+  <p:tag name="KSO_WM_BEAUTIFY_FLAG" val="#wm#"/>
+</p:tagLst>
+</file>
+
+<file path=ppt/tags/tag49.xml><?xml version="1.0" encoding="utf-8"?>
+<p:tagLst xmlns:a="http://schemas.openxmlformats.org/drawingml/2006/main" xmlns:r="http://schemas.openxmlformats.org/officeDocument/2006/relationships" xmlns:p="http://schemas.openxmlformats.org/presentationml/2006/main">
+  <p:tag name="KSO_WM_UNIT_HIGHLIGHT" val="0"/>
+  <p:tag name="KSO_WM_UNIT_COMPATIBLE" val="0"/>
+  <p:tag name="KSO_WM_UNIT_DIAGRAM_ISNUMVISUAL" val="0"/>
+  <p:tag name="KSO_WM_UNIT_DIAGRAM_ISREFERUNIT" val="0"/>
+  <p:tag name="KSO_WM_UNIT_ID" val="_8**"/>
+  <p:tag name="KSO_WM_UNIT_LAYERLEVEL" val="1"/>
+  <p:tag name="KSO_WM_TAG_VERSION" val="1.0"/>
+  <p:tag name="KSO_WM_BEAUTIFY_FLAG" val="#wm#"/>
+</p:tagLst>
+</file>
+
+<file path=ppt/tags/tag5.xml><?xml version="1.0" encoding="utf-8"?>
+<p:tagLst xmlns:a="http://schemas.openxmlformats.org/drawingml/2006/main" xmlns:r="http://schemas.openxmlformats.org/officeDocument/2006/relationships" xmlns:p="http://schemas.openxmlformats.org/presentationml/2006/main">
+  <p:tag name="KSO_WM_UNIT_HIGHLIGHT" val="0"/>
+  <p:tag name="KSO_WM_UNIT_COMPATIBLE" val="0"/>
+  <p:tag name="KSO_WM_UNIT_DIAGRAM_ISNUMVISUAL" val="0"/>
+  <p:tag name="KSO_WM_UNIT_DIAGRAM_ISREFERUNIT" val="0"/>
+  <p:tag name="KSO_WM_UNIT_ID" val="_0**"/>
+  <p:tag name="KSO_WM_UNIT_LAYERLEVEL" val="1"/>
+  <p:tag name="KSO_WM_TAG_VERSION" val="1.0"/>
+  <p:tag name="KSO_WM_BEAUTIFY_FLAG" val="#wm#"/>
+</p:tagLst>
+</file>
+
+<file path=ppt/tags/tag50.xml><?xml version="1.0" encoding="utf-8"?>
+<p:tagLst xmlns:a="http://schemas.openxmlformats.org/drawingml/2006/main" xmlns:r="http://schemas.openxmlformats.org/officeDocument/2006/relationships" xmlns:p="http://schemas.openxmlformats.org/presentationml/2006/main">
+  <p:tag name="KSO_WM_UNIT_HIGHLIGHT" val="0"/>
+  <p:tag name="KSO_WM_UNIT_COMPATIBLE" val="0"/>
+  <p:tag name="KSO_WM_UNIT_DIAGRAM_ISNUMVISUAL" val="0"/>
+  <p:tag name="KSO_WM_UNIT_DIAGRAM_ISREFERUNIT" val="0"/>
+  <p:tag name="KSO_WM_UNIT_ID" val="_9**"/>
+  <p:tag name="KSO_WM_UNIT_LAYERLEVEL" val="1"/>
+  <p:tag name="KSO_WM_TAG_VERSION" val="1.0"/>
+  <p:tag name="KSO_WM_BEAUTIFY_FLAG" val="#wm#"/>
+</p:tagLst>
+</file>
+
+<file path=ppt/tags/tag51.xml><?xml version="1.0" encoding="utf-8"?>
+<p:tagLst xmlns:a="http://schemas.openxmlformats.org/drawingml/2006/main" xmlns:r="http://schemas.openxmlformats.org/officeDocument/2006/relationships" xmlns:p="http://schemas.openxmlformats.org/presentationml/2006/main">
+  <p:tag name="KSO_WM_UNIT_HIGHLIGHT" val="0"/>
+  <p:tag name="KSO_WM_UNIT_COMPATIBLE" val="0"/>
+  <p:tag name="KSO_WM_UNIT_DIAGRAM_ISNUMVISUAL" val="0"/>
+  <p:tag name="KSO_WM_UNIT_DIAGRAM_ISREFERUNIT" val="0"/>
+  <p:tag name="KSO_WM_UNIT_ID" val="_9**"/>
+  <p:tag name="KSO_WM_UNIT_LAYERLEVEL" val="1"/>
+  <p:tag name="KSO_WM_TAG_VERSION" val="1.0"/>
+  <p:tag name="KSO_WM_BEAUTIFY_FLAG" val="#wm#"/>
+</p:tagLst>
+</file>
+
+<file path=ppt/tags/tag52.xml><?xml version="1.0" encoding="utf-8"?>
+<p:tagLst xmlns:a="http://schemas.openxmlformats.org/drawingml/2006/main" xmlns:r="http://schemas.openxmlformats.org/officeDocument/2006/relationships" xmlns:p="http://schemas.openxmlformats.org/presentationml/2006/main">
+  <p:tag name="KSO_WM_UNIT_HIGHLIGHT" val="0"/>
+  <p:tag name="KSO_WM_UNIT_COMPATIBLE" val="0"/>
+  <p:tag name="KSO_WM_UNIT_DIAGRAM_ISNUMVISUAL" val="0"/>
+  <p:tag name="KSO_WM_UNIT_DIAGRAM_ISREFERUNIT" val="0"/>
+  <p:tag name="KSO_WM_UNIT_ID" val="_9**"/>
+  <p:tag name="KSO_WM_UNIT_LAYERLEVEL" val="1"/>
+  <p:tag name="KSO_WM_TAG_VERSION" val="1.0"/>
+  <p:tag name="KSO_WM_BEAUTIFY_FLAG" val="#wm#"/>
+</p:tagLst>
+</file>
+
+<file path=ppt/tags/tag53.xml><?xml version="1.0" encoding="utf-8"?>
+<p:tagLst xmlns:a="http://schemas.openxmlformats.org/drawingml/2006/main" xmlns:r="http://schemas.openxmlformats.org/officeDocument/2006/relationships" xmlns:p="http://schemas.openxmlformats.org/presentationml/2006/main">
+  <p:tag name="KSO_WM_UNIT_HIGHLIGHT" val="0"/>
+  <p:tag name="KSO_WM_UNIT_COMPATIBLE" val="0"/>
+  <p:tag name="KSO_WM_UNIT_DIAGRAM_ISNUMVISUAL" val="0"/>
+  <p:tag name="KSO_WM_UNIT_DIAGRAM_ISREFERUNIT" val="0"/>
+  <p:tag name="KSO_WM_UNIT_ID" val="_9**"/>
+  <p:tag name="KSO_WM_UNIT_LAYERLEVEL" val="1"/>
+  <p:tag name="KSO_WM_TAG_VERSION" val="1.0"/>
+  <p:tag name="KSO_WM_BEAUTIFY_FLAG" val="#wm#"/>
+</p:tagLst>
+</file>
+
+<file path=ppt/tags/tag54.xml><?xml version="1.0" encoding="utf-8"?>
+<p:tagLst xmlns:a="http://schemas.openxmlformats.org/drawingml/2006/main" xmlns:r="http://schemas.openxmlformats.org/officeDocument/2006/relationships" xmlns:p="http://schemas.openxmlformats.org/presentationml/2006/main">
+  <p:tag name="KSO_WM_UNIT_HIGHLIGHT" val="0"/>
+  <p:tag name="KSO_WM_UNIT_COMPATIBLE" val="0"/>
+  <p:tag name="KSO_WM_UNIT_DIAGRAM_ISNUMVISUAL" val="0"/>
+  <p:tag name="KSO_WM_UNIT_DIAGRAM_ISREFERUNIT" val="0"/>
+  <p:tag name="KSO_WM_UNIT_ID" val="_9**"/>
+  <p:tag name="KSO_WM_UNIT_LAYERLEVEL" val="1"/>
+  <p:tag name="KSO_WM_TAG_VERSION" val="1.0"/>
+  <p:tag name="KSO_WM_BEAUTIFY_FLAG" val="#wm#"/>
+</p:tagLst>
+</file>
+
+<file path=ppt/tags/tag55.xml><?xml version="1.0" encoding="utf-8"?>
+<p:tagLst xmlns:a="http://schemas.openxmlformats.org/drawingml/2006/main" xmlns:r="http://schemas.openxmlformats.org/officeDocument/2006/relationships" xmlns:p="http://schemas.openxmlformats.org/presentationml/2006/main">
+  <p:tag name="KSO_WM_UNIT_HIGHLIGHT" val="0"/>
+  <p:tag name="KSO_WM_UNIT_COMPATIBLE" val="0"/>
+  <p:tag name="KSO_WM_UNIT_DIAGRAM_ISNUMVISUAL" val="0"/>
+  <p:tag name="KSO_WM_UNIT_DIAGRAM_ISREFERUNIT" val="0"/>
+  <p:tag name="KSO_WM_UNIT_ID" val="_10**"/>
+  <p:tag name="KSO_WM_UNIT_LAYERLEVEL" val="1"/>
+  <p:tag name="KSO_WM_TAG_VERSION" val="1.0"/>
+  <p:tag name="KSO_WM_BEAUTIFY_FLAG" val="#wm#"/>
+</p:tagLst>
+</file>
+
+<file path=ppt/tags/tag56.xml><?xml version="1.0" encoding="utf-8"?>
+<p:tagLst xmlns:a="http://schemas.openxmlformats.org/drawingml/2006/main" xmlns:r="http://schemas.openxmlformats.org/officeDocument/2006/relationships" xmlns:p="http://schemas.openxmlformats.org/presentationml/2006/main">
+  <p:tag name="KSO_WM_UNIT_HIGHLIGHT" val="0"/>
+  <p:tag name="KSO_WM_UNIT_COMPATIBLE" val="0"/>
+  <p:tag name="KSO_WM_UNIT_DIAGRAM_ISNUMVISUAL" val="0"/>
+  <p:tag name="KSO_WM_UNIT_DIAGRAM_ISREFERUNIT" val="0"/>
+  <p:tag name="KSO_WM_UNIT_ID" val="_10**"/>
+  <p:tag name="KSO_WM_UNIT_LAYERLEVEL" val="1"/>
+  <p:tag name="KSO_WM_TAG_VERSION" val="1.0"/>
+  <p:tag name="KSO_WM_BEAUTIFY_FLAG" val="#wm#"/>
+</p:tagLst>
+</file>
+
+<file path=ppt/tags/tag57.xml><?xml version="1.0" encoding="utf-8"?>
+<p:tagLst xmlns:a="http://schemas.openxmlformats.org/drawingml/2006/main" xmlns:r="http://schemas.openxmlformats.org/officeDocument/2006/relationships" xmlns:p="http://schemas.openxmlformats.org/presentationml/2006/main">
+  <p:tag name="KSO_WM_UNIT_HIGHLIGHT" val="0"/>
+  <p:tag name="KSO_WM_UNIT_COMPATIBLE" val="0"/>
+  <p:tag name="KSO_WM_UNIT_DIAGRAM_ISNUMVISUAL" val="0"/>
+  <p:tag name="KSO_WM_UNIT_DIAGRAM_ISREFERUNIT" val="0"/>
+  <p:tag name="KSO_WM_UNIT_ID" val="_10**"/>
+  <p:tag name="KSO_WM_UNIT_LAYERLEVEL" val="1"/>
+  <p:tag name="KSO_WM_TAG_VERSION" val="1.0"/>
+  <p:tag name="KSO_WM_BEAUTIFY_FLAG" val="#wm#"/>
+</p:tagLst>
+</file>
+
+<file path=ppt/tags/tag58.xml><?xml version="1.0" encoding="utf-8"?>
+<p:tagLst xmlns:a="http://schemas.openxmlformats.org/drawingml/2006/main" xmlns:r="http://schemas.openxmlformats.org/officeDocument/2006/relationships" xmlns:p="http://schemas.openxmlformats.org/presentationml/2006/main">
+  <p:tag name="KSO_WM_UNIT_HIGHLIGHT" val="0"/>
+  <p:tag name="KSO_WM_UNIT_COMPATIBLE" val="0"/>
+  <p:tag name="KSO_WM_UNIT_DIAGRAM_ISNUMVISUAL" val="0"/>
+  <p:tag name="KSO_WM_UNIT_DIAGRAM_ISREFERUNIT" val="0"/>
+  <p:tag name="KSO_WM_UNIT_ID" val="_10**"/>
+  <p:tag name="KSO_WM_UNIT_LAYERLEVEL" val="1"/>
+  <p:tag name="KSO_WM_TAG_VERSION" val="1.0"/>
+  <p:tag name="KSO_WM_BEAUTIFY_FLAG" val="#wm#"/>
+</p:tagLst>
+</file>
+
+<file path=ppt/tags/tag59.xml><?xml version="1.0" encoding="utf-8"?>
+<p:tagLst xmlns:a="http://schemas.openxmlformats.org/drawingml/2006/main" xmlns:r="http://schemas.openxmlformats.org/officeDocument/2006/relationships" xmlns:p="http://schemas.openxmlformats.org/presentationml/2006/main">
+  <p:tag name="KSO_WM_UNIT_HIGHLIGHT" val="0"/>
+  <p:tag name="KSO_WM_UNIT_COMPATIBLE" val="0"/>
+  <p:tag name="KSO_WM_UNIT_DIAGRAM_ISNUMVISUAL" val="0"/>
+  <p:tag name="KSO_WM_UNIT_DIAGRAM_ISREFERUNIT" val="0"/>
+  <p:tag name="KSO_WM_UNIT_ID" val="_11**"/>
+  <p:tag name="KSO_WM_UNIT_LAYERLEVEL" val="1"/>
+  <p:tag name="KSO_WM_TAG_VERSION" val="1.0"/>
+  <p:tag name="KSO_WM_BEAUTIFY_FLAG" val="#wm#"/>
+</p:tagLst>
+</file>
+
+<file path=ppt/tags/tag6.xml><?xml version="1.0" encoding="utf-8"?>
+<p:tagLst xmlns:a="http://schemas.openxmlformats.org/drawingml/2006/main" xmlns:r="http://schemas.openxmlformats.org/officeDocument/2006/relationships" xmlns:p="http://schemas.openxmlformats.org/presentationml/2006/main">
+  <p:tag name="KSO_WM_UNIT_HIGHLIGHT" val="0"/>
+  <p:tag name="KSO_WM_UNIT_COMPATIBLE" val="0"/>
+  <p:tag name="KSO_WM_UNIT_DIAGRAM_ISNUMVISUAL" val="0"/>
+  <p:tag name="KSO_WM_UNIT_DIAGRAM_ISREFERUNIT" val="0"/>
+  <p:tag name="KSO_WM_UNIT_ID" val="_0**"/>
+  <p:tag name="KSO_WM_UNIT_LAYERLEVEL" val="1"/>
+  <p:tag name="KSO_WM_TAG_VERSION" val="1.0"/>
+  <p:tag name="KSO_WM_BEAUTIFY_FLAG" val="#wm#"/>
+</p:tagLst>
+</file>
+
+<file path=ppt/tags/tag60.xml><?xml version="1.0" encoding="utf-8"?>
+<p:tagLst xmlns:a="http://schemas.openxmlformats.org/drawingml/2006/main" xmlns:r="http://schemas.openxmlformats.org/officeDocument/2006/relationships" xmlns:p="http://schemas.openxmlformats.org/presentationml/2006/main">
+  <p:tag name="KSO_WM_UNIT_HIGHLIGHT" val="0"/>
+  <p:tag name="KSO_WM_UNIT_COMPATIBLE" val="0"/>
+  <p:tag name="KSO_WM_UNIT_DIAGRAM_ISNUMVISUAL" val="0"/>
+  <p:tag name="KSO_WM_UNIT_DIAGRAM_ISREFERUNIT" val="0"/>
+  <p:tag name="KSO_WM_UNIT_ID" val="_11**"/>
+  <p:tag name="KSO_WM_UNIT_LAYERLEVEL" val="1"/>
+  <p:tag name="KSO_WM_TAG_VERSION" val="1.0"/>
+  <p:tag name="KSO_WM_BEAUTIFY_FLAG" val="#wm#"/>
+</p:tagLst>
+</file>
+
+<file path=ppt/tags/tag61.xml><?xml version="1.0" encoding="utf-8"?>
+<p:tagLst xmlns:a="http://schemas.openxmlformats.org/drawingml/2006/main" xmlns:r="http://schemas.openxmlformats.org/officeDocument/2006/relationships" xmlns:p="http://schemas.openxmlformats.org/presentationml/2006/main">
+  <p:tag name="KSO_WM_UNIT_HIGHLIGHT" val="0"/>
+  <p:tag name="KSO_WM_UNIT_COMPATIBLE" val="0"/>
+  <p:tag name="KSO_WM_UNIT_DIAGRAM_ISNUMVISUAL" val="0"/>
+  <p:tag name="KSO_WM_UNIT_DIAGRAM_ISREFERUNIT" val="0"/>
+  <p:tag name="KSO_WM_UNIT_ID" val="_11**"/>
+  <p:tag name="KSO_WM_UNIT_LAYERLEVEL" val="1"/>
+  <p:tag name="KSO_WM_TAG_VERSION" val="1.0"/>
+  <p:tag name="KSO_WM_BEAUTIFY_FLAG" val="#wm#"/>
+</p:tagLst>
+</file>
+
+<file path=ppt/tags/tag62.xml><?xml version="1.0" encoding="utf-8"?>
+<p:tagLst xmlns:a="http://schemas.openxmlformats.org/drawingml/2006/main" xmlns:r="http://schemas.openxmlformats.org/officeDocument/2006/relationships" xmlns:p="http://schemas.openxmlformats.org/presentationml/2006/main">
+  <p:tag name="KSO_WM_UNIT_HIGHLIGHT" val="0"/>
+  <p:tag name="KSO_WM_UNIT_COMPATIBLE" val="0"/>
+  <p:tag name="KSO_WM_UNIT_DIAGRAM_ISNUMVISUAL" val="0"/>
+  <p:tag name="KSO_WM_UNIT_DIAGRAM_ISREFERUNIT" val="0"/>
+  <p:tag name="KSO_WM_UNIT_ID" val="_11**"/>
+  <p:tag name="KSO_WM_UNIT_LAYERLEVEL" val="1"/>
+  <p:tag name="KSO_WM_TAG_VERSION" val="1.0"/>
+  <p:tag name="KSO_WM_BEAUTIFY_FLAG" val="#wm#"/>
+</p:tagLst>
+</file>
+
+<file path=ppt/tags/tag63.xml><?xml version="1.0" encoding="utf-8"?>
+<p:tagLst xmlns:a="http://schemas.openxmlformats.org/drawingml/2006/main" xmlns:r="http://schemas.openxmlformats.org/officeDocument/2006/relationships" xmlns:p="http://schemas.openxmlformats.org/presentationml/2006/main">
+  <p:tag name="KSO_WM_UNIT_HIGHLIGHT" val="0"/>
+  <p:tag name="KSO_WM_UNIT_COMPATIBLE" val="0"/>
+  <p:tag name="KSO_WM_UNIT_DIAGRAM_ISNUMVISUAL" val="0"/>
+  <p:tag name="KSO_WM_UNIT_DIAGRAM_ISREFERUNIT" val="0"/>
+  <p:tag name="KSO_WM_UNIT_ID" val="_11**"/>
+  <p:tag name="KSO_WM_UNIT_LAYERLEVEL" val="1"/>
+  <p:tag name="KSO_WM_TAG_VERSION" val="1.0"/>
+  <p:tag name="KSO_WM_BEAUTIFY_FLAG" val="#wm#"/>
+</p:tagLst>
+</file>
+
+<file path=ppt/tags/tag64.xml><?xml version="1.0" encoding="utf-8"?>
+<p:tagLst xmlns:a="http://schemas.openxmlformats.org/drawingml/2006/main" xmlns:r="http://schemas.openxmlformats.org/officeDocument/2006/relationships" xmlns:p="http://schemas.openxmlformats.org/presentationml/2006/main">
   <p:tag name="KSO_WM_BEAUTIFY_FLAG" val=""/>
+</p:tagLst>
+</file>
+
+<file path=ppt/tags/tag65.xml><?xml version="1.0" encoding="utf-8"?>
+<p:tagLst xmlns:a="http://schemas.openxmlformats.org/drawingml/2006/main" xmlns:r="http://schemas.openxmlformats.org/officeDocument/2006/relationships" xmlns:p="http://schemas.openxmlformats.org/presentationml/2006/main">
+  <p:tag name="KSO_WM_BEAUTIFY_FLAG" val=""/>
+</p:tagLst>
+</file>
+
+<file path=ppt/tags/tag66.xml><?xml version="1.0" encoding="utf-8"?>
+<p:tagLst xmlns:a="http://schemas.openxmlformats.org/drawingml/2006/main" xmlns:r="http://schemas.openxmlformats.org/officeDocument/2006/relationships" xmlns:p="http://schemas.openxmlformats.org/presentationml/2006/main">
+  <p:tag name="KSO_WM_BEAUTIFY_FLAG" val=""/>
+</p:tagLst>
+</file>
+
+<file path=ppt/tags/tag7.xml><?xml version="1.0" encoding="utf-8"?>
+<p:tagLst xmlns:a="http://schemas.openxmlformats.org/drawingml/2006/main" xmlns:r="http://schemas.openxmlformats.org/officeDocument/2006/relationships" xmlns:p="http://schemas.openxmlformats.org/presentationml/2006/main">
+  <p:tag name="KSO_WM_UNIT_HIGHLIGHT" val="0"/>
+  <p:tag name="KSO_WM_UNIT_COMPATIBLE" val="0"/>
+  <p:tag name="KSO_WM_UNIT_DIAGRAM_ISNUMVISUAL" val="0"/>
+  <p:tag name="KSO_WM_UNIT_DIAGRAM_ISREFERUNIT" val="0"/>
+  <p:tag name="KSO_WM_UNIT_ID" val="_0**"/>
+  <p:tag name="KSO_WM_UNIT_LAYERLEVEL" val="1"/>
+  <p:tag name="KSO_WM_TAG_VERSION" val="1.0"/>
+  <p:tag name="KSO_WM_BEAUTIFY_FLAG" val="#wm#"/>
+</p:tagLst>
+</file>
+
+<file path=ppt/tags/tag8.xml><?xml version="1.0" encoding="utf-8"?>
+<p:tagLst xmlns:a="http://schemas.openxmlformats.org/drawingml/2006/main" xmlns:r="http://schemas.openxmlformats.org/officeDocument/2006/relationships" xmlns:p="http://schemas.openxmlformats.org/presentationml/2006/main">
+  <p:tag name="KSO_WM_UNIT_HIGHLIGHT" val="0"/>
+  <p:tag name="KSO_WM_UNIT_COMPATIBLE" val="0"/>
+  <p:tag name="KSO_WM_UNIT_DIAGRAM_ISNUMVISUAL" val="0"/>
+  <p:tag name="KSO_WM_UNIT_DIAGRAM_ISREFERUNIT" val="0"/>
+  <p:tag name="KSO_WM_UNIT_ID" val="_1**"/>
+  <p:tag name="KSO_WM_UNIT_LAYERLEVEL" val="1"/>
+  <p:tag name="KSO_WM_TAG_VERSION" val="1.0"/>
+  <p:tag name="KSO_WM_BEAUTIFY_FLAG" val="#wm#"/>
+</p:tagLst>
+</file>
+
+<file path=ppt/tags/tag9.xml><?xml version="1.0" encoding="utf-8"?>
+<p:tagLst xmlns:a="http://schemas.openxmlformats.org/drawingml/2006/main" xmlns:r="http://schemas.openxmlformats.org/officeDocument/2006/relationships" xmlns:p="http://schemas.openxmlformats.org/presentationml/2006/main">
+  <p:tag name="KSO_WM_UNIT_HIGHLIGHT" val="0"/>
+  <p:tag name="KSO_WM_UNIT_COMPATIBLE" val="0"/>
+  <p:tag name="KSO_WM_UNIT_DIAGRAM_ISNUMVISUAL" val="0"/>
+  <p:tag name="KSO_WM_UNIT_DIAGRAM_ISREFERUNIT" val="0"/>
+  <p:tag name="KSO_WM_UNIT_ID" val="_1**"/>
+  <p:tag name="KSO_WM_UNIT_LAYERLEVEL" val="1"/>
+  <p:tag name="KSO_WM_TAG_VERSION" val="1.0"/>
+  <p:tag name="KSO_WM_BEAUTIFY_FLAG" val="#wm#"/>
 </p:tagLst>
 </file>
 
 <file path=ppt/theme/theme1.xml><?xml version="1.0" encoding="utf-8"?>
 <a:theme xmlns:a="http://schemas.openxmlformats.org/drawingml/2006/main" name="Office 主题​​">
+  <a:themeElements>
+    <a:clrScheme name="新版空白演示配色">
+      <a:dk1>
+        <a:sysClr val="windowText" lastClr="000000"/>
+      </a:dk1>
+      <a:lt1>
+        <a:sysClr val="window" lastClr="FFFFFF"/>
+      </a:lt1>
+      <a:dk2>
+        <a:srgbClr val="0F1423"/>
+      </a:dk2>
+      <a:lt2>
+        <a:srgbClr val="FFFFFF"/>
+      </a:lt2>
+      <a:accent1>
+        <a:srgbClr val="6096E6"/>
+      </a:accent1>
+      <a:accent2>
+        <a:srgbClr val="58B6E5"/>
+      </a:accent2>
+      <a:accent3>
+        <a:srgbClr val="56CA95"/>
+      </a:accent3>
+      <a:accent4>
+        <a:srgbClr val="FFBA55"/>
+      </a:accent4>
+      <a:accent5>
+        <a:srgbClr val="F18870"/>
+      </a:accent5>
+      <a:accent6>
+        <a:srgbClr val="EC5F74"/>
+      </a:accent6>
+      <a:hlink>
+        <a:srgbClr val="0563C1"/>
+      </a:hlink>
+      <a:folHlink>
+        <a:srgbClr val="954D72"/>
+      </a:folHlink>
+    </a:clrScheme>
+    <a:fontScheme name="自定义 9">
+      <a:majorFont>
+        <a:latin typeface="Arial"/>
+        <a:ea typeface="微软雅黑"/>
+        <a:cs typeface=""/>
+      </a:majorFont>
+      <a:minorFont>
+        <a:latin typeface="Arial"/>
+        <a:ea typeface="微软雅黑"/>
+        <a:cs typeface=""/>
+      </a:minorFont>
+    </a:fontScheme>
+    <a:fmtScheme name="Office">
+      <a:fillStyleLst>
+        <a:solidFill>
+          <a:schemeClr val="phClr"/>
+        </a:solidFill>
+        <a:gradFill rotWithShape="1">
+          <a:gsLst>
+            <a:gs pos="0">
+              <a:schemeClr val="phClr">
+                <a:lumMod val="110000"/>
+                <a:satMod val="105000"/>
+                <a:tint val="67000"/>
+              </a:schemeClr>
+            </a:gs>
+            <a:gs pos="50000">
+              <a:schemeClr val="phClr">
+                <a:lumMod val="105000"/>
+                <a:satMod val="103000"/>
+                <a:tint val="73000"/>
+              </a:schemeClr>
+            </a:gs>
+            <a:gs pos="100000">
+              <a:schemeClr val="phClr">
+                <a:lumMod val="105000"/>
+                <a:satMod val="109000"/>
+                <a:tint val="81000"/>
+              </a:schemeClr>
+            </a:gs>
+          </a:gsLst>
+          <a:lin ang="5400000" scaled="0"/>
+        </a:gradFill>
+        <a:gradFill rotWithShape="1">
+          <a:gsLst>
+            <a:gs pos="0">
+              <a:schemeClr val="phClr">
+                <a:satMod val="103000"/>
+                <a:lumMod val="102000"/>
+                <a:tint val="94000"/>
+              </a:schemeClr>
+            </a:gs>
+            <a:gs pos="50000">
+              <a:schemeClr val="phClr">
+                <a:satMod val="110000"/>
+                <a:lumMod val="100000"/>
+                <a:shade val="100000"/>
+              </a:schemeClr>
+            </a:gs>
+            <a:gs pos="100000">
+              <a:schemeClr val="phClr">
+                <a:lumMod val="99000"/>
+                <a:satMod val="120000"/>
+                <a:shade val="78000"/>
+              </a:schemeClr>
+            </a:gs>
+          </a:gsLst>
+          <a:lin ang="5400000" scaled="0"/>
+        </a:gradFill>
+      </a:fillStyleLst>
+      <a:lnStyleLst>
+        <a:ln w="6350" cap="flat" cmpd="sng" algn="ctr">
+          <a:solidFill>
+            <a:schemeClr val="phClr"/>
+          </a:solidFill>
+          <a:prstDash val="solid"/>
+          <a:miter lim="800000"/>
+        </a:ln>
+        <a:ln w="12700" cap="flat" cmpd="sng" algn="ctr">
+          <a:solidFill>
+            <a:schemeClr val="phClr"/>
+          </a:solidFill>
+          <a:prstDash val="solid"/>
+          <a:miter lim="800000"/>
+        </a:ln>
+        <a:ln w="19050" cap="flat" cmpd="sng" algn="ctr">
+          <a:solidFill>
+            <a:schemeClr val="phClr"/>
+          </a:solidFill>
+          <a:prstDash val="solid"/>
+          <a:miter lim="800000"/>
+        </a:ln>
+      </a:lnStyleLst>
+      <a:effectStyleLst>
+        <a:effectStyle>
+          <a:effectLst/>
+        </a:effectStyle>
+        <a:effectStyle>
+          <a:effectLst/>
+        </a:effectStyle>
+        <a:effectStyle>
+          <a:effectLst>
+            <a:outerShdw blurRad="57150" dist="19050" dir="5400000" algn="ctr" rotWithShape="0">
+              <a:srgbClr val="000000">
+                <a:alpha val="63000"/>
+              </a:srgbClr>
+            </a:outerShdw>
+          </a:effectLst>
+        </a:effectStyle>
+      </a:effectStyleLst>
+      <a:bgFillStyleLst>
+        <a:solidFill>
+          <a:schemeClr val="phClr"/>
+        </a:solidFill>
+        <a:solidFill>
+          <a:schemeClr val="phClr">
+            <a:tint val="95000"/>
+            <a:satMod val="170000"/>
+          </a:schemeClr>
+        </a:solidFill>
+        <a:gradFill rotWithShape="1">
+          <a:gsLst>
+            <a:gs pos="0">
+              <a:schemeClr val="phClr">
+                <a:tint val="93000"/>
+                <a:satMod val="150000"/>
+                <a:shade val="98000"/>
+                <a:lumMod val="102000"/>
+              </a:schemeClr>
+            </a:gs>
+            <a:gs pos="50000">
+              <a:schemeClr val="phClr">
+                <a:tint val="98000"/>
+                <a:satMod val="130000"/>
+                <a:shade val="90000"/>
+                <a:lumMod val="103000"/>
+              </a:schemeClr>
+            </a:gs>
+            <a:gs pos="100000">
+              <a:schemeClr val="phClr">
+                <a:shade val="63000"/>
+                <a:satMod val="120000"/>
+              </a:schemeClr>
+            </a:gs>
+          </a:gsLst>
+          <a:lin ang="5400000" scaled="0"/>
+        </a:gradFill>
+      </a:bgFillStyleLst>
+    </a:fmtScheme>
+  </a:themeElements>
+  <a:objectDefaults/>
+  <a:extraClrSchemeLst/>
+  <a:extLst>
+    <a:ext uri="{05A4C25C-085E-4340-85A3-A5531E510DB2}">
+      <thm15:themeFamily xmlns:thm15="http://schemas.microsoft.com/office/thememl/2012/main" name="Office Theme" id="{62F939B6-93AF-4DB8-9C6B-D6C7DFDC589F}" vid="{4A3C46E8-61CC-4603-A589-7422A47A8E4A}"/>
+    </a:ext>
+  </a:extLst>
+</a:theme>
+</file>
+
+<file path=ppt/theme/theme2.xml><?xml version="1.0" encoding="utf-8"?>
+<a:theme xmlns:a="http://schemas.openxmlformats.org/drawingml/2006/main" name="Office 主题">
   <a:themeElements>
     <a:clrScheme name="Office">
       <a:dk1>
@@ -3739,7 +5043,7 @@
         <a:srgbClr val="E7E6E6"/>
       </a:lt2>
       <a:accent1>
-        <a:srgbClr val="4472C4"/>
+        <a:srgbClr val="5B9BD5"/>
       </a:accent1>
       <a:accent2>
         <a:srgbClr val="ED7D31"/>
@@ -3751,7 +5055,7 @@
         <a:srgbClr val="FFC000"/>
       </a:accent4>
       <a:accent5>
-        <a:srgbClr val="5B9BD5"/>
+        <a:srgbClr val="4472C4"/>
       </a:accent5>
       <a:accent6>
         <a:srgbClr val="70AD47"/>
@@ -3765,12 +5069,12 @@
     </a:clrScheme>
     <a:fontScheme name="Office">
       <a:majorFont>
-        <a:latin typeface="等线 Light" panose="020F0302020204030204"/>
+        <a:latin typeface="Calibri Light"/>
         <a:ea typeface=""/>
         <a:cs typeface=""/>
-        <a:font script="Jpan" typeface="游ゴシック Light"/>
+        <a:font script="Jpan" typeface="ＭＳ Ｐゴシック"/>
         <a:font script="Hang" typeface="맑은 고딕"/>
-        <a:font script="Hans" typeface="等线 Light"/>
+        <a:font script="Hans" typeface="宋体"/>
         <a:font script="Hant" typeface="新細明體"/>
         <a:font script="Arab" typeface="Times New Roman"/>
         <a:font script="Hebr" typeface="Times New Roman"/>
@@ -3798,31 +5102,14 @@
         <a:font script="Viet" typeface="Times New Roman"/>
         <a:font script="Uigh" typeface="Microsoft Uighur"/>
         <a:font script="Geor" typeface="Sylfaen"/>
-        <a:font script="Armn" typeface="Arial"/>
-        <a:font script="Bugi" typeface="Leelawadee UI"/>
-        <a:font script="Bopo" typeface="Microsoft JhengHei"/>
-        <a:font script="Java" typeface="Javanese Text"/>
-        <a:font script="Lisu" typeface="Segoe UI"/>
-        <a:font script="Mymr" typeface="Myanmar Text"/>
-        <a:font script="Nkoo" typeface="Ebrima"/>
-        <a:font script="Olck" typeface="Nirmala UI"/>
-        <a:font script="Osma" typeface="Ebrima"/>
-        <a:font script="Phag" typeface="Phagspa"/>
-        <a:font script="Syrn" typeface="Estrangelo Edessa"/>
-        <a:font script="Syrj" typeface="Estrangelo Edessa"/>
-        <a:font script="Syre" typeface="Estrangelo Edessa"/>
-        <a:font script="Sora" typeface="Nirmala UI"/>
-        <a:font script="Tale" typeface="Microsoft Tai Le"/>
-        <a:font script="Talu" typeface="Microsoft New Tai Lue"/>
-        <a:font script="Tfng" typeface="Ebrima"/>
       </a:majorFont>
       <a:minorFont>
-        <a:latin typeface="等线" panose="020F0502020204030204"/>
+        <a:latin typeface="Calibri"/>
         <a:ea typeface=""/>
         <a:cs typeface=""/>
-        <a:font script="Jpan" typeface="游ゴシック"/>
+        <a:font script="Jpan" typeface="ＭＳ Ｐゴシック"/>
         <a:font script="Hang" typeface="맑은 고딕"/>
-        <a:font script="Hans" typeface="等线"/>
+        <a:font script="Hans" typeface="宋体"/>
         <a:font script="Hant" typeface="新細明體"/>
         <a:font script="Arab" typeface="Arial"/>
         <a:font script="Hebr" typeface="Arial"/>
@@ -3850,23 +5137,6 @@
         <a:font script="Viet" typeface="Arial"/>
         <a:font script="Uigh" typeface="Microsoft Uighur"/>
         <a:font script="Geor" typeface="Sylfaen"/>
-        <a:font script="Armn" typeface="Arial"/>
-        <a:font script="Bugi" typeface="Leelawadee UI"/>
-        <a:font script="Bopo" typeface="Microsoft JhengHei"/>
-        <a:font script="Java" typeface="Javanese Text"/>
-        <a:font script="Lisu" typeface="Segoe UI"/>
-        <a:font script="Mymr" typeface="Myanmar Text"/>
-        <a:font script="Nkoo" typeface="Ebrima"/>
-        <a:font script="Olck" typeface="Nirmala UI"/>
-        <a:font script="Osma" typeface="Ebrima"/>
-        <a:font script="Phag" typeface="Phagspa"/>
-        <a:font script="Syrn" typeface="Estrangelo Edessa"/>
-        <a:font script="Syrj" typeface="Estrangelo Edessa"/>
-        <a:font script="Syre" typeface="Estrangelo Edessa"/>
-        <a:font script="Sora" typeface="Nirmala UI"/>
-        <a:font script="Tale" typeface="Microsoft Tai Le"/>
-        <a:font script="Talu" typeface="Microsoft New Tai Lue"/>
-        <a:font script="Tfng" typeface="Ebrima"/>
       </a:minorFont>
     </a:fontScheme>
     <a:fmtScheme name="Office">
